--- a/Предзащита/Исследование системы MAP.pptx
+++ b/Предзащита/Исследование системы MAP.pptx
@@ -6,20 +6,28 @@
   </p:sldMasterIdLst>
   <p:sldIdLst>
     <p:sldId id="256" r:id="rId2"/>
-    <p:sldId id="258" r:id="rId3"/>
-    <p:sldId id="260" r:id="rId4"/>
-    <p:sldId id="259" r:id="rId5"/>
-    <p:sldId id="257" r:id="rId6"/>
-    <p:sldId id="262" r:id="rId7"/>
-    <p:sldId id="261" r:id="rId8"/>
-    <p:sldId id="263" r:id="rId9"/>
-    <p:sldId id="264" r:id="rId10"/>
-    <p:sldId id="265" r:id="rId11"/>
-    <p:sldId id="266" r:id="rId12"/>
-    <p:sldId id="267" r:id="rId13"/>
-    <p:sldId id="268" r:id="rId14"/>
-    <p:sldId id="269" r:id="rId15"/>
-    <p:sldId id="270" r:id="rId16"/>
+    <p:sldId id="271" r:id="rId3"/>
+    <p:sldId id="272" r:id="rId4"/>
+    <p:sldId id="273" r:id="rId5"/>
+    <p:sldId id="274" r:id="rId6"/>
+    <p:sldId id="258" r:id="rId7"/>
+    <p:sldId id="260" r:id="rId8"/>
+    <p:sldId id="275" r:id="rId9"/>
+    <p:sldId id="259" r:id="rId10"/>
+    <p:sldId id="276" r:id="rId11"/>
+    <p:sldId id="257" r:id="rId12"/>
+    <p:sldId id="262" r:id="rId13"/>
+    <p:sldId id="261" r:id="rId14"/>
+    <p:sldId id="277" r:id="rId15"/>
+    <p:sldId id="278" r:id="rId16"/>
+    <p:sldId id="263" r:id="rId17"/>
+    <p:sldId id="264" r:id="rId18"/>
+    <p:sldId id="265" r:id="rId19"/>
+    <p:sldId id="266" r:id="rId20"/>
+    <p:sldId id="267" r:id="rId21"/>
+    <p:sldId id="268" r:id="rId22"/>
+    <p:sldId id="269" r:id="rId23"/>
+    <p:sldId id="270" r:id="rId24"/>
   </p:sldIdLst>
   <p:sldSz cx="12192000" cy="6858000"/>
   <p:notesSz cx="6858000" cy="9144000"/>
@@ -118,6 +126,11 @@
       </a:defRPr>
     </a:lvl9pPr>
   </p:defaultTextStyle>
+  <p:extLst>
+    <p:ext uri="{EFAFB233-063F-42B5-8137-9DF3F51BA10A}">
+      <p15:sldGuideLst xmlns:p15="http://schemas.microsoft.com/office/powerpoint/2012/main"/>
+    </p:ext>
+  </p:extLst>
 </p:presentation>
 </file>
 
@@ -252,7 +265,7 @@
           <a:p>
             <a:fld id="{0B6F8432-AF59-4757-932E-CD562E87BAD7}" type="datetimeFigureOut">
               <a:rPr lang="ru-RU" smtClean="0"/>
-              <a:t>28.05.2019</a:t>
+              <a:t>14.06.2019</a:t>
             </a:fld>
             <a:endParaRPr lang="ru-RU"/>
           </a:p>
@@ -422,7 +435,7 @@
           <a:p>
             <a:fld id="{0B6F8432-AF59-4757-932E-CD562E87BAD7}" type="datetimeFigureOut">
               <a:rPr lang="ru-RU" smtClean="0"/>
-              <a:t>28.05.2019</a:t>
+              <a:t>14.06.2019</a:t>
             </a:fld>
             <a:endParaRPr lang="ru-RU"/>
           </a:p>
@@ -602,7 +615,7 @@
           <a:p>
             <a:fld id="{0B6F8432-AF59-4757-932E-CD562E87BAD7}" type="datetimeFigureOut">
               <a:rPr lang="ru-RU" smtClean="0"/>
-              <a:t>28.05.2019</a:t>
+              <a:t>14.06.2019</a:t>
             </a:fld>
             <a:endParaRPr lang="ru-RU"/>
           </a:p>
@@ -772,7 +785,7 @@
           <a:p>
             <a:fld id="{0B6F8432-AF59-4757-932E-CD562E87BAD7}" type="datetimeFigureOut">
               <a:rPr lang="ru-RU" smtClean="0"/>
-              <a:t>28.05.2019</a:t>
+              <a:t>14.06.2019</a:t>
             </a:fld>
             <a:endParaRPr lang="ru-RU"/>
           </a:p>
@@ -1018,7 +1031,7 @@
           <a:p>
             <a:fld id="{0B6F8432-AF59-4757-932E-CD562E87BAD7}" type="datetimeFigureOut">
               <a:rPr lang="ru-RU" smtClean="0"/>
-              <a:t>28.05.2019</a:t>
+              <a:t>14.06.2019</a:t>
             </a:fld>
             <a:endParaRPr lang="ru-RU"/>
           </a:p>
@@ -1250,7 +1263,7 @@
           <a:p>
             <a:fld id="{0B6F8432-AF59-4757-932E-CD562E87BAD7}" type="datetimeFigureOut">
               <a:rPr lang="ru-RU" smtClean="0"/>
-              <a:t>28.05.2019</a:t>
+              <a:t>14.06.2019</a:t>
             </a:fld>
             <a:endParaRPr lang="ru-RU"/>
           </a:p>
@@ -1617,7 +1630,7 @@
           <a:p>
             <a:fld id="{0B6F8432-AF59-4757-932E-CD562E87BAD7}" type="datetimeFigureOut">
               <a:rPr lang="ru-RU" smtClean="0"/>
-              <a:t>28.05.2019</a:t>
+              <a:t>14.06.2019</a:t>
             </a:fld>
             <a:endParaRPr lang="ru-RU"/>
           </a:p>
@@ -1735,7 +1748,7 @@
           <a:p>
             <a:fld id="{0B6F8432-AF59-4757-932E-CD562E87BAD7}" type="datetimeFigureOut">
               <a:rPr lang="ru-RU" smtClean="0"/>
-              <a:t>28.05.2019</a:t>
+              <a:t>14.06.2019</a:t>
             </a:fld>
             <a:endParaRPr lang="ru-RU"/>
           </a:p>
@@ -1830,7 +1843,7 @@
           <a:p>
             <a:fld id="{0B6F8432-AF59-4757-932E-CD562E87BAD7}" type="datetimeFigureOut">
               <a:rPr lang="ru-RU" smtClean="0"/>
-              <a:t>28.05.2019</a:t>
+              <a:t>14.06.2019</a:t>
             </a:fld>
             <a:endParaRPr lang="ru-RU"/>
           </a:p>
@@ -2107,7 +2120,7 @@
           <a:p>
             <a:fld id="{0B6F8432-AF59-4757-932E-CD562E87BAD7}" type="datetimeFigureOut">
               <a:rPr lang="ru-RU" smtClean="0"/>
-              <a:t>28.05.2019</a:t>
+              <a:t>14.06.2019</a:t>
             </a:fld>
             <a:endParaRPr lang="ru-RU"/>
           </a:p>
@@ -2360,7 +2373,7 @@
           <a:p>
             <a:fld id="{0B6F8432-AF59-4757-932E-CD562E87BAD7}" type="datetimeFigureOut">
               <a:rPr lang="ru-RU" smtClean="0"/>
-              <a:t>28.05.2019</a:t>
+              <a:t>14.06.2019</a:t>
             </a:fld>
             <a:endParaRPr lang="ru-RU"/>
           </a:p>
@@ -2573,7 +2586,7 @@
           <a:p>
             <a:fld id="{0B6F8432-AF59-4757-932E-CD562E87BAD7}" type="datetimeFigureOut">
               <a:rPr lang="ru-RU" smtClean="0"/>
-              <a:t>28.05.2019</a:t>
+              <a:t>14.06.2019</a:t>
             </a:fld>
             <a:endParaRPr lang="ru-RU"/>
           </a:p>
@@ -2988,21 +3001,26 @@
             <p:ph type="ctrTitle"/>
           </p:nvPr>
         </p:nvSpPr>
-        <p:spPr/>
+        <p:spPr>
+          <a:xfrm>
+            <a:off x="1524000" y="1889185"/>
+            <a:ext cx="8663796" cy="1370612"/>
+          </a:xfrm>
+        </p:spPr>
         <p:txBody>
           <a:bodyPr>
-            <a:normAutofit/>
+            <a:normAutofit fontScale="90000"/>
           </a:bodyPr>
           <a:lstStyle/>
           <a:p>
             <a:r>
-              <a:rPr lang="ru-RU" sz="4000" b="1" dirty="0" smtClean="0">
+              <a:rPr lang="ru-RU" sz="3200" b="1" dirty="0" smtClean="0">
                 <a:latin typeface="Times New Roman" panose="02020603050405020304" pitchFamily="18" charset="0"/>
                 <a:cs typeface="Times New Roman" panose="02020603050405020304" pitchFamily="18" charset="0"/>
               </a:rPr>
               <a:t>Исследование системы MAP/G/1 работающей с использованием энергии, генерируемой в режиме реального времени</a:t>
             </a:r>
-            <a:endParaRPr lang="ru-RU" sz="4000" b="1" dirty="0">
+            <a:endParaRPr lang="ru-RU" sz="3200" b="1" dirty="0">
               <a:latin typeface="Times New Roman" panose="02020603050405020304" pitchFamily="18" charset="0"/>
               <a:cs typeface="Times New Roman" panose="02020603050405020304" pitchFamily="18" charset="0"/>
             </a:endParaRPr>
@@ -3019,9 +3037,16 @@
             <p:ph type="subTitle" idx="1"/>
           </p:nvPr>
         </p:nvSpPr>
-        <p:spPr/>
+        <p:spPr>
+          <a:xfrm>
+            <a:off x="1524000" y="3636543"/>
+            <a:ext cx="9144000" cy="2203539"/>
+          </a:xfrm>
+        </p:spPr>
         <p:txBody>
-          <a:bodyPr/>
+          <a:bodyPr>
+            <a:normAutofit fontScale="92500" lnSpcReduction="20000"/>
+          </a:bodyPr>
           <a:lstStyle/>
           <a:p>
             <a:r>
@@ -3031,7 +3056,220 @@
               </a:rPr>
               <a:t>Джига Александр Олегович</a:t>
             </a:r>
+          </a:p>
+          <a:p>
             <a:endParaRPr lang="ru-RU" dirty="0">
+              <a:latin typeface="Times New Roman" panose="02020603050405020304" pitchFamily="18" charset="0"/>
+              <a:cs typeface="Times New Roman" panose="02020603050405020304" pitchFamily="18" charset="0"/>
+            </a:endParaRPr>
+          </a:p>
+          <a:p>
+            <a:pPr algn="r"/>
+            <a:r>
+              <a:rPr lang="ru-RU" altLang="ru-RU" dirty="0"/>
+              <a:t>Научный руководитель:</a:t>
+            </a:r>
+          </a:p>
+          <a:p>
+            <a:pPr algn="r"/>
+            <a:r>
+              <a:rPr lang="ru-RU" dirty="0">
+                <a:latin typeface="Times New Roman" panose="02020603050405020304" pitchFamily="18" charset="0"/>
+                <a:cs typeface="Times New Roman" panose="02020603050405020304" pitchFamily="18" charset="0"/>
+              </a:rPr>
+              <a:t>доктор </a:t>
+            </a:r>
+            <a:r>
+              <a:rPr lang="ru-RU" dirty="0" err="1">
+                <a:latin typeface="Times New Roman" panose="02020603050405020304" pitchFamily="18" charset="0"/>
+                <a:cs typeface="Times New Roman" panose="02020603050405020304" pitchFamily="18" charset="0"/>
+              </a:rPr>
+              <a:t>физ</a:t>
+            </a:r>
+            <a:r>
+              <a:rPr lang="ru-RU" dirty="0">
+                <a:latin typeface="Times New Roman" panose="02020603050405020304" pitchFamily="18" charset="0"/>
+                <a:cs typeface="Times New Roman" panose="02020603050405020304" pitchFamily="18" charset="0"/>
+              </a:rPr>
+              <a:t>-мат наук</a:t>
+            </a:r>
+            <a:r>
+              <a:rPr lang="ru-RU" dirty="0" smtClean="0">
+                <a:latin typeface="Times New Roman" panose="02020603050405020304" pitchFamily="18" charset="0"/>
+                <a:cs typeface="Times New Roman" panose="02020603050405020304" pitchFamily="18" charset="0"/>
+              </a:rPr>
+              <a:t>,</a:t>
+            </a:r>
+            <a:r>
+              <a:rPr lang="ru-RU" dirty="0">
+                <a:latin typeface="Times New Roman" panose="02020603050405020304" pitchFamily="18" charset="0"/>
+                <a:cs typeface="Times New Roman" panose="02020603050405020304" pitchFamily="18" charset="0"/>
+              </a:rPr>
+              <a:t/>
+            </a:r>
+            <a:br>
+              <a:rPr lang="ru-RU" dirty="0">
+                <a:latin typeface="Times New Roman" panose="02020603050405020304" pitchFamily="18" charset="0"/>
+                <a:cs typeface="Times New Roman" panose="02020603050405020304" pitchFamily="18" charset="0"/>
+              </a:rPr>
+            </a:br>
+            <a:r>
+              <a:rPr lang="ru-RU" dirty="0" smtClean="0">
+                <a:latin typeface="Times New Roman" panose="02020603050405020304" pitchFamily="18" charset="0"/>
+                <a:cs typeface="Times New Roman" panose="02020603050405020304" pitchFamily="18" charset="0"/>
+              </a:rPr>
+              <a:t>профессор</a:t>
+            </a:r>
+          </a:p>
+          <a:p>
+            <a:pPr algn="r"/>
+            <a:r>
+              <a:rPr lang="ru-RU" dirty="0">
+                <a:latin typeface="Times New Roman" panose="02020603050405020304" pitchFamily="18" charset="0"/>
+                <a:cs typeface="Times New Roman" panose="02020603050405020304" pitchFamily="18" charset="0"/>
+              </a:rPr>
+              <a:t>Дудин Александр Николаевич</a:t>
+            </a:r>
+          </a:p>
+        </p:txBody>
+      </p:sp>
+      <p:sp>
+        <p:nvSpPr>
+          <p:cNvPr id="4" name="Заголовок 1"/>
+          <p:cNvSpPr txBox="1">
+            <a:spLocks/>
+          </p:cNvSpPr>
+          <p:nvPr/>
+        </p:nvSpPr>
+        <p:spPr>
+          <a:xfrm>
+            <a:off x="1236453" y="-717940"/>
+            <a:ext cx="9144000" cy="2387600"/>
+          </a:xfrm>
+          <a:prstGeom prst="rect">
+            <a:avLst/>
+          </a:prstGeom>
+        </p:spPr>
+        <p:txBody>
+          <a:bodyPr vert="horz" lIns="91440" tIns="45720" rIns="91440" bIns="45720" rtlCol="0" anchor="b">
+            <a:normAutofit/>
+          </a:bodyPr>
+          <a:lstStyle>
+            <a:lvl1pPr algn="ctr" defTabSz="914400" rtl="0" eaLnBrk="1" latinLnBrk="0" hangingPunct="1">
+              <a:lnSpc>
+                <a:spcPct val="90000"/>
+              </a:lnSpc>
+              <a:spcBef>
+                <a:spcPct val="0"/>
+              </a:spcBef>
+              <a:buNone/>
+              <a:defRPr sz="6000" kern="1200">
+                <a:solidFill>
+                  <a:schemeClr val="tx1"/>
+                </a:solidFill>
+                <a:latin typeface="+mj-lt"/>
+                <a:ea typeface="+mj-ea"/>
+                <a:cs typeface="+mj-cs"/>
+              </a:defRPr>
+            </a:lvl1pPr>
+          </a:lstStyle>
+          <a:p>
+            <a:r>
+              <a:rPr lang="ru-RU" altLang="ru-RU" sz="1800" b="1" dirty="0">
+                <a:solidFill>
+                  <a:srgbClr val="000000"/>
+                </a:solidFill>
+                <a:latin typeface="Times New Roman" pitchFamily="18" charset="0"/>
+                <a:ea typeface="Calibri" pitchFamily="34" charset="0"/>
+                <a:cs typeface="Times New Roman" pitchFamily="18" charset="0"/>
+              </a:rPr>
+              <a:t>МИНИСТЕРСТВО ОБРАЗОВАНИЯ РЕСПУБЛИКИ БЕЛАРУСЬ</a:t>
+            </a:r>
+            <a:r>
+              <a:rPr lang="ru-RU" altLang="ru-RU" sz="1800" dirty="0">
+                <a:latin typeface="Times New Roman" pitchFamily="18" charset="0"/>
+                <a:ea typeface="Calibri" pitchFamily="34" charset="0"/>
+                <a:cs typeface="Times New Roman" pitchFamily="18" charset="0"/>
+              </a:rPr>
+              <a:t/>
+            </a:r>
+            <a:br>
+              <a:rPr lang="ru-RU" altLang="ru-RU" sz="1800" dirty="0">
+                <a:latin typeface="Times New Roman" pitchFamily="18" charset="0"/>
+                <a:ea typeface="Calibri" pitchFamily="34" charset="0"/>
+                <a:cs typeface="Times New Roman" pitchFamily="18" charset="0"/>
+              </a:rPr>
+            </a:br>
+            <a:r>
+              <a:rPr lang="ru-RU" altLang="ru-RU" sz="1800" b="1" dirty="0">
+                <a:latin typeface="Times New Roman" pitchFamily="18" charset="0"/>
+                <a:ea typeface="Calibri" pitchFamily="34" charset="0"/>
+                <a:cs typeface="Times New Roman" pitchFamily="18" charset="0"/>
+              </a:rPr>
+              <a:t>БЕЛОРУССКИЙ ГОСУДАРСТВЕННЫЙ УНИВЕРСИТЕТ</a:t>
+            </a:r>
+            <a:r>
+              <a:rPr lang="ru-RU" altLang="ru-RU" sz="1800" dirty="0">
+                <a:latin typeface="Times New Roman" pitchFamily="18" charset="0"/>
+                <a:ea typeface="Calibri" pitchFamily="34" charset="0"/>
+                <a:cs typeface="Times New Roman" pitchFamily="18" charset="0"/>
+              </a:rPr>
+              <a:t/>
+            </a:r>
+            <a:br>
+              <a:rPr lang="ru-RU" altLang="ru-RU" sz="1800" dirty="0">
+                <a:latin typeface="Times New Roman" pitchFamily="18" charset="0"/>
+                <a:ea typeface="Calibri" pitchFamily="34" charset="0"/>
+                <a:cs typeface="Times New Roman" pitchFamily="18" charset="0"/>
+              </a:rPr>
+            </a:br>
+            <a:r>
+              <a:rPr lang="ru-RU" altLang="ru-RU" sz="1800" b="1" dirty="0">
+                <a:latin typeface="Times New Roman" pitchFamily="18" charset="0"/>
+                <a:ea typeface="Calibri" pitchFamily="34" charset="0"/>
+                <a:cs typeface="Times New Roman" pitchFamily="18" charset="0"/>
+              </a:rPr>
+              <a:t>ФАКУЛЬТЕТ ПРИКЛАДНОЙ МАТЕМАТИКИ И ИНФОРМАТИКИ</a:t>
+            </a:r>
+            <a:r>
+              <a:rPr lang="ru-RU" altLang="ru-RU" sz="1800" dirty="0">
+                <a:latin typeface="Times New Roman" pitchFamily="18" charset="0"/>
+                <a:ea typeface="Calibri" pitchFamily="34" charset="0"/>
+                <a:cs typeface="Times New Roman" pitchFamily="18" charset="0"/>
+              </a:rPr>
+              <a:t/>
+            </a:r>
+            <a:br>
+              <a:rPr lang="ru-RU" altLang="ru-RU" sz="1800" dirty="0">
+                <a:latin typeface="Times New Roman" pitchFamily="18" charset="0"/>
+                <a:ea typeface="Calibri" pitchFamily="34" charset="0"/>
+                <a:cs typeface="Times New Roman" pitchFamily="18" charset="0"/>
+              </a:rPr>
+            </a:br>
+            <a:r>
+              <a:rPr lang="ru-RU" altLang="ru-RU" sz="1800" b="1" dirty="0">
+                <a:latin typeface="Times New Roman" pitchFamily="18" charset="0"/>
+                <a:ea typeface="Calibri" pitchFamily="34" charset="0"/>
+                <a:cs typeface="Times New Roman" pitchFamily="18" charset="0"/>
+              </a:rPr>
+              <a:t>Кафедра теории вероятностей и математической статистики</a:t>
+            </a:r>
+            <a:r>
+              <a:rPr lang="ru-RU" altLang="ru-RU" sz="1800" dirty="0">
+                <a:latin typeface="Times New Roman" pitchFamily="18" charset="0"/>
+                <a:ea typeface="Calibri" pitchFamily="34" charset="0"/>
+                <a:cs typeface="Times New Roman" pitchFamily="18" charset="0"/>
+              </a:rPr>
+              <a:t/>
+            </a:r>
+            <a:br>
+              <a:rPr lang="ru-RU" altLang="ru-RU" sz="1800" dirty="0">
+                <a:latin typeface="Times New Roman" pitchFamily="18" charset="0"/>
+                <a:ea typeface="Calibri" pitchFamily="34" charset="0"/>
+                <a:cs typeface="Times New Roman" pitchFamily="18" charset="0"/>
+              </a:rPr>
+            </a:br>
+            <a:endParaRPr lang="ru-RU" sz="1800" b="1" dirty="0">
               <a:latin typeface="Times New Roman" panose="02020603050405020304" pitchFamily="18" charset="0"/>
               <a:cs typeface="Times New Roman" panose="02020603050405020304" pitchFamily="18" charset="0"/>
             </a:endParaRPr>
@@ -3090,132 +3328,108 @@
           <a:bodyPr/>
           <a:lstStyle/>
           <a:p>
-            <a:pPr algn="ctr"/>
+            <a:r>
+              <a:rPr lang="ru-RU" dirty="0">
+                <a:latin typeface="Times New Roman" panose="02020603050405020304" pitchFamily="18" charset="0"/>
+                <a:cs typeface="Times New Roman" panose="02020603050405020304" pitchFamily="18" charset="0"/>
+              </a:rPr>
+              <a:t>Критерий эргодичности системы</a:t>
+            </a:r>
+            <a:endParaRPr lang="ru-RU" dirty="0"/>
+          </a:p>
+        </p:txBody>
+      </p:sp>
+      <p:sp>
+        <p:nvSpPr>
+          <p:cNvPr id="3" name="Объект 2"/>
+          <p:cNvSpPr>
+            <a:spLocks noGrp="1"/>
+          </p:cNvSpPr>
+          <p:nvPr>
+            <p:ph idx="1"/>
+          </p:nvPr>
+        </p:nvSpPr>
+        <p:spPr/>
+        <p:txBody>
+          <a:bodyPr/>
+          <a:lstStyle/>
+          <a:p>
+            <a:pPr marL="0" indent="0">
+              <a:buNone/>
+            </a:pPr>
+            <a:r>
+              <a:rPr lang="ru-RU" dirty="0">
+                <a:latin typeface="Times New Roman" panose="02020603050405020304" pitchFamily="18" charset="0"/>
+                <a:cs typeface="Times New Roman" panose="02020603050405020304" pitchFamily="18" charset="0"/>
+              </a:rPr>
+              <a:t>Условие эргодичности </a:t>
+            </a:r>
             <a:r>
               <a:rPr lang="ru-RU" dirty="0" smtClean="0">
                 <a:latin typeface="Times New Roman" panose="02020603050405020304" pitchFamily="18" charset="0"/>
                 <a:cs typeface="Times New Roman" panose="02020603050405020304" pitchFamily="18" charset="0"/>
               </a:rPr>
-              <a:t>Среднее количество единиц энергии в буфере</a:t>
-            </a:r>
-            <a:endParaRPr lang="ru-RU" dirty="0">
+              <a:t>определяет </a:t>
+            </a:r>
+            <a:r>
+              <a:rPr lang="ru-RU" dirty="0" smtClean="0">
+                <a:latin typeface="Times New Roman" panose="02020603050405020304" pitchFamily="18" charset="0"/>
+                <a:cs typeface="Times New Roman" panose="02020603050405020304" pitchFamily="18" charset="0"/>
+              </a:rPr>
+              <a:t>условие</a:t>
+            </a:r>
+            <a:r>
+              <a:rPr lang="ru-RU" dirty="0">
+                <a:latin typeface="Times New Roman" panose="02020603050405020304" pitchFamily="18" charset="0"/>
+                <a:cs typeface="Times New Roman" panose="02020603050405020304" pitchFamily="18" charset="0"/>
+              </a:rPr>
+              <a:t>, при котором система способна уменьшать число заявок в системе, когда она перегружена, т.е. среднее число заявок, поступающих за время обслуживания одной заявки, должно быть меньше единицы</a:t>
+            </a:r>
+            <a:r>
+              <a:rPr lang="ru-RU" dirty="0" smtClean="0">
+                <a:latin typeface="Times New Roman" panose="02020603050405020304" pitchFamily="18" charset="0"/>
+                <a:cs typeface="Times New Roman" panose="02020603050405020304" pitchFamily="18" charset="0"/>
+              </a:rPr>
+              <a:t>.</a:t>
+            </a:r>
+            <a:r>
+              <a:rPr lang="en-US" dirty="0" smtClean="0">
+                <a:latin typeface="Times New Roman" panose="02020603050405020304" pitchFamily="18" charset="0"/>
+                <a:cs typeface="Times New Roman" panose="02020603050405020304" pitchFamily="18" charset="0"/>
+              </a:rPr>
+              <a:t> </a:t>
+            </a:r>
+            <a:endParaRPr lang="ru-RU" dirty="0" smtClean="0">
               <a:latin typeface="Times New Roman" panose="02020603050405020304" pitchFamily="18" charset="0"/>
               <a:cs typeface="Times New Roman" panose="02020603050405020304" pitchFamily="18" charset="0"/>
             </a:endParaRPr>
           </a:p>
+          <a:p>
+            <a:pPr marL="0" indent="0">
+              <a:buNone/>
+            </a:pPr>
+            <a:r>
+              <a:rPr lang="ru-RU" dirty="0" smtClean="0">
+                <a:latin typeface="Times New Roman" panose="02020603050405020304" pitchFamily="18" charset="0"/>
+                <a:cs typeface="Times New Roman" panose="02020603050405020304" pitchFamily="18" charset="0"/>
+              </a:rPr>
+              <a:t>Критерий эргодичности </a:t>
+            </a:r>
+            <a:r>
+              <a:rPr lang="ru-RU" dirty="0" smtClean="0">
+                <a:latin typeface="Times New Roman" panose="02020603050405020304" pitchFamily="18" charset="0"/>
+                <a:cs typeface="Times New Roman" panose="02020603050405020304" pitchFamily="18" charset="0"/>
+              </a:rPr>
+              <a:t>позволяет вычислить такой ключевой параметр системы, как ее пропускная способность.   </a:t>
+            </a:r>
+            <a:endParaRPr lang="ru-RU" dirty="0"/>
+          </a:p>
         </p:txBody>
       </p:sp>
-      <p:pic>
-        <p:nvPicPr>
-          <p:cNvPr id="4" name="Объект 3"/>
-          <p:cNvPicPr>
-            <a:picLocks noGrp="1" noChangeAspect="1"/>
-          </p:cNvPicPr>
-          <p:nvPr>
-            <p:ph idx="1"/>
-          </p:nvPr>
-        </p:nvPicPr>
-        <p:blipFill>
-          <a:blip r:embed="rId2">
-            <a:extLst>
-              <a:ext uri="{28A0092B-C50C-407E-A947-70E740481C1C}">
-                <a14:useLocalDpi xmlns:a14="http://schemas.microsoft.com/office/drawing/2010/main" val="0"/>
-              </a:ext>
-            </a:extLst>
-          </a:blip>
-          <a:stretch>
-            <a:fillRect/>
-          </a:stretch>
-        </p:blipFill>
-        <p:spPr>
-          <a:xfrm>
-            <a:off x="838200" y="1842878"/>
-            <a:ext cx="4351338" cy="4351338"/>
-          </a:xfrm>
-        </p:spPr>
-      </p:pic>
-      <p:pic>
-        <p:nvPicPr>
-          <p:cNvPr id="5" name="Рисунок 4"/>
-          <p:cNvPicPr>
-            <a:picLocks noChangeAspect="1"/>
-          </p:cNvPicPr>
-          <p:nvPr/>
-        </p:nvPicPr>
-        <p:blipFill>
-          <a:blip r:embed="rId3">
-            <a:extLst>
-              <a:ext uri="{28A0092B-C50C-407E-A947-70E740481C1C}">
-                <a14:useLocalDpi xmlns:a14="http://schemas.microsoft.com/office/drawing/2010/main" val="0"/>
-              </a:ext>
-            </a:extLst>
-          </a:blip>
-          <a:stretch>
-            <a:fillRect/>
-          </a:stretch>
-        </p:blipFill>
-        <p:spPr>
-          <a:xfrm>
-            <a:off x="7002462" y="1842878"/>
-            <a:ext cx="4351338" cy="4351338"/>
-          </a:xfrm>
-          <a:prstGeom prst="rect">
-            <a:avLst/>
-          </a:prstGeom>
-        </p:spPr>
-      </p:pic>
-      <p:pic>
-        <p:nvPicPr>
-          <p:cNvPr id="6" name="Рисунок 5"/>
-          <p:cNvPicPr>
-            <a:picLocks noChangeAspect="1"/>
-          </p:cNvPicPr>
-          <p:nvPr/>
-        </p:nvPicPr>
-        <p:blipFill>
-          <a:blip r:embed="rId4"/>
-          <a:stretch>
-            <a:fillRect/>
-          </a:stretch>
-        </p:blipFill>
-        <p:spPr>
-          <a:xfrm>
-            <a:off x="2537619" y="6194216"/>
-            <a:ext cx="952500" cy="361950"/>
-          </a:xfrm>
-          <a:prstGeom prst="rect">
-            <a:avLst/>
-          </a:prstGeom>
-        </p:spPr>
-      </p:pic>
-      <p:pic>
-        <p:nvPicPr>
-          <p:cNvPr id="7" name="Рисунок 6"/>
-          <p:cNvPicPr>
-            <a:picLocks noChangeAspect="1"/>
-          </p:cNvPicPr>
-          <p:nvPr/>
-        </p:nvPicPr>
-        <p:blipFill>
-          <a:blip r:embed="rId5"/>
-          <a:stretch>
-            <a:fillRect/>
-          </a:stretch>
-        </p:blipFill>
-        <p:spPr>
-          <a:xfrm>
-            <a:off x="8854281" y="6194216"/>
-            <a:ext cx="647700" cy="400050"/>
-          </a:xfrm>
-          <a:prstGeom prst="rect">
-            <a:avLst/>
-          </a:prstGeom>
-        </p:spPr>
-      </p:pic>
     </p:spTree>
     <p:extLst>
       <p:ext uri="{BB962C8B-B14F-4D97-AF65-F5344CB8AC3E}">
-        <p14:creationId xmlns:p14="http://schemas.microsoft.com/office/powerpoint/2010/main" val="535819122"/>
+        <p14:creationId xmlns:p14="http://schemas.microsoft.com/office/powerpoint/2010/main" val="1743182456"/>
       </p:ext>
     </p:extLst>
   </p:cSld>
@@ -3251,61 +3465,248 @@
       </p:grpSpPr>
       <p:sp>
         <p:nvSpPr>
-          <p:cNvPr id="2" name="Заголовок 1"/>
+          <p:cNvPr id="4" name="Объект 3"/>
           <p:cNvSpPr>
             <a:spLocks noGrp="1"/>
           </p:cNvSpPr>
           <p:nvPr>
-            <p:ph type="title"/>
+            <p:ph idx="1"/>
           </p:nvPr>
         </p:nvSpPr>
-        <p:spPr/>
+        <p:spPr>
+          <a:xfrm>
+            <a:off x="838200" y="508958"/>
+            <a:ext cx="10515600" cy="5668005"/>
+          </a:xfrm>
+        </p:spPr>
         <p:txBody>
-          <a:bodyPr/>
+          <a:bodyPr>
+            <a:normAutofit lnSpcReduction="10000"/>
+          </a:bodyPr>
           <a:lstStyle/>
           <a:p>
-            <a:pPr algn="ctr"/>
+            <a:pPr marL="0" indent="0">
+              <a:buNone/>
+            </a:pPr>
             <a:r>
               <a:rPr lang="ru-RU" dirty="0" smtClean="0">
                 <a:latin typeface="Times New Roman" panose="02020603050405020304" pitchFamily="18" charset="0"/>
                 <a:cs typeface="Times New Roman" panose="02020603050405020304" pitchFamily="18" charset="0"/>
               </a:rPr>
-              <a:t>Вероятность отсутствия запросов в системе</a:t>
-            </a:r>
+              <a:t>В данной системе условие эргодичности </a:t>
+            </a:r>
+            <a:r>
+              <a:rPr lang="ru-RU" dirty="0" smtClean="0">
+                <a:latin typeface="Times New Roman" panose="02020603050405020304" pitchFamily="18" charset="0"/>
+                <a:cs typeface="Times New Roman" panose="02020603050405020304" pitchFamily="18" charset="0"/>
+              </a:rPr>
+              <a:t>имеет вид</a:t>
+            </a:r>
+            <a:r>
+              <a:rPr lang="en-US" dirty="0" smtClean="0">
+                <a:latin typeface="Times New Roman" panose="02020603050405020304" pitchFamily="18" charset="0"/>
+                <a:cs typeface="Times New Roman" panose="02020603050405020304" pitchFamily="18" charset="0"/>
+              </a:rPr>
+              <a:t>: </a:t>
+            </a:r>
+            <a:r>
+              <a:rPr lang="ru-RU" dirty="0" smtClean="0">
+                <a:latin typeface="Times New Roman" panose="02020603050405020304" pitchFamily="18" charset="0"/>
+                <a:cs typeface="Times New Roman" panose="02020603050405020304" pitchFamily="18" charset="0"/>
+              </a:rPr>
+              <a:t> </a:t>
+            </a:r>
+            <a:r>
+              <a:rPr lang="ru-RU" dirty="0" smtClean="0">
+                <a:latin typeface="Times New Roman" panose="02020603050405020304" pitchFamily="18" charset="0"/>
+                <a:cs typeface="Times New Roman" panose="02020603050405020304" pitchFamily="18" charset="0"/>
+              </a:rPr>
+              <a:t>	</a:t>
+            </a:r>
+          </a:p>
+          <a:p>
+            <a:pPr marL="0" indent="0">
+              <a:buNone/>
+            </a:pPr>
             <a:endParaRPr lang="ru-RU" dirty="0">
               <a:latin typeface="Times New Roman" panose="02020603050405020304" pitchFamily="18" charset="0"/>
               <a:cs typeface="Times New Roman" panose="02020603050405020304" pitchFamily="18" charset="0"/>
             </a:endParaRPr>
           </a:p>
+          <a:p>
+            <a:pPr marL="0" indent="0">
+              <a:buNone/>
+            </a:pPr>
+            <a:endParaRPr lang="ru-RU" dirty="0" smtClean="0">
+              <a:latin typeface="Times New Roman" panose="02020603050405020304" pitchFamily="18" charset="0"/>
+              <a:cs typeface="Times New Roman" panose="02020603050405020304" pitchFamily="18" charset="0"/>
+            </a:endParaRPr>
+          </a:p>
+          <a:p>
+            <a:pPr marL="0" indent="0">
+              <a:buNone/>
+            </a:pPr>
+            <a:r>
+              <a:rPr lang="ru-RU" dirty="0" smtClean="0">
+                <a:latin typeface="Times New Roman" panose="02020603050405020304" pitchFamily="18" charset="0"/>
+                <a:cs typeface="Times New Roman" panose="02020603050405020304" pitchFamily="18" charset="0"/>
+              </a:rPr>
+              <a:t>	     </a:t>
+            </a:r>
+            <a:endParaRPr lang="ru-RU" dirty="0" smtClean="0">
+              <a:latin typeface="Times New Roman" panose="02020603050405020304" pitchFamily="18" charset="0"/>
+              <a:cs typeface="Times New Roman" panose="02020603050405020304" pitchFamily="18" charset="0"/>
+            </a:endParaRPr>
+          </a:p>
+          <a:p>
+            <a:pPr marL="0" indent="0">
+              <a:buNone/>
+            </a:pPr>
+            <a:r>
+              <a:rPr lang="ru-RU" dirty="0" smtClean="0">
+                <a:latin typeface="Times New Roman" panose="02020603050405020304" pitchFamily="18" charset="0"/>
+                <a:cs typeface="Times New Roman" panose="02020603050405020304" pitchFamily="18" charset="0"/>
+              </a:rPr>
+              <a:t>где </a:t>
+            </a:r>
+            <a:r>
+              <a:rPr lang="en-US" dirty="0" smtClean="0">
+                <a:latin typeface="Times New Roman" panose="02020603050405020304" pitchFamily="18" charset="0"/>
+                <a:cs typeface="Times New Roman" panose="02020603050405020304" pitchFamily="18" charset="0"/>
+              </a:rPr>
+              <a:t>u0 </a:t>
+            </a:r>
+            <a:r>
+              <a:rPr lang="ru-RU" dirty="0" smtClean="0">
+                <a:latin typeface="Times New Roman" panose="02020603050405020304" pitchFamily="18" charset="0"/>
+                <a:cs typeface="Times New Roman" panose="02020603050405020304" pitchFamily="18" charset="0"/>
+              </a:rPr>
+              <a:t>выражается из системы</a:t>
+            </a:r>
+            <a:r>
+              <a:rPr lang="en-US" dirty="0" smtClean="0">
+                <a:latin typeface="Times New Roman" panose="02020603050405020304" pitchFamily="18" charset="0"/>
+                <a:cs typeface="Times New Roman" panose="02020603050405020304" pitchFamily="18" charset="0"/>
+              </a:rPr>
+              <a:t>:</a:t>
+            </a:r>
+            <a:endParaRPr lang="ru-RU" dirty="0" smtClean="0">
+              <a:latin typeface="Times New Roman" panose="02020603050405020304" pitchFamily="18" charset="0"/>
+              <a:cs typeface="Times New Roman" panose="02020603050405020304" pitchFamily="18" charset="0"/>
+            </a:endParaRPr>
+          </a:p>
+          <a:p>
+            <a:pPr marL="0" indent="0">
+              <a:buNone/>
+            </a:pPr>
+            <a:endParaRPr lang="ru-RU" dirty="0">
+              <a:latin typeface="Times New Roman" panose="02020603050405020304" pitchFamily="18" charset="0"/>
+              <a:cs typeface="Times New Roman" panose="02020603050405020304" pitchFamily="18" charset="0"/>
+            </a:endParaRPr>
+          </a:p>
+          <a:p>
+            <a:pPr marL="0" indent="0">
+              <a:buNone/>
+            </a:pPr>
+            <a:endParaRPr lang="ru-RU" dirty="0" smtClean="0">
+              <a:latin typeface="Times New Roman" panose="02020603050405020304" pitchFamily="18" charset="0"/>
+              <a:cs typeface="Times New Roman" panose="02020603050405020304" pitchFamily="18" charset="0"/>
+            </a:endParaRPr>
+          </a:p>
+          <a:p>
+            <a:pPr marL="0" indent="0">
+              <a:buNone/>
+            </a:pPr>
+            <a:endParaRPr lang="ru-RU" dirty="0" smtClean="0">
+              <a:latin typeface="Times New Roman" panose="02020603050405020304" pitchFamily="18" charset="0"/>
+              <a:cs typeface="Times New Roman" panose="02020603050405020304" pitchFamily="18" charset="0"/>
+            </a:endParaRPr>
+          </a:p>
+          <a:p>
+            <a:pPr marL="0" indent="0">
+              <a:buNone/>
+            </a:pPr>
+            <a:endParaRPr lang="ru-RU" dirty="0">
+              <a:latin typeface="Times New Roman" panose="02020603050405020304" pitchFamily="18" charset="0"/>
+              <a:cs typeface="Times New Roman" panose="02020603050405020304" pitchFamily="18" charset="0"/>
+            </a:endParaRPr>
+          </a:p>
+          <a:p>
+            <a:pPr marL="0" indent="0">
+              <a:buNone/>
+            </a:pPr>
+            <a:r>
+              <a:rPr lang="ru-RU" dirty="0" smtClean="0">
+                <a:latin typeface="Times New Roman" panose="02020603050405020304" pitchFamily="18" charset="0"/>
+                <a:cs typeface="Times New Roman" panose="02020603050405020304" pitchFamily="18" charset="0"/>
+              </a:rPr>
+              <a:t>где </a:t>
+            </a:r>
+            <a:r>
+              <a:rPr lang="en-US" dirty="0" smtClean="0">
+                <a:latin typeface="Times New Roman" panose="02020603050405020304" pitchFamily="18" charset="0"/>
+                <a:cs typeface="Times New Roman" panose="02020603050405020304" pitchFamily="18" charset="0"/>
+              </a:rPr>
+              <a:t>T </a:t>
+            </a:r>
+            <a:r>
+              <a:rPr lang="ru-RU" dirty="0" smtClean="0">
+                <a:latin typeface="Times New Roman" panose="02020603050405020304" pitchFamily="18" charset="0"/>
+                <a:cs typeface="Times New Roman" panose="02020603050405020304" pitchFamily="18" charset="0"/>
+              </a:rPr>
+              <a:t>это время обслуживания одной заявки. </a:t>
+            </a:r>
+          </a:p>
+          <a:p>
+            <a:pPr marL="0" indent="0">
+              <a:buNone/>
+            </a:pPr>
+            <a:r>
+              <a:rPr lang="ru-RU" dirty="0">
+                <a:latin typeface="Times New Roman" panose="02020603050405020304" pitchFamily="18" charset="0"/>
+                <a:cs typeface="Times New Roman" panose="02020603050405020304" pitchFamily="18" charset="0"/>
+              </a:rPr>
+              <a:t>Условие существования стационарного режима в системе совпадает с </a:t>
+            </a:r>
+            <a:r>
+              <a:rPr lang="ru-RU" dirty="0" smtClean="0">
+                <a:latin typeface="Times New Roman" panose="02020603050405020304" pitchFamily="18" charset="0"/>
+                <a:cs typeface="Times New Roman" panose="02020603050405020304" pitchFamily="18" charset="0"/>
+              </a:rPr>
+              <a:t>условием эргодичности </a:t>
+            </a:r>
+            <a:r>
+              <a:rPr lang="ru-RU" dirty="0">
+                <a:latin typeface="Times New Roman" panose="02020603050405020304" pitchFamily="18" charset="0"/>
+                <a:cs typeface="Times New Roman" panose="02020603050405020304" pitchFamily="18" charset="0"/>
+              </a:rPr>
+              <a:t>вложенной цепи Маркова.</a:t>
+            </a:r>
+          </a:p>
         </p:txBody>
       </p:sp>
       <p:pic>
         <p:nvPicPr>
-          <p:cNvPr id="4" name="Объект 3"/>
+          <p:cNvPr id="9" name="Рисунок 8"/>
           <p:cNvPicPr>
-            <a:picLocks noGrp="1" noChangeAspect="1"/>
+            <a:picLocks noChangeAspect="1"/>
           </p:cNvPicPr>
-          <p:nvPr>
-            <p:ph idx="1"/>
-          </p:nvPr>
+          <p:nvPr/>
         </p:nvPicPr>
         <p:blipFill>
-          <a:blip r:embed="rId2">
-            <a:extLst>
-              <a:ext uri="{28A0092B-C50C-407E-A947-70E740481C1C}">
-                <a14:useLocalDpi xmlns:a14="http://schemas.microsoft.com/office/drawing/2010/main" val="0"/>
-              </a:ext>
-            </a:extLst>
-          </a:blip>
+          <a:blip r:embed="rId2"/>
           <a:stretch>
             <a:fillRect/>
           </a:stretch>
         </p:blipFill>
         <p:spPr>
           <a:xfrm>
-            <a:off x="838200" y="1894636"/>
-            <a:ext cx="4351338" cy="4351338"/>
+            <a:off x="933091" y="1771045"/>
+            <a:ext cx="1601638" cy="366606"/>
           </a:xfrm>
+          <a:prstGeom prst="rect">
+            <a:avLst/>
+          </a:prstGeom>
         </p:spPr>
       </p:pic>
       <p:pic>
@@ -3317,69 +3718,15 @@
           <p:nvPr/>
         </p:nvPicPr>
         <p:blipFill>
-          <a:blip r:embed="rId3">
-            <a:extLst>
-              <a:ext uri="{28A0092B-C50C-407E-A947-70E740481C1C}">
-                <a14:useLocalDpi xmlns:a14="http://schemas.microsoft.com/office/drawing/2010/main" val="0"/>
-              </a:ext>
-            </a:extLst>
-          </a:blip>
+          <a:blip r:embed="rId3"/>
           <a:stretch>
             <a:fillRect/>
           </a:stretch>
         </p:blipFill>
         <p:spPr>
           <a:xfrm>
-            <a:off x="7002462" y="1894636"/>
-            <a:ext cx="4351338" cy="4351338"/>
-          </a:xfrm>
-          <a:prstGeom prst="rect">
-            <a:avLst/>
-          </a:prstGeom>
-        </p:spPr>
-      </p:pic>
-      <p:pic>
-        <p:nvPicPr>
-          <p:cNvPr id="6" name="Рисунок 5"/>
-          <p:cNvPicPr>
-            <a:picLocks noChangeAspect="1"/>
-          </p:cNvPicPr>
-          <p:nvPr/>
-        </p:nvPicPr>
-        <p:blipFill>
-          <a:blip r:embed="rId4"/>
-          <a:stretch>
-            <a:fillRect/>
-          </a:stretch>
-        </p:blipFill>
-        <p:spPr>
-          <a:xfrm>
-            <a:off x="2537619" y="6268947"/>
-            <a:ext cx="952500" cy="361950"/>
-          </a:xfrm>
-          <a:prstGeom prst="rect">
-            <a:avLst/>
-          </a:prstGeom>
-        </p:spPr>
-      </p:pic>
-      <p:pic>
-        <p:nvPicPr>
-          <p:cNvPr id="7" name="Рисунок 6"/>
-          <p:cNvPicPr>
-            <a:picLocks noChangeAspect="1"/>
-          </p:cNvPicPr>
-          <p:nvPr/>
-        </p:nvPicPr>
-        <p:blipFill>
-          <a:blip r:embed="rId5"/>
-          <a:stretch>
-            <a:fillRect/>
-          </a:stretch>
-        </p:blipFill>
-        <p:spPr>
-          <a:xfrm>
-            <a:off x="8854281" y="6268947"/>
-            <a:ext cx="647700" cy="400050"/>
+            <a:off x="838200" y="2943862"/>
+            <a:ext cx="6019800" cy="1695450"/>
           </a:xfrm>
           <a:prstGeom prst="rect">
             <a:avLst/>
@@ -3389,7 +3736,7 @@
     </p:spTree>
     <p:extLst>
       <p:ext uri="{BB962C8B-B14F-4D97-AF65-F5344CB8AC3E}">
-        <p14:creationId xmlns:p14="http://schemas.microsoft.com/office/powerpoint/2010/main" val="694722448"/>
+        <p14:creationId xmlns:p14="http://schemas.microsoft.com/office/powerpoint/2010/main" val="811908914"/>
       </p:ext>
     </p:extLst>
   </p:cSld>
@@ -3435,1739 +3782,6 @@
         </p:nvSpPr>
         <p:spPr/>
         <p:txBody>
-          <a:bodyPr/>
-          <a:lstStyle/>
-          <a:p>
-            <a:pPr algn="ctr"/>
-            <a:r>
-              <a:rPr lang="ru-RU" dirty="0" smtClean="0">
-                <a:latin typeface="Times New Roman" panose="02020603050405020304" pitchFamily="18" charset="0"/>
-                <a:cs typeface="Times New Roman" panose="02020603050405020304" pitchFamily="18" charset="0"/>
-              </a:rPr>
-              <a:t>Вероятность отсутствия единиц энергии в буфере</a:t>
-            </a:r>
-            <a:endParaRPr lang="ru-RU" dirty="0">
-              <a:latin typeface="Times New Roman" panose="02020603050405020304" pitchFamily="18" charset="0"/>
-              <a:cs typeface="Times New Roman" panose="02020603050405020304" pitchFamily="18" charset="0"/>
-            </a:endParaRPr>
-          </a:p>
-        </p:txBody>
-      </p:sp>
-      <p:pic>
-        <p:nvPicPr>
-          <p:cNvPr id="4" name="Объект 3"/>
-          <p:cNvPicPr>
-            <a:picLocks noGrp="1" noChangeAspect="1"/>
-          </p:cNvPicPr>
-          <p:nvPr>
-            <p:ph idx="1"/>
-          </p:nvPr>
-        </p:nvPicPr>
-        <p:blipFill>
-          <a:blip r:embed="rId2">
-            <a:extLst>
-              <a:ext uri="{28A0092B-C50C-407E-A947-70E740481C1C}">
-                <a14:useLocalDpi xmlns:a14="http://schemas.microsoft.com/office/drawing/2010/main" val="0"/>
-              </a:ext>
-            </a:extLst>
-          </a:blip>
-          <a:stretch>
-            <a:fillRect/>
-          </a:stretch>
-        </p:blipFill>
-        <p:spPr>
-          <a:xfrm>
-            <a:off x="838200" y="1868757"/>
-            <a:ext cx="4351338" cy="4351338"/>
-          </a:xfrm>
-        </p:spPr>
-      </p:pic>
-      <p:pic>
-        <p:nvPicPr>
-          <p:cNvPr id="5" name="Рисунок 4"/>
-          <p:cNvPicPr>
-            <a:picLocks noChangeAspect="1"/>
-          </p:cNvPicPr>
-          <p:nvPr/>
-        </p:nvPicPr>
-        <p:blipFill>
-          <a:blip r:embed="rId3">
-            <a:extLst>
-              <a:ext uri="{28A0092B-C50C-407E-A947-70E740481C1C}">
-                <a14:useLocalDpi xmlns:a14="http://schemas.microsoft.com/office/drawing/2010/main" val="0"/>
-              </a:ext>
-            </a:extLst>
-          </a:blip>
-          <a:stretch>
-            <a:fillRect/>
-          </a:stretch>
-        </p:blipFill>
-        <p:spPr>
-          <a:xfrm>
-            <a:off x="7002462" y="1868757"/>
-            <a:ext cx="4351338" cy="4351338"/>
-          </a:xfrm>
-          <a:prstGeom prst="rect">
-            <a:avLst/>
-          </a:prstGeom>
-        </p:spPr>
-      </p:pic>
-      <p:pic>
-        <p:nvPicPr>
-          <p:cNvPr id="6" name="Рисунок 5"/>
-          <p:cNvPicPr>
-            <a:picLocks noChangeAspect="1"/>
-          </p:cNvPicPr>
-          <p:nvPr/>
-        </p:nvPicPr>
-        <p:blipFill>
-          <a:blip r:embed="rId4"/>
-          <a:stretch>
-            <a:fillRect/>
-          </a:stretch>
-        </p:blipFill>
-        <p:spPr>
-          <a:xfrm>
-            <a:off x="2537619" y="6301776"/>
-            <a:ext cx="952500" cy="361950"/>
-          </a:xfrm>
-          <a:prstGeom prst="rect">
-            <a:avLst/>
-          </a:prstGeom>
-        </p:spPr>
-      </p:pic>
-      <p:pic>
-        <p:nvPicPr>
-          <p:cNvPr id="7" name="Рисунок 6"/>
-          <p:cNvPicPr>
-            <a:picLocks noChangeAspect="1"/>
-          </p:cNvPicPr>
-          <p:nvPr/>
-        </p:nvPicPr>
-        <p:blipFill>
-          <a:blip r:embed="rId5"/>
-          <a:stretch>
-            <a:fillRect/>
-          </a:stretch>
-        </p:blipFill>
-        <p:spPr>
-          <a:xfrm>
-            <a:off x="8854281" y="6198139"/>
-            <a:ext cx="647700" cy="400050"/>
-          </a:xfrm>
-          <a:prstGeom prst="rect">
-            <a:avLst/>
-          </a:prstGeom>
-        </p:spPr>
-      </p:pic>
-    </p:spTree>
-    <p:extLst>
-      <p:ext uri="{BB962C8B-B14F-4D97-AF65-F5344CB8AC3E}">
-        <p14:creationId xmlns:p14="http://schemas.microsoft.com/office/powerpoint/2010/main" val="3565915472"/>
-      </p:ext>
-    </p:extLst>
-  </p:cSld>
-  <p:clrMapOvr>
-    <a:masterClrMapping/>
-  </p:clrMapOvr>
-  <p:timing>
-    <p:tnLst>
-      <p:par>
-        <p:cTn id="1" dur="indefinite" restart="never" nodeType="tmRoot"/>
-      </p:par>
-    </p:tnLst>
-  </p:timing>
-</p:sld>
-</file>
-
-<file path=ppt/slides/slide13.xml><?xml version="1.0" encoding="utf-8"?>
-<p:sld xmlns:a="http://schemas.openxmlformats.org/drawingml/2006/main" xmlns:r="http://schemas.openxmlformats.org/officeDocument/2006/relationships" xmlns:p="http://schemas.openxmlformats.org/presentationml/2006/main">
-  <p:cSld>
-    <p:spTree>
-      <p:nvGrpSpPr>
-        <p:cNvPr id="1" name=""/>
-        <p:cNvGrpSpPr/>
-        <p:nvPr/>
-      </p:nvGrpSpPr>
-      <p:grpSpPr>
-        <a:xfrm>
-          <a:off x="0" y="0"/>
-          <a:ext cx="0" cy="0"/>
-          <a:chOff x="0" y="0"/>
-          <a:chExt cx="0" cy="0"/>
-        </a:xfrm>
-      </p:grpSpPr>
-      <p:sp>
-        <p:nvSpPr>
-          <p:cNvPr id="2" name="Заголовок 1"/>
-          <p:cNvSpPr>
-            <a:spLocks noGrp="1"/>
-          </p:cNvSpPr>
-          <p:nvPr>
-            <p:ph type="title"/>
-          </p:nvPr>
-        </p:nvSpPr>
-        <p:spPr/>
-        <p:txBody>
-          <a:bodyPr/>
-          <a:lstStyle/>
-          <a:p>
-            <a:pPr algn="ctr"/>
-            <a:r>
-              <a:rPr lang="ru-RU" dirty="0" smtClean="0"/>
-              <a:t>Вероятность простоя системы по причине отсутствия единиц энергии в буфере</a:t>
-            </a:r>
-            <a:endParaRPr lang="ru-RU" dirty="0"/>
-          </a:p>
-        </p:txBody>
-      </p:sp>
-      <p:pic>
-        <p:nvPicPr>
-          <p:cNvPr id="4" name="Объект 3"/>
-          <p:cNvPicPr>
-            <a:picLocks noGrp="1" noChangeAspect="1"/>
-          </p:cNvPicPr>
-          <p:nvPr>
-            <p:ph idx="1"/>
-          </p:nvPr>
-        </p:nvPicPr>
-        <p:blipFill>
-          <a:blip r:embed="rId2">
-            <a:extLst>
-              <a:ext uri="{28A0092B-C50C-407E-A947-70E740481C1C}">
-                <a14:useLocalDpi xmlns:a14="http://schemas.microsoft.com/office/drawing/2010/main" val="0"/>
-              </a:ext>
-            </a:extLst>
-          </a:blip>
-          <a:stretch>
-            <a:fillRect/>
-          </a:stretch>
-        </p:blipFill>
-        <p:spPr>
-          <a:xfrm>
-            <a:off x="838200" y="1911889"/>
-            <a:ext cx="4351338" cy="4351338"/>
-          </a:xfrm>
-        </p:spPr>
-      </p:pic>
-      <p:pic>
-        <p:nvPicPr>
-          <p:cNvPr id="5" name="Рисунок 4"/>
-          <p:cNvPicPr>
-            <a:picLocks noChangeAspect="1"/>
-          </p:cNvPicPr>
-          <p:nvPr/>
-        </p:nvPicPr>
-        <p:blipFill>
-          <a:blip r:embed="rId3">
-            <a:extLst>
-              <a:ext uri="{28A0092B-C50C-407E-A947-70E740481C1C}">
-                <a14:useLocalDpi xmlns:a14="http://schemas.microsoft.com/office/drawing/2010/main" val="0"/>
-              </a:ext>
-            </a:extLst>
-          </a:blip>
-          <a:stretch>
-            <a:fillRect/>
-          </a:stretch>
-        </p:blipFill>
-        <p:spPr>
-          <a:xfrm>
-            <a:off x="7002462" y="1911889"/>
-            <a:ext cx="4351338" cy="4351338"/>
-          </a:xfrm>
-          <a:prstGeom prst="rect">
-            <a:avLst/>
-          </a:prstGeom>
-        </p:spPr>
-      </p:pic>
-      <p:pic>
-        <p:nvPicPr>
-          <p:cNvPr id="6" name="Рисунок 5"/>
-          <p:cNvPicPr>
-            <a:picLocks noChangeAspect="1"/>
-          </p:cNvPicPr>
-          <p:nvPr/>
-        </p:nvPicPr>
-        <p:blipFill>
-          <a:blip r:embed="rId4"/>
-          <a:stretch>
-            <a:fillRect/>
-          </a:stretch>
-        </p:blipFill>
-        <p:spPr>
-          <a:xfrm>
-            <a:off x="2537619" y="6303453"/>
-            <a:ext cx="952500" cy="361950"/>
-          </a:xfrm>
-          <a:prstGeom prst="rect">
-            <a:avLst/>
-          </a:prstGeom>
-        </p:spPr>
-      </p:pic>
-      <p:pic>
-        <p:nvPicPr>
-          <p:cNvPr id="7" name="Рисунок 6"/>
-          <p:cNvPicPr>
-            <a:picLocks noChangeAspect="1"/>
-          </p:cNvPicPr>
-          <p:nvPr/>
-        </p:nvPicPr>
-        <p:blipFill>
-          <a:blip r:embed="rId5"/>
-          <a:stretch>
-            <a:fillRect/>
-          </a:stretch>
-        </p:blipFill>
-        <p:spPr>
-          <a:xfrm>
-            <a:off x="8854281" y="6284403"/>
-            <a:ext cx="647700" cy="400050"/>
-          </a:xfrm>
-          <a:prstGeom prst="rect">
-            <a:avLst/>
-          </a:prstGeom>
-        </p:spPr>
-      </p:pic>
-    </p:spTree>
-    <p:extLst>
-      <p:ext uri="{BB962C8B-B14F-4D97-AF65-F5344CB8AC3E}">
-        <p14:creationId xmlns:p14="http://schemas.microsoft.com/office/powerpoint/2010/main" val="2533803429"/>
-      </p:ext>
-    </p:extLst>
-  </p:cSld>
-  <p:clrMapOvr>
-    <a:masterClrMapping/>
-  </p:clrMapOvr>
-  <p:timing>
-    <p:tnLst>
-      <p:par>
-        <p:cTn id="1" dur="indefinite" restart="never" nodeType="tmRoot"/>
-      </p:par>
-    </p:tnLst>
-  </p:timing>
-</p:sld>
-</file>
-
-<file path=ppt/slides/slide14.xml><?xml version="1.0" encoding="utf-8"?>
-<p:sld xmlns:a="http://schemas.openxmlformats.org/drawingml/2006/main" xmlns:r="http://schemas.openxmlformats.org/officeDocument/2006/relationships" xmlns:p="http://schemas.openxmlformats.org/presentationml/2006/main">
-  <p:cSld>
-    <p:spTree>
-      <p:nvGrpSpPr>
-        <p:cNvPr id="1" name=""/>
-        <p:cNvGrpSpPr/>
-        <p:nvPr/>
-      </p:nvGrpSpPr>
-      <p:grpSpPr>
-        <a:xfrm>
-          <a:off x="0" y="0"/>
-          <a:ext cx="0" cy="0"/>
-          <a:chOff x="0" y="0"/>
-          <a:chExt cx="0" cy="0"/>
-        </a:xfrm>
-      </p:grpSpPr>
-      <p:sp>
-        <p:nvSpPr>
-          <p:cNvPr id="2" name="Заголовок 1"/>
-          <p:cNvSpPr>
-            <a:spLocks noGrp="1"/>
-          </p:cNvSpPr>
-          <p:nvPr>
-            <p:ph type="title"/>
-          </p:nvPr>
-        </p:nvSpPr>
-        <p:spPr/>
-        <p:txBody>
-          <a:bodyPr/>
-          <a:lstStyle/>
-          <a:p>
-            <a:r>
-              <a:rPr lang="ru-RU" dirty="0" smtClean="0">
-                <a:latin typeface="Times New Roman" panose="02020603050405020304" pitchFamily="18" charset="0"/>
-                <a:cs typeface="Times New Roman" panose="02020603050405020304" pitchFamily="18" charset="0"/>
-              </a:rPr>
-              <a:t>Вывод</a:t>
-            </a:r>
-            <a:endParaRPr lang="ru-RU" dirty="0">
-              <a:latin typeface="Times New Roman" panose="02020603050405020304" pitchFamily="18" charset="0"/>
-              <a:cs typeface="Times New Roman" panose="02020603050405020304" pitchFamily="18" charset="0"/>
-            </a:endParaRPr>
-          </a:p>
-        </p:txBody>
-      </p:sp>
-      <p:sp>
-        <p:nvSpPr>
-          <p:cNvPr id="3" name="Объект 2"/>
-          <p:cNvSpPr>
-            <a:spLocks noGrp="1"/>
-          </p:cNvSpPr>
-          <p:nvPr>
-            <p:ph idx="1"/>
-          </p:nvPr>
-        </p:nvSpPr>
-        <p:spPr/>
-        <p:txBody>
-          <a:bodyPr>
-            <a:normAutofit fontScale="92500" lnSpcReduction="10000"/>
-          </a:bodyPr>
-          <a:lstStyle/>
-          <a:p>
-            <a:r>
-              <a:rPr lang="ru-RU" dirty="0" smtClean="0">
-                <a:latin typeface="Times New Roman" panose="02020603050405020304" pitchFamily="18" charset="0"/>
-                <a:cs typeface="Times New Roman" panose="02020603050405020304" pitchFamily="18" charset="0"/>
-              </a:rPr>
-              <a:t>Путем сравнения характеристик производительности и выявления особенностей поведения системы можно повысить ее эффективность, повлияв на определенные параметры. Стоит отметить, что увеличение объема буфера энергии далеко не всегда способствует улучшению значения соответствующей характеристики т.к., начиная с определенного значения </a:t>
-            </a:r>
-            <a:r>
-              <a:rPr lang="en-US" dirty="0" smtClean="0">
-                <a:latin typeface="Times New Roman" panose="02020603050405020304" pitchFamily="18" charset="0"/>
-                <a:cs typeface="Times New Roman" panose="02020603050405020304" pitchFamily="18" charset="0"/>
-              </a:rPr>
-              <a:t>K, </a:t>
-            </a:r>
-            <a:r>
-              <a:rPr lang="ru-RU" dirty="0" smtClean="0">
-                <a:latin typeface="Times New Roman" panose="02020603050405020304" pitchFamily="18" charset="0"/>
-                <a:cs typeface="Times New Roman" panose="02020603050405020304" pitchFamily="18" charset="0"/>
-              </a:rPr>
-              <a:t>изменения достаточно малы и это экономически </a:t>
-            </a:r>
-            <a:r>
-              <a:rPr lang="ru-RU" dirty="0" err="1" smtClean="0">
-                <a:latin typeface="Times New Roman" panose="02020603050405020304" pitchFamily="18" charset="0"/>
-                <a:cs typeface="Times New Roman" panose="02020603050405020304" pitchFamily="18" charset="0"/>
-              </a:rPr>
-              <a:t>нецелесобразно</a:t>
-            </a:r>
-            <a:r>
-              <a:rPr lang="ru-RU" dirty="0" smtClean="0">
-                <a:latin typeface="Times New Roman" panose="02020603050405020304" pitchFamily="18" charset="0"/>
-                <a:cs typeface="Times New Roman" panose="02020603050405020304" pitchFamily="18" charset="0"/>
-              </a:rPr>
-              <a:t>, </a:t>
-            </a:r>
-            <a:r>
-              <a:rPr lang="ru-RU" dirty="0" err="1" smtClean="0">
-                <a:latin typeface="Times New Roman" panose="02020603050405020304" pitchFamily="18" charset="0"/>
-                <a:cs typeface="Times New Roman" panose="02020603050405020304" pitchFamily="18" charset="0"/>
-              </a:rPr>
-              <a:t>т.к</a:t>
-            </a:r>
-            <a:r>
-              <a:rPr lang="ru-RU" dirty="0" smtClean="0">
-                <a:latin typeface="Times New Roman" panose="02020603050405020304" pitchFamily="18" charset="0"/>
-                <a:cs typeface="Times New Roman" panose="02020603050405020304" pitchFamily="18" charset="0"/>
-              </a:rPr>
-              <a:t> не оказывает существенного влияния на работу системы.</a:t>
-            </a:r>
-          </a:p>
-          <a:p>
-            <a:endParaRPr lang="ru-RU" dirty="0" smtClean="0">
-              <a:latin typeface="Times New Roman" panose="02020603050405020304" pitchFamily="18" charset="0"/>
-              <a:cs typeface="Times New Roman" panose="02020603050405020304" pitchFamily="18" charset="0"/>
-            </a:endParaRPr>
-          </a:p>
-          <a:p>
-            <a:r>
-              <a:rPr lang="ru-RU" dirty="0" smtClean="0">
-                <a:latin typeface="Times New Roman" panose="02020603050405020304" pitchFamily="18" charset="0"/>
-                <a:cs typeface="Times New Roman" panose="02020603050405020304" pitchFamily="18" charset="0"/>
-              </a:rPr>
-              <a:t>Стоит добавить, что при исследовании системы при значениях </a:t>
-            </a:r>
-            <a:r>
-              <a:rPr lang="en-US" dirty="0" smtClean="0">
-                <a:latin typeface="Times New Roman" panose="02020603050405020304" pitchFamily="18" charset="0"/>
-                <a:cs typeface="Times New Roman" panose="02020603050405020304" pitchFamily="18" charset="0"/>
-              </a:rPr>
-              <a:t>T &gt; 2 </a:t>
-            </a:r>
-            <a:r>
-              <a:rPr lang="ru-RU" dirty="0" smtClean="0">
-                <a:latin typeface="Times New Roman" panose="02020603050405020304" pitchFamily="18" charset="0"/>
-                <a:cs typeface="Times New Roman" panose="02020603050405020304" pitchFamily="18" charset="0"/>
-              </a:rPr>
-              <a:t>условие эргодичности начинает выполняться только для достаточно больших значений </a:t>
-            </a:r>
-            <a:r>
-              <a:rPr lang="en-US" dirty="0" smtClean="0">
-                <a:latin typeface="Times New Roman" panose="02020603050405020304" pitchFamily="18" charset="0"/>
-                <a:cs typeface="Times New Roman" panose="02020603050405020304" pitchFamily="18" charset="0"/>
-              </a:rPr>
-              <a:t>K.</a:t>
-            </a:r>
-            <a:endParaRPr lang="ru-RU" dirty="0">
-              <a:latin typeface="Times New Roman" panose="02020603050405020304" pitchFamily="18" charset="0"/>
-              <a:cs typeface="Times New Roman" panose="02020603050405020304" pitchFamily="18" charset="0"/>
-            </a:endParaRPr>
-          </a:p>
-        </p:txBody>
-      </p:sp>
-    </p:spTree>
-    <p:extLst>
-      <p:ext uri="{BB962C8B-B14F-4D97-AF65-F5344CB8AC3E}">
-        <p14:creationId xmlns:p14="http://schemas.microsoft.com/office/powerpoint/2010/main" val="362327505"/>
-      </p:ext>
-    </p:extLst>
-  </p:cSld>
-  <p:clrMapOvr>
-    <a:masterClrMapping/>
-  </p:clrMapOvr>
-  <p:timing>
-    <p:tnLst>
-      <p:par>
-        <p:cTn id="1" dur="indefinite" restart="never" nodeType="tmRoot"/>
-      </p:par>
-    </p:tnLst>
-  </p:timing>
-</p:sld>
-</file>
-
-<file path=ppt/slides/slide15.xml><?xml version="1.0" encoding="utf-8"?>
-<p:sld xmlns:a="http://schemas.openxmlformats.org/drawingml/2006/main" xmlns:r="http://schemas.openxmlformats.org/officeDocument/2006/relationships" xmlns:p="http://schemas.openxmlformats.org/presentationml/2006/main">
-  <p:cSld>
-    <p:spTree>
-      <p:nvGrpSpPr>
-        <p:cNvPr id="1" name=""/>
-        <p:cNvGrpSpPr/>
-        <p:nvPr/>
-      </p:nvGrpSpPr>
-      <p:grpSpPr>
-        <a:xfrm>
-          <a:off x="0" y="0"/>
-          <a:ext cx="0" cy="0"/>
-          <a:chOff x="0" y="0"/>
-          <a:chExt cx="0" cy="0"/>
-        </a:xfrm>
-      </p:grpSpPr>
-      <p:sp>
-        <p:nvSpPr>
-          <p:cNvPr id="2" name="Заголовок 1"/>
-          <p:cNvSpPr>
-            <a:spLocks noGrp="1"/>
-          </p:cNvSpPr>
-          <p:nvPr>
-            <p:ph type="title"/>
-          </p:nvPr>
-        </p:nvSpPr>
-        <p:spPr/>
-        <p:txBody>
-          <a:bodyPr/>
-          <a:lstStyle/>
-          <a:p>
-            <a:endParaRPr lang="ru-RU"/>
-          </a:p>
-        </p:txBody>
-      </p:sp>
-      <p:sp>
-        <p:nvSpPr>
-          <p:cNvPr id="3" name="Объект 2"/>
-          <p:cNvSpPr>
-            <a:spLocks noGrp="1"/>
-          </p:cNvSpPr>
-          <p:nvPr>
-            <p:ph idx="1"/>
-          </p:nvPr>
-        </p:nvSpPr>
-        <p:spPr/>
-        <p:txBody>
-          <a:bodyPr/>
-          <a:lstStyle/>
-          <a:p>
-            <a:endParaRPr lang="ru-RU" dirty="0"/>
-          </a:p>
-        </p:txBody>
-      </p:sp>
-    </p:spTree>
-    <p:extLst>
-      <p:ext uri="{BB962C8B-B14F-4D97-AF65-F5344CB8AC3E}">
-        <p14:creationId xmlns:p14="http://schemas.microsoft.com/office/powerpoint/2010/main" val="433096105"/>
-      </p:ext>
-    </p:extLst>
-  </p:cSld>
-  <p:clrMapOvr>
-    <a:masterClrMapping/>
-  </p:clrMapOvr>
-  <p:timing>
-    <p:tnLst>
-      <p:par>
-        <p:cTn id="1" dur="indefinite" restart="never" nodeType="tmRoot"/>
-      </p:par>
-    </p:tnLst>
-  </p:timing>
-</p:sld>
-</file>
-
-<file path=ppt/slides/slide2.xml><?xml version="1.0" encoding="utf-8"?>
-<p:sld xmlns:a="http://schemas.openxmlformats.org/drawingml/2006/main" xmlns:r="http://schemas.openxmlformats.org/officeDocument/2006/relationships" xmlns:p="http://schemas.openxmlformats.org/presentationml/2006/main">
-  <p:cSld>
-    <p:spTree>
-      <p:nvGrpSpPr>
-        <p:cNvPr id="1" name=""/>
-        <p:cNvGrpSpPr/>
-        <p:nvPr/>
-      </p:nvGrpSpPr>
-      <p:grpSpPr>
-        <a:xfrm>
-          <a:off x="0" y="0"/>
-          <a:ext cx="0" cy="0"/>
-          <a:chOff x="0" y="0"/>
-          <a:chExt cx="0" cy="0"/>
-        </a:xfrm>
-      </p:grpSpPr>
-      <p:sp>
-        <p:nvSpPr>
-          <p:cNvPr id="2" name="Заголовок 1"/>
-          <p:cNvSpPr>
-            <a:spLocks noGrp="1"/>
-          </p:cNvSpPr>
-          <p:nvPr>
-            <p:ph type="title"/>
-          </p:nvPr>
-        </p:nvSpPr>
-        <p:spPr/>
-        <p:txBody>
-          <a:bodyPr/>
-          <a:lstStyle/>
-          <a:p>
-            <a:pPr algn="ctr"/>
-            <a:r>
-              <a:rPr lang="ru-RU" dirty="0" smtClean="0">
-                <a:latin typeface="Times New Roman" panose="02020603050405020304" pitchFamily="18" charset="0"/>
-                <a:cs typeface="Times New Roman" panose="02020603050405020304" pitchFamily="18" charset="0"/>
-              </a:rPr>
-              <a:t>Модель системы</a:t>
-            </a:r>
-            <a:endParaRPr lang="ru-RU" dirty="0">
-              <a:latin typeface="Times New Roman" panose="02020603050405020304" pitchFamily="18" charset="0"/>
-              <a:cs typeface="Times New Roman" panose="02020603050405020304" pitchFamily="18" charset="0"/>
-            </a:endParaRPr>
-          </a:p>
-        </p:txBody>
-      </p:sp>
-      <p:sp>
-        <p:nvSpPr>
-          <p:cNvPr id="3" name="Объект 2"/>
-          <p:cNvSpPr>
-            <a:spLocks noGrp="1"/>
-          </p:cNvSpPr>
-          <p:nvPr>
-            <p:ph idx="1"/>
-          </p:nvPr>
-        </p:nvSpPr>
-        <p:spPr/>
-        <p:txBody>
-          <a:bodyPr>
-            <a:normAutofit/>
-          </a:bodyPr>
-          <a:lstStyle/>
-          <a:p>
-            <a:pPr marL="0" indent="0">
-              <a:buNone/>
-            </a:pPr>
-            <a:r>
-              <a:rPr lang="ru-RU" dirty="0" smtClean="0">
-                <a:latin typeface="Times New Roman" panose="02020603050405020304" pitchFamily="18" charset="0"/>
-                <a:cs typeface="Times New Roman" panose="02020603050405020304" pitchFamily="18" charset="0"/>
-              </a:rPr>
-              <a:t>Запросы поступают в прибор в порядке FIFO. Время обслуживания прибора имеет функцию распределения $B(t)$.</a:t>
-            </a:r>
-          </a:p>
-          <a:p>
-            <a:pPr marL="0" indent="0">
-              <a:buNone/>
-            </a:pPr>
-            <a:r>
-              <a:rPr lang="ru-RU" dirty="0" smtClean="0">
-                <a:latin typeface="Times New Roman" panose="02020603050405020304" pitchFamily="18" charset="0"/>
-                <a:cs typeface="Times New Roman" panose="02020603050405020304" pitchFamily="18" charset="0"/>
-              </a:rPr>
-              <a:t>Для обслуживания одного запроса необходима одна единица энергия. Единица энергии берется сразу после того, как запрос поступит на обслуживание.  Если же буфер для хранения энергии пуст, то система переходит в режим ожидания до тех пор, пока не поступит единица энергии. Если буфер энергии заполнен,</a:t>
-            </a:r>
-          </a:p>
-          <a:p>
-            <a:pPr marL="0" indent="0">
-              <a:buNone/>
-            </a:pPr>
-            <a:r>
-              <a:rPr lang="ru-RU" dirty="0" smtClean="0">
-                <a:latin typeface="Times New Roman" panose="02020603050405020304" pitchFamily="18" charset="0"/>
-                <a:cs typeface="Times New Roman" panose="02020603050405020304" pitchFamily="18" charset="0"/>
-              </a:rPr>
-              <a:t>то поступающие единицы энергии теряются.</a:t>
-            </a:r>
-            <a:endParaRPr lang="ru-RU" dirty="0">
-              <a:latin typeface="Times New Roman" panose="02020603050405020304" pitchFamily="18" charset="0"/>
-              <a:cs typeface="Times New Roman" panose="02020603050405020304" pitchFamily="18" charset="0"/>
-            </a:endParaRPr>
-          </a:p>
-        </p:txBody>
-      </p:sp>
-      <p:pic>
-        <p:nvPicPr>
-          <p:cNvPr id="4" name="Рисунок 3"/>
-          <p:cNvPicPr>
-            <a:picLocks noChangeAspect="1"/>
-          </p:cNvPicPr>
-          <p:nvPr/>
-        </p:nvPicPr>
-        <p:blipFill>
-          <a:blip r:embed="rId2">
-            <a:extLst>
-              <a:ext uri="{28A0092B-C50C-407E-A947-70E740481C1C}">
-                <a14:useLocalDpi xmlns:a14="http://schemas.microsoft.com/office/drawing/2010/main" val="0"/>
-              </a:ext>
-            </a:extLst>
-          </a:blip>
-          <a:stretch>
-            <a:fillRect/>
-          </a:stretch>
-        </p:blipFill>
-        <p:spPr>
-          <a:xfrm>
-            <a:off x="955719" y="5276641"/>
-            <a:ext cx="3983277" cy="1265129"/>
-          </a:xfrm>
-          <a:prstGeom prst="rect">
-            <a:avLst/>
-          </a:prstGeom>
-        </p:spPr>
-      </p:pic>
-    </p:spTree>
-    <p:extLst>
-      <p:ext uri="{BB962C8B-B14F-4D97-AF65-F5344CB8AC3E}">
-        <p14:creationId xmlns:p14="http://schemas.microsoft.com/office/powerpoint/2010/main" val="2415236125"/>
-      </p:ext>
-    </p:extLst>
-  </p:cSld>
-  <p:clrMapOvr>
-    <a:masterClrMapping/>
-  </p:clrMapOvr>
-  <p:timing>
-    <p:tnLst>
-      <p:par>
-        <p:cTn id="1" dur="indefinite" restart="never" nodeType="tmRoot"/>
-      </p:par>
-    </p:tnLst>
-  </p:timing>
-</p:sld>
-</file>
-
-<file path=ppt/slides/slide3.xml><?xml version="1.0" encoding="utf-8"?>
-<p:sld xmlns:a="http://schemas.openxmlformats.org/drawingml/2006/main" xmlns:r="http://schemas.openxmlformats.org/officeDocument/2006/relationships" xmlns:p="http://schemas.openxmlformats.org/presentationml/2006/main">
-  <p:cSld>
-    <p:spTree>
-      <p:nvGrpSpPr>
-        <p:cNvPr id="1" name=""/>
-        <p:cNvGrpSpPr/>
-        <p:nvPr/>
-      </p:nvGrpSpPr>
-      <p:grpSpPr>
-        <a:xfrm>
-          <a:off x="0" y="0"/>
-          <a:ext cx="0" cy="0"/>
-          <a:chOff x="0" y="0"/>
-          <a:chExt cx="0" cy="0"/>
-        </a:xfrm>
-      </p:grpSpPr>
-      <p:sp>
-        <p:nvSpPr>
-          <p:cNvPr id="2" name="Заголовок 1"/>
-          <p:cNvSpPr>
-            <a:spLocks noGrp="1"/>
-          </p:cNvSpPr>
-          <p:nvPr>
-            <p:ph type="title"/>
-          </p:nvPr>
-        </p:nvSpPr>
-        <p:spPr/>
-        <p:txBody>
-          <a:bodyPr/>
-          <a:lstStyle/>
-          <a:p>
-            <a:pPr algn="ctr"/>
-            <a:r>
-              <a:rPr lang="ru-RU" dirty="0" smtClean="0">
-                <a:latin typeface="Times New Roman" panose="02020603050405020304" pitchFamily="18" charset="0"/>
-                <a:cs typeface="Times New Roman" panose="02020603050405020304" pitchFamily="18" charset="0"/>
-              </a:rPr>
-              <a:t>Переходные вероятности</a:t>
-            </a:r>
-            <a:endParaRPr lang="ru-RU" dirty="0">
-              <a:latin typeface="Times New Roman" panose="02020603050405020304" pitchFamily="18" charset="0"/>
-              <a:cs typeface="Times New Roman" panose="02020603050405020304" pitchFamily="18" charset="0"/>
-            </a:endParaRPr>
-          </a:p>
-        </p:txBody>
-      </p:sp>
-      <p:sp>
-        <p:nvSpPr>
-          <p:cNvPr id="3" name="Объект 2"/>
-          <p:cNvSpPr>
-            <a:spLocks noGrp="1"/>
-          </p:cNvSpPr>
-          <p:nvPr>
-            <p:ph idx="1"/>
-          </p:nvPr>
-        </p:nvSpPr>
-        <p:spPr/>
-        <p:txBody>
-          <a:bodyPr>
-            <a:normAutofit/>
-          </a:bodyPr>
-          <a:lstStyle/>
-          <a:p>
-            <a:pPr marL="0" indent="0">
-              <a:buNone/>
-            </a:pPr>
-            <a:r>
-              <a:rPr lang="ru-RU" dirty="0" smtClean="0">
-                <a:latin typeface="Times New Roman" panose="02020603050405020304" pitchFamily="18" charset="0"/>
-                <a:cs typeface="Times New Roman" panose="02020603050405020304" pitchFamily="18" charset="0"/>
-              </a:rPr>
-              <a:t>Данный процесс является </a:t>
-            </a:r>
-            <a:r>
-              <a:rPr lang="ru-RU" dirty="0" err="1" smtClean="0">
-                <a:latin typeface="Times New Roman" panose="02020603050405020304" pitchFamily="18" charset="0"/>
-                <a:cs typeface="Times New Roman" panose="02020603050405020304" pitchFamily="18" charset="0"/>
-              </a:rPr>
-              <a:t>немарковским</a:t>
-            </a:r>
-            <a:r>
-              <a:rPr lang="ru-RU" dirty="0" smtClean="0">
-                <a:latin typeface="Times New Roman" panose="02020603050405020304" pitchFamily="18" charset="0"/>
-                <a:cs typeface="Times New Roman" panose="02020603050405020304" pitchFamily="18" charset="0"/>
-              </a:rPr>
-              <a:t>. Для его исследования применю метод вложенных ЦМ. Будем рассматривать поведение СМО в моменты окончания  обслуживания запросов. Введем матрицу 			        й элемент которой есть вероятность одношагового перехода. Введем стационарные вероятности</a:t>
-            </a:r>
-            <a:r>
-              <a:rPr lang="en-US" dirty="0" smtClean="0">
-                <a:latin typeface="Times New Roman" panose="02020603050405020304" pitchFamily="18" charset="0"/>
-                <a:cs typeface="Times New Roman" panose="02020603050405020304" pitchFamily="18" charset="0"/>
-              </a:rPr>
-              <a:t>:</a:t>
-            </a:r>
-            <a:br>
-              <a:rPr lang="en-US" dirty="0" smtClean="0">
-                <a:latin typeface="Times New Roman" panose="02020603050405020304" pitchFamily="18" charset="0"/>
-                <a:cs typeface="Times New Roman" panose="02020603050405020304" pitchFamily="18" charset="0"/>
-              </a:rPr>
-            </a:br>
-            <a:r>
-              <a:rPr lang="en-US" dirty="0" smtClean="0">
-                <a:latin typeface="Times New Roman" panose="02020603050405020304" pitchFamily="18" charset="0"/>
-                <a:cs typeface="Times New Roman" panose="02020603050405020304" pitchFamily="18" charset="0"/>
-              </a:rPr>
-              <a:t>									     </a:t>
-            </a:r>
-            <a:br>
-              <a:rPr lang="en-US" dirty="0" smtClean="0">
-                <a:latin typeface="Times New Roman" panose="02020603050405020304" pitchFamily="18" charset="0"/>
-                <a:cs typeface="Times New Roman" panose="02020603050405020304" pitchFamily="18" charset="0"/>
-              </a:rPr>
-            </a:br>
-            <a:endParaRPr lang="ru-RU" dirty="0" smtClean="0">
-              <a:latin typeface="Times New Roman" panose="02020603050405020304" pitchFamily="18" charset="0"/>
-              <a:cs typeface="Times New Roman" panose="02020603050405020304" pitchFamily="18" charset="0"/>
-            </a:endParaRPr>
-          </a:p>
-          <a:p>
-            <a:pPr marL="0" indent="0">
-              <a:buNone/>
-            </a:pPr>
-            <a:r>
-              <a:rPr lang="ru-RU" dirty="0" smtClean="0">
-                <a:latin typeface="Times New Roman" panose="02020603050405020304" pitchFamily="18" charset="0"/>
-                <a:cs typeface="Times New Roman" panose="02020603050405020304" pitchFamily="18" charset="0"/>
-              </a:rPr>
-              <a:t>Которые объединим в вектора 					</a:t>
-            </a:r>
-          </a:p>
-          <a:p>
-            <a:pPr marL="0" indent="0">
-              <a:buNone/>
-            </a:pPr>
-            <a:r>
-              <a:rPr lang="ru-RU" dirty="0">
-                <a:latin typeface="Times New Roman" panose="02020603050405020304" pitchFamily="18" charset="0"/>
-                <a:cs typeface="Times New Roman" panose="02020603050405020304" pitchFamily="18" charset="0"/>
-              </a:rPr>
-              <a:t>к</a:t>
-            </a:r>
-            <a:r>
-              <a:rPr lang="ru-RU" dirty="0" smtClean="0">
-                <a:latin typeface="Times New Roman" panose="02020603050405020304" pitchFamily="18" charset="0"/>
-                <a:cs typeface="Times New Roman" panose="02020603050405020304" pitchFamily="18" charset="0"/>
-              </a:rPr>
-              <a:t>оторые, в свою очередь, образуют вектор стационарных вероятностей</a:t>
-            </a:r>
-            <a:r>
-              <a:rPr lang="en-US" dirty="0" smtClean="0">
-                <a:latin typeface="Times New Roman" panose="02020603050405020304" pitchFamily="18" charset="0"/>
-                <a:cs typeface="Times New Roman" panose="02020603050405020304" pitchFamily="18" charset="0"/>
-              </a:rPr>
-              <a:t>: </a:t>
-            </a:r>
-            <a:endParaRPr lang="ru-RU" dirty="0" smtClean="0">
-              <a:latin typeface="Times New Roman" panose="02020603050405020304" pitchFamily="18" charset="0"/>
-              <a:cs typeface="Times New Roman" panose="02020603050405020304" pitchFamily="18" charset="0"/>
-            </a:endParaRPr>
-          </a:p>
-        </p:txBody>
-      </p:sp>
-      <p:pic>
-        <p:nvPicPr>
-          <p:cNvPr id="5" name="Рисунок 4"/>
-          <p:cNvPicPr>
-            <a:picLocks noChangeAspect="1"/>
-          </p:cNvPicPr>
-          <p:nvPr/>
-        </p:nvPicPr>
-        <p:blipFill>
-          <a:blip r:embed="rId2"/>
-          <a:stretch>
-            <a:fillRect/>
-          </a:stretch>
-        </p:blipFill>
-        <p:spPr>
-          <a:xfrm>
-            <a:off x="2487911" y="3016549"/>
-            <a:ext cx="2333625" cy="514350"/>
-          </a:xfrm>
-          <a:prstGeom prst="rect">
-            <a:avLst/>
-          </a:prstGeom>
-        </p:spPr>
-      </p:pic>
-      <p:pic>
-        <p:nvPicPr>
-          <p:cNvPr id="7" name="Рисунок 6"/>
-          <p:cNvPicPr>
-            <a:picLocks noChangeAspect="1"/>
-          </p:cNvPicPr>
-          <p:nvPr/>
-        </p:nvPicPr>
-        <p:blipFill>
-          <a:blip r:embed="rId3"/>
-          <a:stretch>
-            <a:fillRect/>
-          </a:stretch>
-        </p:blipFill>
-        <p:spPr>
-          <a:xfrm>
-            <a:off x="4606302" y="3016549"/>
-            <a:ext cx="614745" cy="433387"/>
-          </a:xfrm>
-          <a:prstGeom prst="rect">
-            <a:avLst/>
-          </a:prstGeom>
-        </p:spPr>
-      </p:pic>
-      <p:pic>
-        <p:nvPicPr>
-          <p:cNvPr id="9" name="Рисунок 8"/>
-          <p:cNvPicPr>
-            <a:picLocks noChangeAspect="1"/>
-          </p:cNvPicPr>
-          <p:nvPr/>
-        </p:nvPicPr>
-        <p:blipFill>
-          <a:blip r:embed="rId4"/>
-          <a:stretch>
-            <a:fillRect/>
-          </a:stretch>
-        </p:blipFill>
-        <p:spPr>
-          <a:xfrm>
-            <a:off x="692359" y="3818537"/>
-            <a:ext cx="5484864" cy="561631"/>
-          </a:xfrm>
-          <a:prstGeom prst="rect">
-            <a:avLst/>
-          </a:prstGeom>
-        </p:spPr>
-      </p:pic>
-      <p:pic>
-        <p:nvPicPr>
-          <p:cNvPr id="11" name="Рисунок 10"/>
-          <p:cNvPicPr>
-            <a:picLocks noChangeAspect="1"/>
-          </p:cNvPicPr>
-          <p:nvPr/>
-        </p:nvPicPr>
-        <p:blipFill>
-          <a:blip r:embed="rId5"/>
-          <a:stretch>
-            <a:fillRect/>
-          </a:stretch>
-        </p:blipFill>
-        <p:spPr>
-          <a:xfrm>
-            <a:off x="6096000" y="3895354"/>
-            <a:ext cx="3139305" cy="407996"/>
-          </a:xfrm>
-          <a:prstGeom prst="rect">
-            <a:avLst/>
-          </a:prstGeom>
-        </p:spPr>
-      </p:pic>
-      <p:pic>
-        <p:nvPicPr>
-          <p:cNvPr id="12" name="Рисунок 11"/>
-          <p:cNvPicPr>
-            <a:picLocks noChangeAspect="1"/>
-          </p:cNvPicPr>
-          <p:nvPr/>
-        </p:nvPicPr>
-        <p:blipFill>
-          <a:blip r:embed="rId6"/>
-          <a:stretch>
-            <a:fillRect/>
-          </a:stretch>
-        </p:blipFill>
-        <p:spPr>
-          <a:xfrm>
-            <a:off x="5747170" y="4674037"/>
-            <a:ext cx="4286250" cy="428625"/>
-          </a:xfrm>
-          <a:prstGeom prst="rect">
-            <a:avLst/>
-          </a:prstGeom>
-        </p:spPr>
-      </p:pic>
-      <p:pic>
-        <p:nvPicPr>
-          <p:cNvPr id="13" name="Рисунок 12"/>
-          <p:cNvPicPr>
-            <a:picLocks noChangeAspect="1"/>
-          </p:cNvPicPr>
-          <p:nvPr/>
-        </p:nvPicPr>
-        <p:blipFill>
-          <a:blip r:embed="rId7"/>
-          <a:stretch>
-            <a:fillRect/>
-          </a:stretch>
-        </p:blipFill>
-        <p:spPr>
-          <a:xfrm>
-            <a:off x="3232037" y="5577785"/>
-            <a:ext cx="3178998" cy="399874"/>
-          </a:xfrm>
-          <a:prstGeom prst="rect">
-            <a:avLst/>
-          </a:prstGeom>
-        </p:spPr>
-      </p:pic>
-    </p:spTree>
-    <p:extLst>
-      <p:ext uri="{BB962C8B-B14F-4D97-AF65-F5344CB8AC3E}">
-        <p14:creationId xmlns:p14="http://schemas.microsoft.com/office/powerpoint/2010/main" val="1151727503"/>
-      </p:ext>
-    </p:extLst>
-  </p:cSld>
-  <p:clrMapOvr>
-    <a:masterClrMapping/>
-  </p:clrMapOvr>
-  <p:timing>
-    <p:tnLst>
-      <p:par>
-        <p:cTn id="1" dur="indefinite" restart="never" nodeType="tmRoot"/>
-      </p:par>
-    </p:tnLst>
-  </p:timing>
-</p:sld>
-</file>
-
-<file path=ppt/slides/slide4.xml><?xml version="1.0" encoding="utf-8"?>
-<p:sld xmlns:a="http://schemas.openxmlformats.org/drawingml/2006/main" xmlns:r="http://schemas.openxmlformats.org/officeDocument/2006/relationships" xmlns:p="http://schemas.openxmlformats.org/presentationml/2006/main">
-  <p:cSld>
-    <p:spTree>
-      <p:nvGrpSpPr>
-        <p:cNvPr id="1" name=""/>
-        <p:cNvGrpSpPr/>
-        <p:nvPr/>
-      </p:nvGrpSpPr>
-      <p:grpSpPr>
-        <a:xfrm>
-          <a:off x="0" y="0"/>
-          <a:ext cx="0" cy="0"/>
-          <a:chOff x="0" y="0"/>
-          <a:chExt cx="0" cy="0"/>
-        </a:xfrm>
-      </p:grpSpPr>
-      <p:sp>
-        <p:nvSpPr>
-          <p:cNvPr id="2" name="Заголовок 1"/>
-          <p:cNvSpPr>
-            <a:spLocks noGrp="1"/>
-          </p:cNvSpPr>
-          <p:nvPr>
-            <p:ph type="title"/>
-          </p:nvPr>
-        </p:nvSpPr>
-        <p:spPr/>
-        <p:txBody>
-          <a:bodyPr/>
-          <a:lstStyle/>
-          <a:p>
-            <a:pPr algn="ctr"/>
-            <a:r>
-              <a:rPr lang="ru-RU" dirty="0" smtClean="0">
-                <a:latin typeface="Times New Roman" panose="02020603050405020304" pitchFamily="18" charset="0"/>
-                <a:cs typeface="Times New Roman" panose="02020603050405020304" pitchFamily="18" charset="0"/>
-              </a:rPr>
-              <a:t>Матриц</a:t>
-            </a:r>
-            <a:r>
-              <a:rPr lang="ru-RU" dirty="0">
-                <a:latin typeface="Times New Roman" panose="02020603050405020304" pitchFamily="18" charset="0"/>
-                <a:cs typeface="Times New Roman" panose="02020603050405020304" pitchFamily="18" charset="0"/>
-              </a:rPr>
-              <a:t>а</a:t>
-            </a:r>
-            <a:r>
-              <a:rPr lang="ru-RU" dirty="0" smtClean="0">
-                <a:latin typeface="Times New Roman" panose="02020603050405020304" pitchFamily="18" charset="0"/>
-                <a:cs typeface="Times New Roman" panose="02020603050405020304" pitchFamily="18" charset="0"/>
-              </a:rPr>
-              <a:t> вероятностей перехода</a:t>
-            </a:r>
-            <a:endParaRPr lang="ru-RU" dirty="0">
-              <a:latin typeface="Times New Roman" panose="02020603050405020304" pitchFamily="18" charset="0"/>
-              <a:cs typeface="Times New Roman" panose="02020603050405020304" pitchFamily="18" charset="0"/>
-            </a:endParaRPr>
-          </a:p>
-        </p:txBody>
-      </p:sp>
-      <p:sp>
-        <p:nvSpPr>
-          <p:cNvPr id="3" name="Объект 2"/>
-          <p:cNvSpPr>
-            <a:spLocks noGrp="1"/>
-          </p:cNvSpPr>
-          <p:nvPr>
-            <p:ph idx="1"/>
-          </p:nvPr>
-        </p:nvSpPr>
-        <p:spPr>
-          <a:xfrm>
-            <a:off x="838200" y="1690688"/>
-            <a:ext cx="10515600" cy="4351338"/>
-          </a:xfrm>
-        </p:spPr>
-        <p:txBody>
-          <a:bodyPr>
-            <a:normAutofit/>
-          </a:bodyPr>
-          <a:lstStyle/>
-          <a:p>
-            <a:pPr marL="0" indent="0">
-              <a:buNone/>
-            </a:pPr>
-            <a:r>
-              <a:rPr lang="ru-RU" sz="2400" dirty="0" smtClean="0">
-                <a:latin typeface="Times New Roman" panose="02020603050405020304" pitchFamily="18" charset="0"/>
-                <a:cs typeface="Times New Roman" panose="02020603050405020304" pitchFamily="18" charset="0"/>
-              </a:rPr>
-              <a:t>Матрица P вероятностей одношаговых переходов рассматриваемого процесса имеет следующую форму </a:t>
-            </a:r>
-            <a:r>
-              <a:rPr lang="en-US" sz="2400" dirty="0" smtClean="0">
-                <a:latin typeface="Times New Roman" panose="02020603050405020304" pitchFamily="18" charset="0"/>
-                <a:cs typeface="Times New Roman" panose="02020603050405020304" pitchFamily="18" charset="0"/>
-              </a:rPr>
-              <a:t>P = (</a:t>
-            </a:r>
-            <a:r>
-              <a:rPr lang="en-US" sz="2400" dirty="0" err="1" smtClean="0">
-                <a:latin typeface="Times New Roman" panose="02020603050405020304" pitchFamily="18" charset="0"/>
-                <a:cs typeface="Times New Roman" panose="02020603050405020304" pitchFamily="18" charset="0"/>
-              </a:rPr>
-              <a:t>Pi,j</a:t>
-            </a:r>
-            <a:r>
-              <a:rPr lang="en-US" sz="2400" dirty="0" smtClean="0">
-                <a:latin typeface="Times New Roman" panose="02020603050405020304" pitchFamily="18" charset="0"/>
-                <a:cs typeface="Times New Roman" panose="02020603050405020304" pitchFamily="18" charset="0"/>
-              </a:rPr>
-              <a:t>)</a:t>
-            </a:r>
-            <a:r>
-              <a:rPr lang="ru-RU" sz="2400" dirty="0" smtClean="0">
-                <a:latin typeface="Times New Roman" panose="02020603050405020304" pitchFamily="18" charset="0"/>
-                <a:cs typeface="Times New Roman" panose="02020603050405020304" pitchFamily="18" charset="0"/>
-              </a:rPr>
-              <a:t> </a:t>
-            </a:r>
-            <a:r>
-              <a:rPr lang="en-US" sz="2400" dirty="0" err="1" smtClean="0">
-                <a:latin typeface="Times New Roman" panose="02020603050405020304" pitchFamily="18" charset="0"/>
-                <a:cs typeface="Times New Roman" panose="02020603050405020304" pitchFamily="18" charset="0"/>
-              </a:rPr>
-              <a:t>i</a:t>
-            </a:r>
-            <a:r>
-              <a:rPr lang="en-US" sz="2400" dirty="0" smtClean="0">
-                <a:latin typeface="Times New Roman" panose="02020603050405020304" pitchFamily="18" charset="0"/>
-                <a:cs typeface="Times New Roman" panose="02020603050405020304" pitchFamily="18" charset="0"/>
-              </a:rPr>
-              <a:t>, j ≥ 0</a:t>
-            </a:r>
-            <a:r>
-              <a:rPr lang="ru-RU" sz="2400" dirty="0" smtClean="0">
-                <a:latin typeface="Times New Roman" panose="02020603050405020304" pitchFamily="18" charset="0"/>
-                <a:cs typeface="Times New Roman" panose="02020603050405020304" pitchFamily="18" charset="0"/>
-              </a:rPr>
-              <a:t>. Можно показать, что</a:t>
-            </a:r>
-          </a:p>
-          <a:p>
-            <a:pPr marL="0" indent="0">
-              <a:buNone/>
-            </a:pPr>
-            <a:r>
-              <a:rPr lang="ru-RU" sz="2400" dirty="0" smtClean="0">
-                <a:latin typeface="Times New Roman" panose="02020603050405020304" pitchFamily="18" charset="0"/>
-                <a:cs typeface="Times New Roman" panose="02020603050405020304" pitchFamily="18" charset="0"/>
-              </a:rPr>
-              <a:t>матрицы </a:t>
-            </a:r>
-            <a:r>
-              <a:rPr lang="en-US" sz="2400" dirty="0" err="1" smtClean="0">
-                <a:latin typeface="Times New Roman" panose="02020603050405020304" pitchFamily="18" charset="0"/>
-                <a:cs typeface="Times New Roman" panose="02020603050405020304" pitchFamily="18" charset="0"/>
-              </a:rPr>
-              <a:t>Pi,j</a:t>
-            </a:r>
-            <a:r>
-              <a:rPr lang="ru-RU" sz="2400" dirty="0" smtClean="0">
-                <a:latin typeface="Times New Roman" panose="02020603050405020304" pitchFamily="18" charset="0"/>
-                <a:cs typeface="Times New Roman" panose="02020603050405020304" pitchFamily="18" charset="0"/>
-              </a:rPr>
-              <a:t> не зависят от i и j, а зависят только от j - i. Тогда</a:t>
-            </a:r>
-          </a:p>
-          <a:p>
-            <a:pPr marL="0" indent="0">
-              <a:buNone/>
-            </a:pPr>
-            <a:r>
-              <a:rPr lang="ru-RU" sz="2400" dirty="0" smtClean="0">
-                <a:latin typeface="Times New Roman" panose="02020603050405020304" pitchFamily="18" charset="0"/>
-                <a:cs typeface="Times New Roman" panose="02020603050405020304" pitchFamily="18" charset="0"/>
-              </a:rPr>
-              <a:t>обозначим матрицы </a:t>
-            </a:r>
-            <a:r>
-              <a:rPr lang="en-US" sz="2400" dirty="0" smtClean="0">
-                <a:latin typeface="Times New Roman" panose="02020603050405020304" pitchFamily="18" charset="0"/>
-                <a:cs typeface="Times New Roman" panose="02020603050405020304" pitchFamily="18" charset="0"/>
-              </a:rPr>
-              <a:t>(</a:t>
-            </a:r>
-            <a:r>
-              <a:rPr lang="en-US" sz="2400" dirty="0" err="1" smtClean="0">
-                <a:latin typeface="Times New Roman" panose="02020603050405020304" pitchFamily="18" charset="0"/>
-                <a:cs typeface="Times New Roman" panose="02020603050405020304" pitchFamily="18" charset="0"/>
-              </a:rPr>
-              <a:t>Pi,j</a:t>
-            </a:r>
-            <a:r>
-              <a:rPr lang="en-US" sz="2400" dirty="0" smtClean="0">
-                <a:latin typeface="Times New Roman" panose="02020603050405020304" pitchFamily="18" charset="0"/>
-                <a:cs typeface="Times New Roman" panose="02020603050405020304" pitchFamily="18" charset="0"/>
-              </a:rPr>
-              <a:t>)</a:t>
-            </a:r>
-            <a:r>
-              <a:rPr lang="en-US" sz="2400" dirty="0" err="1" smtClean="0">
-                <a:latin typeface="Times New Roman" panose="02020603050405020304" pitchFamily="18" charset="0"/>
-                <a:cs typeface="Times New Roman" panose="02020603050405020304" pitchFamily="18" charset="0"/>
-              </a:rPr>
-              <a:t>i</a:t>
-            </a:r>
-            <a:r>
-              <a:rPr lang="en-US" sz="2400" dirty="0" smtClean="0">
-                <a:latin typeface="Times New Roman" panose="02020603050405020304" pitchFamily="18" charset="0"/>
-                <a:cs typeface="Times New Roman" panose="02020603050405020304" pitchFamily="18" charset="0"/>
-              </a:rPr>
-              <a:t> = 0, j ≥ 0 </a:t>
-            </a:r>
-            <a:r>
-              <a:rPr lang="ru-RU" sz="2400" dirty="0" smtClean="0">
-                <a:latin typeface="Times New Roman" panose="02020603050405020304" pitchFamily="18" charset="0"/>
-                <a:cs typeface="Times New Roman" panose="02020603050405020304" pitchFamily="18" charset="0"/>
-              </a:rPr>
-              <a:t>как</a:t>
-            </a:r>
-            <a:r>
-              <a:rPr lang="en-US" sz="2400" dirty="0" smtClean="0">
-                <a:latin typeface="Times New Roman" panose="02020603050405020304" pitchFamily="18" charset="0"/>
-                <a:cs typeface="Times New Roman" panose="02020603050405020304" pitchFamily="18" charset="0"/>
-              </a:rPr>
-              <a:t> </a:t>
-            </a:r>
-            <a:r>
-              <a:rPr lang="en-US" sz="2400" dirty="0" err="1" smtClean="0">
-                <a:latin typeface="Times New Roman" panose="02020603050405020304" pitchFamily="18" charset="0"/>
-                <a:cs typeface="Times New Roman" panose="02020603050405020304" pitchFamily="18" charset="0"/>
-              </a:rPr>
-              <a:t>Vj</a:t>
-            </a:r>
-            <a:r>
-              <a:rPr lang="en-US" sz="2400" dirty="0" smtClean="0">
-                <a:latin typeface="Times New Roman" panose="02020603050405020304" pitchFamily="18" charset="0"/>
-                <a:cs typeface="Times New Roman" panose="02020603050405020304" pitchFamily="18" charset="0"/>
-              </a:rPr>
-              <a:t>, </a:t>
-            </a:r>
-            <a:r>
-              <a:rPr lang="ru-RU" sz="2400" dirty="0" smtClean="0">
-                <a:latin typeface="Times New Roman" panose="02020603050405020304" pitchFamily="18" charset="0"/>
-                <a:cs typeface="Times New Roman" panose="02020603050405020304" pitchFamily="18" charset="0"/>
-              </a:rPr>
-              <a:t>элементами которых будут переходные вероятности </a:t>
-            </a:r>
-            <a:r>
-              <a:rPr lang="en-US" sz="2400" dirty="0" smtClean="0">
-                <a:latin typeface="Times New Roman" panose="02020603050405020304" pitchFamily="18" charset="0"/>
-                <a:cs typeface="Times New Roman" panose="02020603050405020304" pitchFamily="18" charset="0"/>
-              </a:rPr>
-              <a:t>P {(0, k) → (j, k` )}, </a:t>
-            </a:r>
-            <a:r>
-              <a:rPr lang="ru-RU" sz="2400" dirty="0" smtClean="0">
-                <a:latin typeface="Times New Roman" panose="02020603050405020304" pitchFamily="18" charset="0"/>
-                <a:cs typeface="Times New Roman" panose="02020603050405020304" pitchFamily="18" charset="0"/>
-              </a:rPr>
-              <a:t>где</a:t>
-            </a:r>
-            <a:r>
-              <a:rPr lang="en-US" sz="2400" dirty="0" smtClean="0">
-                <a:latin typeface="Times New Roman" panose="02020603050405020304" pitchFamily="18" charset="0"/>
-                <a:cs typeface="Times New Roman" panose="02020603050405020304" pitchFamily="18" charset="0"/>
-              </a:rPr>
-              <a:t> k, k</a:t>
-            </a:r>
-            <a:r>
-              <a:rPr lang="en-US" sz="2400" dirty="0">
-                <a:latin typeface="Times New Roman" panose="02020603050405020304" pitchFamily="18" charset="0"/>
-                <a:cs typeface="Times New Roman" panose="02020603050405020304" pitchFamily="18" charset="0"/>
-              </a:rPr>
-              <a:t>`</a:t>
-            </a:r>
-            <a:r>
-              <a:rPr lang="en-US" sz="2400" dirty="0" smtClean="0">
-                <a:latin typeface="Times New Roman" panose="02020603050405020304" pitchFamily="18" charset="0"/>
-                <a:cs typeface="Times New Roman" panose="02020603050405020304" pitchFamily="18" charset="0"/>
-              </a:rPr>
-              <a:t> ∈ [0, K]. </a:t>
-            </a:r>
-            <a:r>
-              <a:rPr lang="ru-RU" sz="2400" dirty="0" smtClean="0">
-                <a:latin typeface="Times New Roman" panose="02020603050405020304" pitchFamily="18" charset="0"/>
-                <a:cs typeface="Times New Roman" panose="02020603050405020304" pitchFamily="18" charset="0"/>
-              </a:rPr>
-              <a:t>Матрицы </a:t>
-            </a:r>
-            <a:r>
-              <a:rPr lang="en-US" sz="2400" dirty="0" smtClean="0">
-                <a:latin typeface="Times New Roman" panose="02020603050405020304" pitchFamily="18" charset="0"/>
-                <a:cs typeface="Times New Roman" panose="02020603050405020304" pitchFamily="18" charset="0"/>
-              </a:rPr>
-              <a:t>Pi,i+j−1 </a:t>
-            </a:r>
-            <a:r>
-              <a:rPr lang="en-US" sz="2400" dirty="0" err="1" smtClean="0">
-                <a:latin typeface="Times New Roman" panose="02020603050405020304" pitchFamily="18" charset="0"/>
-                <a:cs typeface="Times New Roman" panose="02020603050405020304" pitchFamily="18" charset="0"/>
-              </a:rPr>
-              <a:t>i</a:t>
-            </a:r>
-            <a:r>
-              <a:rPr lang="en-US" sz="2400" dirty="0" smtClean="0">
-                <a:latin typeface="Times New Roman" panose="02020603050405020304" pitchFamily="18" charset="0"/>
-                <a:cs typeface="Times New Roman" panose="02020603050405020304" pitchFamily="18" charset="0"/>
-              </a:rPr>
-              <a:t> &gt; 0, j ≥ 0 </a:t>
-            </a:r>
-            <a:r>
-              <a:rPr lang="ru-RU" sz="2400" dirty="0" smtClean="0">
-                <a:latin typeface="Times New Roman" panose="02020603050405020304" pitchFamily="18" charset="0"/>
-                <a:cs typeface="Times New Roman" panose="02020603050405020304" pitchFamily="18" charset="0"/>
-              </a:rPr>
-              <a:t>в свою очередь, обозначим как </a:t>
-            </a:r>
-            <a:r>
-              <a:rPr lang="en-US" sz="2400" dirty="0" err="1" smtClean="0">
-                <a:latin typeface="Times New Roman" panose="02020603050405020304" pitchFamily="18" charset="0"/>
-                <a:cs typeface="Times New Roman" panose="02020603050405020304" pitchFamily="18" charset="0"/>
-              </a:rPr>
-              <a:t>Yj</a:t>
-            </a:r>
-            <a:r>
-              <a:rPr lang="en-US" sz="2400" dirty="0" smtClean="0">
-                <a:latin typeface="Times New Roman" panose="02020603050405020304" pitchFamily="18" charset="0"/>
-                <a:cs typeface="Times New Roman" panose="02020603050405020304" pitchFamily="18" charset="0"/>
-              </a:rPr>
-              <a:t>, </a:t>
-            </a:r>
-            <a:r>
-              <a:rPr lang="ru-RU" sz="2400" dirty="0" smtClean="0">
-                <a:latin typeface="Times New Roman" panose="02020603050405020304" pitchFamily="18" charset="0"/>
-                <a:cs typeface="Times New Roman" panose="02020603050405020304" pitchFamily="18" charset="0"/>
-              </a:rPr>
-              <a:t>элементами которых</a:t>
-            </a:r>
-          </a:p>
-          <a:p>
-            <a:pPr marL="0" indent="0">
-              <a:buNone/>
-            </a:pPr>
-            <a:r>
-              <a:rPr lang="ru-RU" sz="2400" dirty="0" smtClean="0">
-                <a:latin typeface="Times New Roman" panose="02020603050405020304" pitchFamily="18" charset="0"/>
-                <a:cs typeface="Times New Roman" panose="02020603050405020304" pitchFamily="18" charset="0"/>
-              </a:rPr>
-              <a:t>будут переходные вероятности</a:t>
-            </a:r>
-            <a:r>
-              <a:rPr lang="en-US" sz="2400" dirty="0" smtClean="0">
-                <a:latin typeface="Times New Roman" panose="02020603050405020304" pitchFamily="18" charset="0"/>
-                <a:cs typeface="Times New Roman" panose="02020603050405020304" pitchFamily="18" charset="0"/>
-              </a:rPr>
-              <a:t> P {(1, k) → (j, k0 )} , </a:t>
-            </a:r>
-            <a:r>
-              <a:rPr lang="ru-RU" sz="2400" dirty="0" smtClean="0">
-                <a:latin typeface="Times New Roman" panose="02020603050405020304" pitchFamily="18" charset="0"/>
-                <a:cs typeface="Times New Roman" panose="02020603050405020304" pitchFamily="18" charset="0"/>
-              </a:rPr>
-              <a:t>где</a:t>
-            </a:r>
-            <a:r>
-              <a:rPr lang="en-US" sz="2400" dirty="0" smtClean="0">
-                <a:latin typeface="Times New Roman" panose="02020603050405020304" pitchFamily="18" charset="0"/>
-                <a:cs typeface="Times New Roman" panose="02020603050405020304" pitchFamily="18" charset="0"/>
-              </a:rPr>
-              <a:t> k, k</a:t>
-            </a:r>
-            <a:r>
-              <a:rPr lang="en-US" sz="2400" dirty="0">
-                <a:latin typeface="Times New Roman" panose="02020603050405020304" pitchFamily="18" charset="0"/>
-                <a:cs typeface="Times New Roman" panose="02020603050405020304" pitchFamily="18" charset="0"/>
-              </a:rPr>
-              <a:t>`</a:t>
-            </a:r>
-            <a:r>
-              <a:rPr lang="en-US" sz="2400" dirty="0" smtClean="0">
-                <a:latin typeface="Times New Roman" panose="02020603050405020304" pitchFamily="18" charset="0"/>
-                <a:cs typeface="Times New Roman" panose="02020603050405020304" pitchFamily="18" charset="0"/>
-              </a:rPr>
-              <a:t> ∈ [O, K].</a:t>
-            </a:r>
-          </a:p>
-          <a:p>
-            <a:pPr marL="0" indent="0">
-              <a:buNone/>
-            </a:pPr>
-            <a:r>
-              <a:rPr lang="ru-RU" sz="2400" dirty="0" smtClean="0">
-                <a:latin typeface="Times New Roman" panose="02020603050405020304" pitchFamily="18" charset="0"/>
-                <a:cs typeface="Times New Roman" panose="02020603050405020304" pitchFamily="18" charset="0"/>
-              </a:rPr>
-              <a:t> Матрица</a:t>
-            </a:r>
-            <a:r>
-              <a:rPr lang="en-US" sz="2400" dirty="0" smtClean="0">
-                <a:latin typeface="Times New Roman" panose="02020603050405020304" pitchFamily="18" charset="0"/>
-                <a:cs typeface="Times New Roman" panose="02020603050405020304" pitchFamily="18" charset="0"/>
-              </a:rPr>
-              <a:t> </a:t>
-            </a:r>
-            <a:r>
-              <a:rPr lang="ru-RU" sz="2400" dirty="0" smtClean="0">
-                <a:latin typeface="Times New Roman" panose="02020603050405020304" pitchFamily="18" charset="0"/>
-                <a:cs typeface="Times New Roman" panose="02020603050405020304" pitchFamily="18" charset="0"/>
-              </a:rPr>
-              <a:t>вероятностей одношаговых переходов </a:t>
-            </a:r>
-            <a:r>
-              <a:rPr lang="en-US" sz="2400" dirty="0" smtClean="0">
-                <a:latin typeface="Times New Roman" panose="02020603050405020304" pitchFamily="18" charset="0"/>
-                <a:cs typeface="Times New Roman" panose="02020603050405020304" pitchFamily="18" charset="0"/>
-              </a:rPr>
-              <a:t>P</a:t>
-            </a:r>
-            <a:r>
-              <a:rPr lang="ru-RU" sz="2400" dirty="0" smtClean="0">
-                <a:latin typeface="Times New Roman" panose="02020603050405020304" pitchFamily="18" charset="0"/>
-                <a:cs typeface="Times New Roman" panose="02020603050405020304" pitchFamily="18" charset="0"/>
-              </a:rPr>
-              <a:t> имеет следующую структуру:</a:t>
-            </a:r>
-            <a:endParaRPr lang="ru-RU" sz="2400" dirty="0">
-              <a:latin typeface="Times New Roman" panose="02020603050405020304" pitchFamily="18" charset="0"/>
-              <a:cs typeface="Times New Roman" panose="02020603050405020304" pitchFamily="18" charset="0"/>
-            </a:endParaRPr>
-          </a:p>
-        </p:txBody>
-      </p:sp>
-      <p:pic>
-        <p:nvPicPr>
-          <p:cNvPr id="7" name="Рисунок 6"/>
-          <p:cNvPicPr>
-            <a:picLocks noChangeAspect="1"/>
-          </p:cNvPicPr>
-          <p:nvPr/>
-        </p:nvPicPr>
-        <p:blipFill>
-          <a:blip r:embed="rId2"/>
-          <a:stretch>
-            <a:fillRect/>
-          </a:stretch>
-        </p:blipFill>
-        <p:spPr>
-          <a:xfrm>
-            <a:off x="3387846" y="5012216"/>
-            <a:ext cx="2914650" cy="1457325"/>
-          </a:xfrm>
-          <a:prstGeom prst="rect">
-            <a:avLst/>
-          </a:prstGeom>
-        </p:spPr>
-      </p:pic>
-    </p:spTree>
-    <p:extLst>
-      <p:ext uri="{BB962C8B-B14F-4D97-AF65-F5344CB8AC3E}">
-        <p14:creationId xmlns:p14="http://schemas.microsoft.com/office/powerpoint/2010/main" val="1392876878"/>
-      </p:ext>
-    </p:extLst>
-  </p:cSld>
-  <p:clrMapOvr>
-    <a:masterClrMapping/>
-  </p:clrMapOvr>
-  <p:timing>
-    <p:tnLst>
-      <p:par>
-        <p:cTn id="1" dur="indefinite" restart="never" nodeType="tmRoot"/>
-      </p:par>
-    </p:tnLst>
-  </p:timing>
-</p:sld>
-</file>
-
-<file path=ppt/slides/slide5.xml><?xml version="1.0" encoding="utf-8"?>
-<p:sld xmlns:a="http://schemas.openxmlformats.org/drawingml/2006/main" xmlns:r="http://schemas.openxmlformats.org/officeDocument/2006/relationships" xmlns:p="http://schemas.openxmlformats.org/presentationml/2006/main">
-  <p:cSld>
-    <p:spTree>
-      <p:nvGrpSpPr>
-        <p:cNvPr id="1" name=""/>
-        <p:cNvGrpSpPr/>
-        <p:nvPr/>
-      </p:nvGrpSpPr>
-      <p:grpSpPr>
-        <a:xfrm>
-          <a:off x="0" y="0"/>
-          <a:ext cx="0" cy="0"/>
-          <a:chOff x="0" y="0"/>
-          <a:chExt cx="0" cy="0"/>
-        </a:xfrm>
-      </p:grpSpPr>
-      <p:sp>
-        <p:nvSpPr>
-          <p:cNvPr id="2" name="Заголовок 1"/>
-          <p:cNvSpPr>
-            <a:spLocks noGrp="1"/>
-          </p:cNvSpPr>
-          <p:nvPr>
-            <p:ph type="title"/>
-          </p:nvPr>
-        </p:nvSpPr>
-        <p:spPr/>
-        <p:txBody>
-          <a:bodyPr/>
-          <a:lstStyle/>
-          <a:p>
-            <a:pPr algn="ctr"/>
-            <a:r>
-              <a:rPr lang="ru-RU" dirty="0" smtClean="0">
-                <a:latin typeface="Times New Roman" panose="02020603050405020304" pitchFamily="18" charset="0"/>
-                <a:cs typeface="Times New Roman" panose="02020603050405020304" pitchFamily="18" charset="0"/>
-              </a:rPr>
-              <a:t>Критерий эргодичности системы</a:t>
-            </a:r>
-            <a:endParaRPr lang="ru-RU" dirty="0">
-              <a:latin typeface="Times New Roman" panose="02020603050405020304" pitchFamily="18" charset="0"/>
-              <a:cs typeface="Times New Roman" panose="02020603050405020304" pitchFamily="18" charset="0"/>
-            </a:endParaRPr>
-          </a:p>
-        </p:txBody>
-      </p:sp>
-      <p:sp>
-        <p:nvSpPr>
-          <p:cNvPr id="4" name="Объект 3"/>
-          <p:cNvSpPr>
-            <a:spLocks noGrp="1"/>
-          </p:cNvSpPr>
-          <p:nvPr>
-            <p:ph idx="1"/>
-          </p:nvPr>
-        </p:nvSpPr>
-        <p:spPr/>
-        <p:txBody>
-          <a:bodyPr/>
-          <a:lstStyle/>
-          <a:p>
-            <a:pPr marL="0" indent="0">
-              <a:buNone/>
-            </a:pPr>
-            <a:r>
-              <a:rPr lang="ru-RU" dirty="0" smtClean="0">
-                <a:latin typeface="Times New Roman" panose="02020603050405020304" pitchFamily="18" charset="0"/>
-                <a:cs typeface="Times New Roman" panose="02020603050405020304" pitchFamily="18" charset="0"/>
-              </a:rPr>
-              <a:t>Условие эргодичности можно трактовать следующим образом - </a:t>
-            </a:r>
-          </a:p>
-          <a:p>
-            <a:pPr marL="0" indent="0">
-              <a:buNone/>
-            </a:pPr>
-            <a:r>
-              <a:rPr lang="ru-RU" dirty="0" smtClean="0">
-                <a:latin typeface="Times New Roman" panose="02020603050405020304" pitchFamily="18" charset="0"/>
-                <a:cs typeface="Times New Roman" panose="02020603050405020304" pitchFamily="18" charset="0"/>
-              </a:rPr>
-              <a:t>условие, при котором система способна уменьшать число заявок в системе, когда она перегружена, т.е. среднее число заявок, поступающих за время обслуживания одной заявки, должно быть меньше единицы.  В данной системе условие эргодичности находится по формуле 		       где </a:t>
-            </a:r>
-            <a:r>
-              <a:rPr lang="en-US" dirty="0" smtClean="0">
-                <a:latin typeface="Times New Roman" panose="02020603050405020304" pitchFamily="18" charset="0"/>
-                <a:cs typeface="Times New Roman" panose="02020603050405020304" pitchFamily="18" charset="0"/>
-              </a:rPr>
-              <a:t>u0 </a:t>
-            </a:r>
-            <a:r>
-              <a:rPr lang="ru-RU" dirty="0" smtClean="0">
-                <a:latin typeface="Times New Roman" panose="02020603050405020304" pitchFamily="18" charset="0"/>
-                <a:cs typeface="Times New Roman" panose="02020603050405020304" pitchFamily="18" charset="0"/>
-              </a:rPr>
-              <a:t>выражается из системы</a:t>
-            </a:r>
-            <a:r>
-              <a:rPr lang="en-US" dirty="0" smtClean="0">
-                <a:latin typeface="Times New Roman" panose="02020603050405020304" pitchFamily="18" charset="0"/>
-                <a:cs typeface="Times New Roman" panose="02020603050405020304" pitchFamily="18" charset="0"/>
-              </a:rPr>
-              <a:t>:</a:t>
-            </a:r>
-            <a:endParaRPr lang="ru-RU" dirty="0">
-              <a:latin typeface="Times New Roman" panose="02020603050405020304" pitchFamily="18" charset="0"/>
-              <a:cs typeface="Times New Roman" panose="02020603050405020304" pitchFamily="18" charset="0"/>
-            </a:endParaRPr>
-          </a:p>
-        </p:txBody>
-      </p:sp>
-      <p:pic>
-        <p:nvPicPr>
-          <p:cNvPr id="7" name="Рисунок 6"/>
-          <p:cNvPicPr>
-            <a:picLocks noChangeAspect="1"/>
-          </p:cNvPicPr>
-          <p:nvPr/>
-        </p:nvPicPr>
-        <p:blipFill>
-          <a:blip r:embed="rId2"/>
-          <a:stretch>
-            <a:fillRect/>
-          </a:stretch>
-        </p:blipFill>
-        <p:spPr>
-          <a:xfrm>
-            <a:off x="838200" y="4481513"/>
-            <a:ext cx="6019800" cy="1695450"/>
-          </a:xfrm>
-          <a:prstGeom prst="rect">
-            <a:avLst/>
-          </a:prstGeom>
-        </p:spPr>
-      </p:pic>
-      <p:pic>
-        <p:nvPicPr>
-          <p:cNvPr id="9" name="Рисунок 8"/>
-          <p:cNvPicPr>
-            <a:picLocks noChangeAspect="1"/>
-          </p:cNvPicPr>
-          <p:nvPr/>
-        </p:nvPicPr>
-        <p:blipFill>
-          <a:blip r:embed="rId3"/>
-          <a:stretch>
-            <a:fillRect/>
-          </a:stretch>
-        </p:blipFill>
-        <p:spPr>
-          <a:xfrm>
-            <a:off x="4494362" y="3971246"/>
-            <a:ext cx="1601638" cy="366606"/>
-          </a:xfrm>
-          <a:prstGeom prst="rect">
-            <a:avLst/>
-          </a:prstGeom>
-        </p:spPr>
-      </p:pic>
-    </p:spTree>
-    <p:extLst>
-      <p:ext uri="{BB962C8B-B14F-4D97-AF65-F5344CB8AC3E}">
-        <p14:creationId xmlns:p14="http://schemas.microsoft.com/office/powerpoint/2010/main" val="811908914"/>
-      </p:ext>
-    </p:extLst>
-  </p:cSld>
-  <p:clrMapOvr>
-    <a:masterClrMapping/>
-  </p:clrMapOvr>
-  <p:timing>
-    <p:tnLst>
-      <p:par>
-        <p:cTn id="1" dur="indefinite" restart="never" nodeType="tmRoot"/>
-      </p:par>
-    </p:tnLst>
-  </p:timing>
-</p:sld>
-</file>
-
-<file path=ppt/slides/slide6.xml><?xml version="1.0" encoding="utf-8"?>
-<p:sld xmlns:a="http://schemas.openxmlformats.org/drawingml/2006/main" xmlns:r="http://schemas.openxmlformats.org/officeDocument/2006/relationships" xmlns:p="http://schemas.openxmlformats.org/presentationml/2006/main">
-  <p:cSld>
-    <p:spTree>
-      <p:nvGrpSpPr>
-        <p:cNvPr id="1" name=""/>
-        <p:cNvGrpSpPr/>
-        <p:nvPr/>
-      </p:nvGrpSpPr>
-      <p:grpSpPr>
-        <a:xfrm>
-          <a:off x="0" y="0"/>
-          <a:ext cx="0" cy="0"/>
-          <a:chOff x="0" y="0"/>
-          <a:chExt cx="0" cy="0"/>
-        </a:xfrm>
-      </p:grpSpPr>
-      <p:sp>
-        <p:nvSpPr>
-          <p:cNvPr id="2" name="Заголовок 1"/>
-          <p:cNvSpPr>
-            <a:spLocks noGrp="1"/>
-          </p:cNvSpPr>
-          <p:nvPr>
-            <p:ph type="title"/>
-          </p:nvPr>
-        </p:nvSpPr>
-        <p:spPr/>
-        <p:txBody>
           <a:bodyPr>
             <a:normAutofit fontScale="90000"/>
           </a:bodyPr>
@@ -5311,7 +3925,7 @@
 </p:sld>
 </file>
 
-<file path=ppt/slides/slide7.xml><?xml version="1.0" encoding="utf-8"?>
+<file path=ppt/slides/slide13.xml><?xml version="1.0" encoding="utf-8"?>
 <p:sld xmlns:a="http://schemas.openxmlformats.org/drawingml/2006/main" xmlns:r="http://schemas.openxmlformats.org/officeDocument/2006/relationships" xmlns:p="http://schemas.openxmlformats.org/presentationml/2006/main">
   <p:cSld>
     <p:spTree>
@@ -5852,7 +4466,7 @@
 </p:sld>
 </file>
 
-<file path=ppt/slides/slide8.xml><?xml version="1.0" encoding="utf-8"?>
+<file path=ppt/slides/slide14.xml><?xml version="1.0" encoding="utf-8"?>
 <p:sld xmlns:a="http://schemas.openxmlformats.org/drawingml/2006/main" xmlns:r="http://schemas.openxmlformats.org/officeDocument/2006/relationships" xmlns:p="http://schemas.openxmlformats.org/presentationml/2006/main">
   <p:cSld>
     <p:spTree>
@@ -5881,187 +4495,1081 @@
         </p:nvSpPr>
         <p:spPr/>
         <p:txBody>
-          <a:bodyPr/>
+          <a:bodyPr>
+            <a:normAutofit/>
+          </a:bodyPr>
           <a:lstStyle/>
           <a:p>
             <a:r>
-              <a:rPr lang="ru-RU" dirty="0" smtClean="0">
-                <a:latin typeface="Times New Roman" panose="02020603050405020304" pitchFamily="18" charset="0"/>
-                <a:cs typeface="Times New Roman" panose="02020603050405020304" pitchFamily="18" charset="0"/>
-              </a:rPr>
-              <a:t>Анализ характеристик производительности системы</a:t>
-            </a:r>
-            <a:endParaRPr lang="ru-RU" dirty="0">
-              <a:latin typeface="Times New Roman" panose="02020603050405020304" pitchFamily="18" charset="0"/>
-              <a:cs typeface="Times New Roman" panose="02020603050405020304" pitchFamily="18" charset="0"/>
-            </a:endParaRPr>
+              <a:rPr lang="ru-RU" sz="4000" dirty="0">
+                <a:latin typeface="Times New Roman" panose="02020603050405020304" pitchFamily="18" charset="0"/>
+                <a:cs typeface="Times New Roman" panose="02020603050405020304" pitchFamily="18" charset="0"/>
+              </a:rPr>
+              <a:t>Стационарное распределение в произвольный момент времени</a:t>
+            </a:r>
           </a:p>
         </p:txBody>
       </p:sp>
+      <mc:AlternateContent xmlns:mc="http://schemas.openxmlformats.org/markup-compatibility/2006" xmlns:a14="http://schemas.microsoft.com/office/drawing/2010/main">
+        <mc:Choice Requires="a14">
+          <p:sp>
+            <p:nvSpPr>
+              <p:cNvPr id="3" name="Объект 2"/>
+              <p:cNvSpPr>
+                <a:spLocks noGrp="1"/>
+              </p:cNvSpPr>
+              <p:nvPr>
+                <p:ph idx="1"/>
+              </p:nvPr>
+            </p:nvSpPr>
+            <p:spPr>
+              <a:xfrm>
+                <a:off x="838200" y="1825625"/>
+                <a:ext cx="10515600" cy="5127266"/>
+              </a:xfrm>
+            </p:spPr>
+            <p:txBody>
+              <a:bodyPr>
+                <a:noAutofit/>
+              </a:bodyPr>
+              <a:lstStyle/>
+              <a:p>
+                <a:r>
+                  <a:rPr lang="ru-RU" dirty="0" smtClean="0">
+                    <a:latin typeface="Times New Roman" panose="02020603050405020304" pitchFamily="18" charset="0"/>
+                    <a:cs typeface="Times New Roman" panose="02020603050405020304" pitchFamily="18" charset="0"/>
+                  </a:rPr>
+                  <a:t>Обозначим через </a:t>
+                </a:r>
+                <a14:m>
+                  <m:oMath xmlns:m="http://schemas.openxmlformats.org/officeDocument/2006/math">
+                    <m:sSub>
+                      <m:sSubPr>
+                        <m:ctrlPr>
+                          <a:rPr lang="ru-RU" i="1" dirty="0" smtClean="0">
+                            <a:latin typeface="Cambria Math" panose="02040503050406030204" pitchFamily="18" charset="0"/>
+                            <a:cs typeface="Times New Roman" panose="02020603050405020304" pitchFamily="18" charset="0"/>
+                          </a:rPr>
+                        </m:ctrlPr>
+                      </m:sSubPr>
+                      <m:e>
+                        <m:acc>
+                          <m:accPr>
+                            <m:chr m:val="̃"/>
+                            <m:ctrlPr>
+                              <a:rPr lang="ru-RU" i="1" dirty="0" smtClean="0">
+                                <a:latin typeface="Cambria Math" panose="02040503050406030204" pitchFamily="18" charset="0"/>
+                                <a:cs typeface="Times New Roman" panose="02020603050405020304" pitchFamily="18" charset="0"/>
+                              </a:rPr>
+                            </m:ctrlPr>
+                          </m:accPr>
+                          <m:e>
+                            <m:r>
+                              <a:rPr lang="en-US" b="0" i="1" dirty="0" smtClean="0">
+                                <a:latin typeface="Cambria Math" panose="02040503050406030204" pitchFamily="18" charset="0"/>
+                                <a:cs typeface="Times New Roman" panose="02020603050405020304" pitchFamily="18" charset="0"/>
+                              </a:rPr>
+                              <m:t>𝑉</m:t>
+                            </m:r>
+                          </m:e>
+                        </m:acc>
+                      </m:e>
+                      <m:sub>
+                        <m:r>
+                          <a:rPr lang="en-US" b="0" i="1" dirty="0" smtClean="0">
+                            <a:latin typeface="Cambria Math" panose="02040503050406030204" pitchFamily="18" charset="0"/>
+                            <a:cs typeface="Times New Roman" panose="02020603050405020304" pitchFamily="18" charset="0"/>
+                          </a:rPr>
+                          <m:t>𝑗</m:t>
+                        </m:r>
+                      </m:sub>
+                    </m:sSub>
+                  </m:oMath>
+                </a14:m>
+                <a:r>
+                  <a:rPr lang="en-US" dirty="0" smtClean="0">
+                    <a:latin typeface="Times New Roman" panose="02020603050405020304" pitchFamily="18" charset="0"/>
+                    <a:cs typeface="Times New Roman" panose="02020603050405020304" pitchFamily="18" charset="0"/>
+                  </a:rPr>
+                  <a:t> </a:t>
+                </a:r>
+                <a:r>
+                  <a:rPr lang="ru-RU" dirty="0" smtClean="0">
+                    <a:latin typeface="Times New Roman" panose="02020603050405020304" pitchFamily="18" charset="0"/>
+                    <a:cs typeface="Times New Roman" panose="02020603050405020304" pitchFamily="18" charset="0"/>
+                  </a:rPr>
+                  <a:t>матрицу </a:t>
+                </a:r>
+                <a:r>
+                  <a:rPr lang="ru-RU" dirty="0">
+                    <a:latin typeface="Times New Roman" panose="02020603050405020304" pitchFamily="18" charset="0"/>
+                    <a:cs typeface="Times New Roman" panose="02020603050405020304" pitchFamily="18" charset="0"/>
+                  </a:rPr>
+                  <a:t>переходных вероятностей </a:t>
+                </a:r>
+                <a:r>
+                  <a:rPr lang="ru-RU" dirty="0" err="1">
+                    <a:latin typeface="Times New Roman" panose="02020603050405020304" pitchFamily="18" charset="0"/>
+                    <a:cs typeface="Times New Roman" panose="02020603050405020304" pitchFamily="18" charset="0"/>
+                  </a:rPr>
+                  <a:t>марковского</a:t>
+                </a:r>
+                <a:r>
+                  <a:rPr lang="ru-RU" dirty="0">
+                    <a:latin typeface="Times New Roman" panose="02020603050405020304" pitchFamily="18" charset="0"/>
+                    <a:cs typeface="Times New Roman" panose="02020603050405020304" pitchFamily="18" charset="0"/>
+                  </a:rPr>
+                  <a:t> процесса </a:t>
+                </a:r>
+                <a:r>
+                  <a:rPr lang="ru-RU" dirty="0" smtClean="0">
+                    <a:latin typeface="Times New Roman" panose="02020603050405020304" pitchFamily="18" charset="0"/>
+                    <a:cs typeface="Times New Roman" panose="02020603050405020304" pitchFamily="18" charset="0"/>
+                  </a:rPr>
+                  <a:t>{</a:t>
+                </a:r>
+                <a14:m>
+                  <m:oMath xmlns:m="http://schemas.openxmlformats.org/officeDocument/2006/math">
+                    <m:sSub>
+                      <m:sSubPr>
+                        <m:ctrlPr>
+                          <a:rPr lang="ru-RU" i="1" dirty="0">
+                            <a:latin typeface="Cambria Math" panose="02040503050406030204" pitchFamily="18" charset="0"/>
+                            <a:cs typeface="Times New Roman" panose="02020603050405020304" pitchFamily="18" charset="0"/>
+                          </a:rPr>
+                        </m:ctrlPr>
+                      </m:sSubPr>
+                      <m:e>
+                        <m:r>
+                          <a:rPr lang="en-US" i="1" dirty="0">
+                            <a:latin typeface="Cambria Math" panose="02040503050406030204" pitchFamily="18" charset="0"/>
+                            <a:cs typeface="Times New Roman" panose="02020603050405020304" pitchFamily="18" charset="0"/>
+                          </a:rPr>
+                          <m:t>𝑖</m:t>
+                        </m:r>
+                      </m:e>
+                      <m:sub>
+                        <m:r>
+                          <a:rPr lang="en-US" i="1" dirty="0">
+                            <a:latin typeface="Cambria Math" panose="02040503050406030204" pitchFamily="18" charset="0"/>
+                            <a:cs typeface="Times New Roman" panose="02020603050405020304" pitchFamily="18" charset="0"/>
+                          </a:rPr>
+                          <m:t>𝑡</m:t>
+                        </m:r>
+                      </m:sub>
+                    </m:sSub>
+                  </m:oMath>
+                </a14:m>
+                <a:r>
+                  <a:rPr lang="ru-RU" dirty="0">
+                    <a:latin typeface="Times New Roman" panose="02020603050405020304" pitchFamily="18" charset="0"/>
+                    <a:cs typeface="Times New Roman" panose="02020603050405020304" pitchFamily="18" charset="0"/>
+                  </a:rPr>
+                  <a:t>, </a:t>
+                </a:r>
+                <a14:m>
+                  <m:oMath xmlns:m="http://schemas.openxmlformats.org/officeDocument/2006/math">
+                    <m:sSub>
+                      <m:sSubPr>
+                        <m:ctrlPr>
+                          <a:rPr lang="ru-RU" i="1" dirty="0">
+                            <a:latin typeface="Cambria Math" panose="02040503050406030204" pitchFamily="18" charset="0"/>
+                            <a:cs typeface="Times New Roman" panose="02020603050405020304" pitchFamily="18" charset="0"/>
+                          </a:rPr>
+                        </m:ctrlPr>
+                      </m:sSubPr>
+                      <m:e>
+                        <m:r>
+                          <a:rPr lang="en-US" b="0" i="1" dirty="0" smtClean="0">
+                            <a:latin typeface="Cambria Math" panose="02040503050406030204" pitchFamily="18" charset="0"/>
+                            <a:cs typeface="Times New Roman" panose="02020603050405020304" pitchFamily="18" charset="0"/>
+                          </a:rPr>
+                          <m:t>𝑘</m:t>
+                        </m:r>
+                      </m:e>
+                      <m:sub>
+                        <m:r>
+                          <a:rPr lang="en-US" i="1" dirty="0">
+                            <a:latin typeface="Cambria Math" panose="02040503050406030204" pitchFamily="18" charset="0"/>
+                            <a:cs typeface="Times New Roman" panose="02020603050405020304" pitchFamily="18" charset="0"/>
+                          </a:rPr>
+                          <m:t>𝑡</m:t>
+                        </m:r>
+                      </m:sub>
+                    </m:sSub>
+                  </m:oMath>
+                </a14:m>
+                <a:r>
+                  <a:rPr lang="ru-RU" dirty="0" smtClean="0">
+                    <a:latin typeface="Times New Roman" panose="02020603050405020304" pitchFamily="18" charset="0"/>
+                    <a:cs typeface="Times New Roman" panose="02020603050405020304" pitchFamily="18" charset="0"/>
+                  </a:rPr>
+                  <a:t>, </a:t>
+                </a:r>
+                <a14:m>
+                  <m:oMath xmlns:m="http://schemas.openxmlformats.org/officeDocument/2006/math">
+                    <m:sSub>
+                      <m:sSubPr>
+                        <m:ctrlPr>
+                          <a:rPr lang="ru-RU" i="1" dirty="0">
+                            <a:latin typeface="Cambria Math" panose="02040503050406030204" pitchFamily="18" charset="0"/>
+                            <a:cs typeface="Times New Roman" panose="02020603050405020304" pitchFamily="18" charset="0"/>
+                          </a:rPr>
+                        </m:ctrlPr>
+                      </m:sSubPr>
+                      <m:e>
+                        <m:r>
+                          <a:rPr lang="en-US" i="1" dirty="0" smtClean="0">
+                            <a:latin typeface="Cambria Math" panose="02040503050406030204" pitchFamily="18" charset="0"/>
+                            <a:cs typeface="Times New Roman" panose="02020603050405020304" pitchFamily="18" charset="0"/>
+                          </a:rPr>
+                          <m:t>ʋ</m:t>
+                        </m:r>
+                      </m:e>
+                      <m:sub>
+                        <m:r>
+                          <a:rPr lang="en-US" i="1" dirty="0">
+                            <a:latin typeface="Cambria Math" panose="02040503050406030204" pitchFamily="18" charset="0"/>
+                            <a:cs typeface="Times New Roman" panose="02020603050405020304" pitchFamily="18" charset="0"/>
+                          </a:rPr>
+                          <m:t>𝑡</m:t>
+                        </m:r>
+                      </m:sub>
+                    </m:sSub>
+                  </m:oMath>
+                </a14:m>
+                <a:r>
+                  <a:rPr lang="ru-RU" dirty="0" smtClean="0">
+                    <a:latin typeface="Times New Roman" panose="02020603050405020304" pitchFamily="18" charset="0"/>
+                    <a:cs typeface="Times New Roman" panose="02020603050405020304" pitchFamily="18" charset="0"/>
+                  </a:rPr>
+                  <a:t>}, t</a:t>
+                </a:r>
+                <a:r>
+                  <a:rPr lang="en-US" dirty="0">
+                    <a:latin typeface="Times New Roman" panose="02020603050405020304" pitchFamily="18" charset="0"/>
+                    <a:cs typeface="Times New Roman" panose="02020603050405020304" pitchFamily="18" charset="0"/>
+                  </a:rPr>
+                  <a:t> ≥ </a:t>
+                </a:r>
+                <a:r>
+                  <a:rPr lang="ru-RU" dirty="0" smtClean="0">
+                    <a:latin typeface="Times New Roman" panose="02020603050405020304" pitchFamily="18" charset="0"/>
+                    <a:cs typeface="Times New Roman" panose="02020603050405020304" pitchFamily="18" charset="0"/>
+                  </a:rPr>
+                  <a:t>0, </a:t>
+                </a:r>
+                <a:r>
+                  <a:rPr lang="ru-RU" dirty="0">
+                    <a:latin typeface="Times New Roman" panose="02020603050405020304" pitchFamily="18" charset="0"/>
+                    <a:cs typeface="Times New Roman" panose="02020603050405020304" pitchFamily="18" charset="0"/>
+                  </a:rPr>
+                  <a:t>с момента начала обслуживания, когда процесс находился в состоянии со значение </a:t>
+                </a:r>
+                <a:r>
+                  <a:rPr lang="en-US" dirty="0" smtClean="0">
+                    <a:latin typeface="Times New Roman" panose="02020603050405020304" pitchFamily="18" charset="0"/>
+                    <a:cs typeface="Times New Roman" panose="02020603050405020304" pitchFamily="18" charset="0"/>
+                  </a:rPr>
+                  <a:t>0 </a:t>
+                </a:r>
+                <a:r>
+                  <a:rPr lang="ru-RU" dirty="0" smtClean="0">
+                    <a:latin typeface="Times New Roman" panose="02020603050405020304" pitchFamily="18" charset="0"/>
+                    <a:cs typeface="Times New Roman" panose="02020603050405020304" pitchFamily="18" charset="0"/>
+                  </a:rPr>
+                  <a:t>счетного </a:t>
+                </a:r>
+                <a:r>
+                  <a:rPr lang="ru-RU" dirty="0">
+                    <a:latin typeface="Times New Roman" panose="02020603050405020304" pitchFamily="18" charset="0"/>
+                    <a:cs typeface="Times New Roman" panose="02020603050405020304" pitchFamily="18" charset="0"/>
+                  </a:rPr>
+                  <a:t>компонента в произвольный момент, предшествующий следующему обновлению, когда процесс находится в состоянии со значением </a:t>
+                </a:r>
+                <a:r>
+                  <a:rPr lang="en-US" dirty="0" smtClean="0">
+                    <a:latin typeface="Times New Roman" panose="02020603050405020304" pitchFamily="18" charset="0"/>
+                    <a:cs typeface="Times New Roman" panose="02020603050405020304" pitchFamily="18" charset="0"/>
+                  </a:rPr>
+                  <a:t>j </a:t>
+                </a:r>
+                <a:r>
+                  <a:rPr lang="ru-RU" dirty="0" smtClean="0">
+                    <a:latin typeface="Times New Roman" panose="02020603050405020304" pitchFamily="18" charset="0"/>
+                    <a:cs typeface="Times New Roman" panose="02020603050405020304" pitchFamily="18" charset="0"/>
+                  </a:rPr>
+                  <a:t>счетного </a:t>
+                </a:r>
+                <a:r>
+                  <a:rPr lang="ru-RU" dirty="0">
+                    <a:latin typeface="Times New Roman" panose="02020603050405020304" pitchFamily="18" charset="0"/>
+                    <a:cs typeface="Times New Roman" panose="02020603050405020304" pitchFamily="18" charset="0"/>
+                  </a:rPr>
+                  <a:t>компонента</a:t>
+                </a:r>
+                <a:r>
+                  <a:rPr lang="ru-RU" dirty="0" smtClean="0">
+                    <a:latin typeface="Times New Roman" panose="02020603050405020304" pitchFamily="18" charset="0"/>
+                    <a:cs typeface="Times New Roman" panose="02020603050405020304" pitchFamily="18" charset="0"/>
+                  </a:rPr>
+                  <a:t>.</a:t>
+                </a:r>
+                <a:endParaRPr lang="ru-RU" dirty="0">
+                  <a:latin typeface="Times New Roman" panose="02020603050405020304" pitchFamily="18" charset="0"/>
+                  <a:cs typeface="Times New Roman" panose="02020603050405020304" pitchFamily="18" charset="0"/>
+                </a:endParaRPr>
+              </a:p>
+              <a:p>
+                <a:r>
+                  <a:rPr lang="ru-RU" dirty="0">
+                    <a:latin typeface="Times New Roman" panose="02020603050405020304" pitchFamily="18" charset="0"/>
+                    <a:cs typeface="Times New Roman" panose="02020603050405020304" pitchFamily="18" charset="0"/>
+                  </a:rPr>
+                  <a:t>Пусть также </a:t>
+                </a:r>
+                <a14:m>
+                  <m:oMath xmlns:m="http://schemas.openxmlformats.org/officeDocument/2006/math">
+                    <m:sSub>
+                      <m:sSubPr>
+                        <m:ctrlPr>
+                          <a:rPr lang="ru-RU" i="1" dirty="0">
+                            <a:latin typeface="Cambria Math" panose="02040503050406030204" pitchFamily="18" charset="0"/>
+                            <a:cs typeface="Times New Roman" panose="02020603050405020304" pitchFamily="18" charset="0"/>
+                          </a:rPr>
+                        </m:ctrlPr>
+                      </m:sSubPr>
+                      <m:e>
+                        <m:acc>
+                          <m:accPr>
+                            <m:chr m:val="̃"/>
+                            <m:ctrlPr>
+                              <a:rPr lang="ru-RU" i="1" dirty="0">
+                                <a:latin typeface="Cambria Math" panose="02040503050406030204" pitchFamily="18" charset="0"/>
+                                <a:cs typeface="Times New Roman" panose="02020603050405020304" pitchFamily="18" charset="0"/>
+                              </a:rPr>
+                            </m:ctrlPr>
+                          </m:accPr>
+                          <m:e>
+                            <m:r>
+                              <a:rPr lang="en-US" b="0" i="1" dirty="0" smtClean="0">
+                                <a:latin typeface="Cambria Math" panose="02040503050406030204" pitchFamily="18" charset="0"/>
+                                <a:cs typeface="Times New Roman" panose="02020603050405020304" pitchFamily="18" charset="0"/>
+                              </a:rPr>
+                              <m:t>𝑌</m:t>
+                            </m:r>
+                          </m:e>
+                        </m:acc>
+                      </m:e>
+                      <m:sub>
+                        <m:r>
+                          <a:rPr lang="en-US" b="0" i="1" dirty="0" smtClean="0">
+                            <a:latin typeface="Cambria Math" panose="02040503050406030204" pitchFamily="18" charset="0"/>
+                            <a:cs typeface="Times New Roman" panose="02020603050405020304" pitchFamily="18" charset="0"/>
+                          </a:rPr>
+                          <m:t>𝑖</m:t>
+                        </m:r>
+                        <m:r>
+                          <a:rPr lang="en-US" b="0" i="1" dirty="0" smtClean="0">
+                            <a:latin typeface="Cambria Math" panose="02040503050406030204" pitchFamily="18" charset="0"/>
+                            <a:cs typeface="Times New Roman" panose="02020603050405020304" pitchFamily="18" charset="0"/>
+                          </a:rPr>
+                          <m:t>, </m:t>
+                        </m:r>
+                        <m:r>
+                          <a:rPr lang="en-US" i="1" dirty="0">
+                            <a:latin typeface="Cambria Math" panose="02040503050406030204" pitchFamily="18" charset="0"/>
+                            <a:cs typeface="Times New Roman" panose="02020603050405020304" pitchFamily="18" charset="0"/>
+                          </a:rPr>
+                          <m:t>𝑗</m:t>
+                        </m:r>
+                      </m:sub>
+                    </m:sSub>
+                  </m:oMath>
+                </a14:m>
+                <a:r>
+                  <a:rPr lang="en-US" dirty="0" smtClean="0">
+                    <a:latin typeface="Times New Roman" panose="02020603050405020304" pitchFamily="18" charset="0"/>
+                    <a:cs typeface="Times New Roman" panose="02020603050405020304" pitchFamily="18" charset="0"/>
+                  </a:rPr>
+                  <a:t> </a:t>
+                </a:r>
+                <a:r>
+                  <a:rPr lang="ru-RU" dirty="0" smtClean="0">
+                    <a:latin typeface="Times New Roman" panose="02020603050405020304" pitchFamily="18" charset="0"/>
+                    <a:cs typeface="Times New Roman" panose="02020603050405020304" pitchFamily="18" charset="0"/>
+                  </a:rPr>
+                  <a:t>будет </a:t>
+                </a:r>
+                <a:r>
+                  <a:rPr lang="ru-RU" dirty="0">
+                    <a:latin typeface="Times New Roman" panose="02020603050405020304" pitchFamily="18" charset="0"/>
+                    <a:cs typeface="Times New Roman" panose="02020603050405020304" pitchFamily="18" charset="0"/>
+                  </a:rPr>
+                  <a:t>матрицей переходных вероятностей </a:t>
+                </a:r>
+                <a:r>
+                  <a:rPr lang="ru-RU" dirty="0" err="1">
+                    <a:latin typeface="Times New Roman" panose="02020603050405020304" pitchFamily="18" charset="0"/>
+                    <a:cs typeface="Times New Roman" panose="02020603050405020304" pitchFamily="18" charset="0"/>
+                  </a:rPr>
+                  <a:t>марковского</a:t>
+                </a:r>
+                <a:r>
+                  <a:rPr lang="ru-RU" dirty="0">
+                    <a:latin typeface="Times New Roman" panose="02020603050405020304" pitchFamily="18" charset="0"/>
+                    <a:cs typeface="Times New Roman" panose="02020603050405020304" pitchFamily="18" charset="0"/>
+                  </a:rPr>
+                  <a:t> процесса {</a:t>
+                </a:r>
+                <a14:m>
+                  <m:oMath xmlns:m="http://schemas.openxmlformats.org/officeDocument/2006/math">
+                    <m:sSub>
+                      <m:sSubPr>
+                        <m:ctrlPr>
+                          <a:rPr lang="ru-RU" i="1" dirty="0">
+                            <a:latin typeface="Cambria Math" panose="02040503050406030204" pitchFamily="18" charset="0"/>
+                            <a:cs typeface="Times New Roman" panose="02020603050405020304" pitchFamily="18" charset="0"/>
+                          </a:rPr>
+                        </m:ctrlPr>
+                      </m:sSubPr>
+                      <m:e>
+                        <m:r>
+                          <a:rPr lang="en-US" i="1" dirty="0">
+                            <a:latin typeface="Cambria Math" panose="02040503050406030204" pitchFamily="18" charset="0"/>
+                            <a:cs typeface="Times New Roman" panose="02020603050405020304" pitchFamily="18" charset="0"/>
+                          </a:rPr>
+                          <m:t>𝑖</m:t>
+                        </m:r>
+                      </m:e>
+                      <m:sub>
+                        <m:r>
+                          <a:rPr lang="en-US" i="1" dirty="0">
+                            <a:latin typeface="Cambria Math" panose="02040503050406030204" pitchFamily="18" charset="0"/>
+                            <a:cs typeface="Times New Roman" panose="02020603050405020304" pitchFamily="18" charset="0"/>
+                          </a:rPr>
+                          <m:t>𝑡</m:t>
+                        </m:r>
+                      </m:sub>
+                    </m:sSub>
+                  </m:oMath>
+                </a14:m>
+                <a:r>
+                  <a:rPr lang="ru-RU" dirty="0">
+                    <a:latin typeface="Times New Roman" panose="02020603050405020304" pitchFamily="18" charset="0"/>
+                    <a:cs typeface="Times New Roman" panose="02020603050405020304" pitchFamily="18" charset="0"/>
+                  </a:rPr>
+                  <a:t>, </a:t>
+                </a:r>
+                <a14:m>
+                  <m:oMath xmlns:m="http://schemas.openxmlformats.org/officeDocument/2006/math">
+                    <m:sSub>
+                      <m:sSubPr>
+                        <m:ctrlPr>
+                          <a:rPr lang="ru-RU" i="1" dirty="0">
+                            <a:latin typeface="Cambria Math" panose="02040503050406030204" pitchFamily="18" charset="0"/>
+                            <a:cs typeface="Times New Roman" panose="02020603050405020304" pitchFamily="18" charset="0"/>
+                          </a:rPr>
+                        </m:ctrlPr>
+                      </m:sSubPr>
+                      <m:e>
+                        <m:r>
+                          <a:rPr lang="en-US" i="1" dirty="0">
+                            <a:latin typeface="Cambria Math" panose="02040503050406030204" pitchFamily="18" charset="0"/>
+                            <a:cs typeface="Times New Roman" panose="02020603050405020304" pitchFamily="18" charset="0"/>
+                          </a:rPr>
+                          <m:t>𝑘</m:t>
+                        </m:r>
+                      </m:e>
+                      <m:sub>
+                        <m:r>
+                          <a:rPr lang="en-US" i="1" dirty="0">
+                            <a:latin typeface="Cambria Math" panose="02040503050406030204" pitchFamily="18" charset="0"/>
+                            <a:cs typeface="Times New Roman" panose="02020603050405020304" pitchFamily="18" charset="0"/>
+                          </a:rPr>
+                          <m:t>𝑡</m:t>
+                        </m:r>
+                      </m:sub>
+                    </m:sSub>
+                  </m:oMath>
+                </a14:m>
+                <a:r>
+                  <a:rPr lang="ru-RU" dirty="0">
+                    <a:latin typeface="Times New Roman" panose="02020603050405020304" pitchFamily="18" charset="0"/>
+                    <a:cs typeface="Times New Roman" panose="02020603050405020304" pitchFamily="18" charset="0"/>
+                  </a:rPr>
+                  <a:t>, </a:t>
+                </a:r>
+                <a14:m>
+                  <m:oMath xmlns:m="http://schemas.openxmlformats.org/officeDocument/2006/math">
+                    <m:sSub>
+                      <m:sSubPr>
+                        <m:ctrlPr>
+                          <a:rPr lang="ru-RU" i="1" dirty="0">
+                            <a:latin typeface="Cambria Math" panose="02040503050406030204" pitchFamily="18" charset="0"/>
+                            <a:cs typeface="Times New Roman" panose="02020603050405020304" pitchFamily="18" charset="0"/>
+                          </a:rPr>
+                        </m:ctrlPr>
+                      </m:sSubPr>
+                      <m:e>
+                        <m:r>
+                          <a:rPr lang="en-US" i="1" dirty="0">
+                            <a:latin typeface="Cambria Math" panose="02040503050406030204" pitchFamily="18" charset="0"/>
+                            <a:cs typeface="Times New Roman" panose="02020603050405020304" pitchFamily="18" charset="0"/>
+                          </a:rPr>
+                          <m:t>ʋ</m:t>
+                        </m:r>
+                      </m:e>
+                      <m:sub>
+                        <m:r>
+                          <a:rPr lang="en-US" i="1" dirty="0">
+                            <a:latin typeface="Cambria Math" panose="02040503050406030204" pitchFamily="18" charset="0"/>
+                            <a:cs typeface="Times New Roman" panose="02020603050405020304" pitchFamily="18" charset="0"/>
+                          </a:rPr>
+                          <m:t>𝑡</m:t>
+                        </m:r>
+                      </m:sub>
+                    </m:sSub>
+                  </m:oMath>
+                </a14:m>
+                <a:r>
+                  <a:rPr lang="ru-RU" dirty="0">
+                    <a:latin typeface="Times New Roman" panose="02020603050405020304" pitchFamily="18" charset="0"/>
+                    <a:cs typeface="Times New Roman" panose="02020603050405020304" pitchFamily="18" charset="0"/>
+                  </a:rPr>
+                  <a:t>}, t</a:t>
+                </a:r>
+                <a:r>
+                  <a:rPr lang="en-US" dirty="0">
+                    <a:latin typeface="Times New Roman" panose="02020603050405020304" pitchFamily="18" charset="0"/>
+                    <a:cs typeface="Times New Roman" panose="02020603050405020304" pitchFamily="18" charset="0"/>
+                  </a:rPr>
+                  <a:t> ≥ </a:t>
+                </a:r>
+                <a:r>
+                  <a:rPr lang="ru-RU" dirty="0">
+                    <a:latin typeface="Times New Roman" panose="02020603050405020304" pitchFamily="18" charset="0"/>
+                    <a:cs typeface="Times New Roman" panose="02020603050405020304" pitchFamily="18" charset="0"/>
+                  </a:rPr>
+                  <a:t>0</a:t>
+                </a:r>
+                <a:r>
+                  <a:rPr lang="ru-RU" dirty="0" smtClean="0">
+                    <a:latin typeface="Times New Roman" panose="02020603050405020304" pitchFamily="18" charset="0"/>
+                    <a:cs typeface="Times New Roman" panose="02020603050405020304" pitchFamily="18" charset="0"/>
+                  </a:rPr>
+                  <a:t>, </a:t>
+                </a:r>
+                <a:r>
+                  <a:rPr lang="ru-RU" dirty="0">
+                    <a:latin typeface="Times New Roman" panose="02020603050405020304" pitchFamily="18" charset="0"/>
+                    <a:cs typeface="Times New Roman" panose="02020603050405020304" pitchFamily="18" charset="0"/>
+                  </a:rPr>
+                  <a:t>с момента начала обслуживания, когда процесс находился в состоянии со значением </a:t>
+                </a:r>
+                <a:r>
+                  <a:rPr lang="en-US" dirty="0" err="1" smtClean="0">
+                    <a:latin typeface="Times New Roman" panose="02020603050405020304" pitchFamily="18" charset="0"/>
+                    <a:cs typeface="Times New Roman" panose="02020603050405020304" pitchFamily="18" charset="0"/>
+                  </a:rPr>
+                  <a:t>i</a:t>
+                </a:r>
+                <a:r>
+                  <a:rPr lang="en-US" dirty="0" smtClean="0">
+                    <a:latin typeface="Times New Roman" panose="02020603050405020304" pitchFamily="18" charset="0"/>
+                    <a:cs typeface="Times New Roman" panose="02020603050405020304" pitchFamily="18" charset="0"/>
+                  </a:rPr>
+                  <a:t> &gt; 0 </a:t>
+                </a:r>
+                <a:r>
+                  <a:rPr lang="ru-RU" dirty="0" smtClean="0">
+                    <a:latin typeface="Times New Roman" panose="02020603050405020304" pitchFamily="18" charset="0"/>
+                    <a:cs typeface="Times New Roman" panose="02020603050405020304" pitchFamily="18" charset="0"/>
+                  </a:rPr>
+                  <a:t>счетного </a:t>
+                </a:r>
+                <a:r>
+                  <a:rPr lang="ru-RU" dirty="0">
+                    <a:latin typeface="Times New Roman" panose="02020603050405020304" pitchFamily="18" charset="0"/>
+                    <a:cs typeface="Times New Roman" panose="02020603050405020304" pitchFamily="18" charset="0"/>
+                  </a:rPr>
+                  <a:t>компонента до произвольного момента, предшествующего следующему обновлению, когда процесс находится в состоянии со значением </a:t>
+                </a:r>
+                <a:r>
+                  <a:rPr lang="en-US" dirty="0" smtClean="0">
+                    <a:latin typeface="Times New Roman" panose="02020603050405020304" pitchFamily="18" charset="0"/>
+                    <a:cs typeface="Times New Roman" panose="02020603050405020304" pitchFamily="18" charset="0"/>
+                  </a:rPr>
+                  <a:t>j </a:t>
+                </a:r>
+                <a:r>
+                  <a:rPr lang="ru-RU" dirty="0" smtClean="0">
+                    <a:latin typeface="Times New Roman" panose="02020603050405020304" pitchFamily="18" charset="0"/>
+                    <a:cs typeface="Times New Roman" panose="02020603050405020304" pitchFamily="18" charset="0"/>
+                  </a:rPr>
+                  <a:t>счетного </a:t>
+                </a:r>
+                <a:r>
+                  <a:rPr lang="ru-RU" dirty="0">
+                    <a:latin typeface="Times New Roman" panose="02020603050405020304" pitchFamily="18" charset="0"/>
+                    <a:cs typeface="Times New Roman" panose="02020603050405020304" pitchFamily="18" charset="0"/>
+                  </a:rPr>
+                  <a:t>компонента</a:t>
+                </a:r>
+                <a:r>
+                  <a:rPr lang="ru-RU" dirty="0" smtClean="0">
+                    <a:latin typeface="Times New Roman" panose="02020603050405020304" pitchFamily="18" charset="0"/>
+                    <a:cs typeface="Times New Roman" panose="02020603050405020304" pitchFamily="18" charset="0"/>
+                  </a:rPr>
+                  <a:t>.</a:t>
+                </a:r>
+                <a:endParaRPr lang="ru-RU" dirty="0">
+                  <a:latin typeface="Times New Roman" panose="02020603050405020304" pitchFamily="18" charset="0"/>
+                  <a:cs typeface="Times New Roman" panose="02020603050405020304" pitchFamily="18" charset="0"/>
+                </a:endParaRPr>
+              </a:p>
+            </p:txBody>
+          </p:sp>
+        </mc:Choice>
+        <mc:Fallback xmlns="">
+          <p:sp>
+            <p:nvSpPr>
+              <p:cNvPr id="3" name="Объект 2"/>
+              <p:cNvSpPr>
+                <a:spLocks noGrp="1" noRot="1" noChangeAspect="1" noMove="1" noResize="1" noEditPoints="1" noAdjustHandles="1" noChangeArrowheads="1" noChangeShapeType="1" noTextEdit="1"/>
+              </p:cNvSpPr>
+              <p:nvPr>
+                <p:ph idx="1"/>
+              </p:nvPr>
+            </p:nvSpPr>
+            <p:spPr>
+              <a:xfrm>
+                <a:off x="838200" y="1825625"/>
+                <a:ext cx="10515600" cy="5127266"/>
+              </a:xfrm>
+              <a:blipFill rotWithShape="0">
+                <a:blip r:embed="rId2"/>
+                <a:stretch>
+                  <a:fillRect l="-1043" t="-1663" r="-1797"/>
+                </a:stretch>
+              </a:blipFill>
+            </p:spPr>
+            <p:txBody>
+              <a:bodyPr/>
+              <a:lstStyle/>
+              <a:p>
+                <a:r>
+                  <a:rPr lang="ru-RU">
+                    <a:noFill/>
+                  </a:rPr>
+                  <a:t> </a:t>
+                </a:r>
+              </a:p>
+            </p:txBody>
+          </p:sp>
+        </mc:Fallback>
+      </mc:AlternateContent>
+    </p:spTree>
+    <p:extLst>
+      <p:ext uri="{BB962C8B-B14F-4D97-AF65-F5344CB8AC3E}">
+        <p14:creationId xmlns:p14="http://schemas.microsoft.com/office/powerpoint/2010/main" val="2570061105"/>
+      </p:ext>
+    </p:extLst>
+  </p:cSld>
+  <p:clrMapOvr>
+    <a:masterClrMapping/>
+  </p:clrMapOvr>
+  <p:timing>
+    <p:tnLst>
+      <p:par>
+        <p:cTn id="1" dur="indefinite" restart="never" nodeType="tmRoot"/>
+      </p:par>
+    </p:tnLst>
+  </p:timing>
+</p:sld>
+</file>
+
+<file path=ppt/slides/slide15.xml><?xml version="1.0" encoding="utf-8"?>
+<p:sld xmlns:a="http://schemas.openxmlformats.org/drawingml/2006/main" xmlns:r="http://schemas.openxmlformats.org/officeDocument/2006/relationships" xmlns:p="http://schemas.openxmlformats.org/presentationml/2006/main">
+  <p:cSld>
+    <p:spTree>
+      <p:nvGrpSpPr>
+        <p:cNvPr id="1" name=""/>
+        <p:cNvGrpSpPr/>
+        <p:nvPr/>
+      </p:nvGrpSpPr>
+      <p:grpSpPr>
+        <a:xfrm>
+          <a:off x="0" y="0"/>
+          <a:ext cx="0" cy="0"/>
+          <a:chOff x="0" y="0"/>
+          <a:chExt cx="0" cy="0"/>
+        </a:xfrm>
+      </p:grpSpPr>
       <p:sp>
         <p:nvSpPr>
-          <p:cNvPr id="3" name="Объект 2"/>
+          <p:cNvPr id="2" name="Заголовок 1"/>
           <p:cNvSpPr>
             <a:spLocks noGrp="1"/>
           </p:cNvSpPr>
           <p:nvPr>
-            <p:ph idx="1"/>
+            <p:ph type="title"/>
           </p:nvPr>
         </p:nvSpPr>
-        <p:spPr>
-          <a:xfrm>
-            <a:off x="838200" y="1782493"/>
-            <a:ext cx="10515600" cy="4351338"/>
-          </a:xfrm>
-        </p:spPr>
+        <p:spPr/>
         <p:txBody>
           <a:bodyPr/>
           <a:lstStyle/>
           <a:p>
-            <a:r>
-              <a:rPr lang="ru-RU" dirty="0" smtClean="0">
-                <a:latin typeface="Times New Roman" panose="02020603050405020304" pitchFamily="18" charset="0"/>
-                <a:cs typeface="Times New Roman" panose="02020603050405020304" pitchFamily="18" charset="0"/>
-              </a:rPr>
-              <a:t>Рассмотрим систему MAP|G|1, поток заявок которой определяется матрицами D_{0} и $D_{1}, имеет среднюю интенсивность </a:t>
-            </a:r>
-            <a:r>
-              <a:rPr lang="el-GR" dirty="0" smtClean="0">
-                <a:latin typeface="Times New Roman" panose="02020603050405020304" pitchFamily="18" charset="0"/>
-                <a:cs typeface="Times New Roman" panose="02020603050405020304" pitchFamily="18" charset="0"/>
-              </a:rPr>
-              <a:t>λ = 0.4</a:t>
-            </a:r>
-            <a:r>
-              <a:rPr lang="ru-RU" dirty="0" smtClean="0">
-                <a:latin typeface="Times New Roman" panose="02020603050405020304" pitchFamily="18" charset="0"/>
-                <a:cs typeface="Times New Roman" panose="02020603050405020304" pitchFamily="18" charset="0"/>
-              </a:rPr>
-              <a:t> и интенсивностью потока энергии </a:t>
-            </a:r>
-            <a:r>
-              <a:rPr lang="el-GR" dirty="0" smtClean="0">
-                <a:latin typeface="Times New Roman" panose="02020603050405020304" pitchFamily="18" charset="0"/>
-                <a:cs typeface="Times New Roman" panose="02020603050405020304" pitchFamily="18" charset="0"/>
-              </a:rPr>
-              <a:t>γ = 0.3</a:t>
-            </a:r>
-            <a:r>
-              <a:rPr lang="ru-RU" dirty="0" smtClean="0">
-                <a:latin typeface="Times New Roman" panose="02020603050405020304" pitchFamily="18" charset="0"/>
-                <a:cs typeface="Times New Roman" panose="02020603050405020304" pitchFamily="18" charset="0"/>
-              </a:rPr>
-              <a:t>.</a:t>
-            </a:r>
-          </a:p>
-          <a:p>
-            <a:endParaRPr lang="ru-RU" dirty="0">
-              <a:latin typeface="Times New Roman" panose="02020603050405020304" pitchFamily="18" charset="0"/>
-              <a:cs typeface="Times New Roman" panose="02020603050405020304" pitchFamily="18" charset="0"/>
-            </a:endParaRPr>
-          </a:p>
-          <a:p>
-            <a:endParaRPr lang="ru-RU" dirty="0" smtClean="0">
-              <a:latin typeface="Times New Roman" panose="02020603050405020304" pitchFamily="18" charset="0"/>
-              <a:cs typeface="Times New Roman" panose="02020603050405020304" pitchFamily="18" charset="0"/>
-            </a:endParaRPr>
-          </a:p>
-          <a:p>
-            <a:r>
-              <a:rPr lang="ru-RU" dirty="0" smtClean="0">
-                <a:latin typeface="Times New Roman" panose="02020603050405020304" pitchFamily="18" charset="0"/>
-                <a:cs typeface="Times New Roman" panose="02020603050405020304" pitchFamily="18" charset="0"/>
-              </a:rPr>
-              <a:t>Вмести с ней рассмотрим систему M|G|1, с интенсивностью потока запросов </a:t>
-            </a:r>
-            <a:r>
-              <a:rPr lang="el-GR" dirty="0" smtClean="0">
-                <a:latin typeface="Times New Roman" panose="02020603050405020304" pitchFamily="18" charset="0"/>
-                <a:cs typeface="Times New Roman" panose="02020603050405020304" pitchFamily="18" charset="0"/>
-              </a:rPr>
-              <a:t>λ = 0.4</a:t>
-            </a:r>
-            <a:r>
-              <a:rPr lang="ru-RU" dirty="0" smtClean="0">
-                <a:latin typeface="Times New Roman" panose="02020603050405020304" pitchFamily="18" charset="0"/>
-                <a:cs typeface="Times New Roman" panose="02020603050405020304" pitchFamily="18" charset="0"/>
-              </a:rPr>
-              <a:t>  </a:t>
-            </a:r>
-            <a:r>
-              <a:rPr lang="ru-RU" dirty="0" smtClean="0">
-                <a:latin typeface="Times New Roman" panose="02020603050405020304" pitchFamily="18" charset="0"/>
-                <a:cs typeface="Times New Roman" panose="02020603050405020304" pitchFamily="18" charset="0"/>
-              </a:rPr>
-              <a:t>и интенсивностью потока энергии </a:t>
-            </a:r>
-            <a:r>
-              <a:rPr lang="el-GR" dirty="0" smtClean="0">
-                <a:latin typeface="Times New Roman" panose="02020603050405020304" pitchFamily="18" charset="0"/>
-                <a:cs typeface="Times New Roman" panose="02020603050405020304" pitchFamily="18" charset="0"/>
-              </a:rPr>
-              <a:t>γ = 0.3</a:t>
-            </a:r>
-            <a:r>
-              <a:rPr lang="ru-RU" dirty="0" smtClean="0">
-                <a:latin typeface="Times New Roman" panose="02020603050405020304" pitchFamily="18" charset="0"/>
-                <a:cs typeface="Times New Roman" panose="02020603050405020304" pitchFamily="18" charset="0"/>
-              </a:rPr>
-              <a:t>.</a:t>
-            </a:r>
-          </a:p>
-          <a:p>
-            <a:r>
-              <a:rPr lang="ru-RU" dirty="0" smtClean="0">
-                <a:latin typeface="Times New Roman" panose="02020603050405020304" pitchFamily="18" charset="0"/>
-                <a:cs typeface="Times New Roman" panose="02020603050405020304" pitchFamily="18" charset="0"/>
-              </a:rPr>
-              <a:t>Все графики строятся для значений </a:t>
-            </a:r>
-            <a:r>
-              <a:rPr lang="en-US" dirty="0" smtClean="0">
-                <a:latin typeface="Times New Roman" panose="02020603050405020304" pitchFamily="18" charset="0"/>
-                <a:cs typeface="Times New Roman" panose="02020603050405020304" pitchFamily="18" charset="0"/>
-              </a:rPr>
-              <a:t>k (</a:t>
-            </a:r>
-            <a:r>
-              <a:rPr lang="ru-RU" dirty="0" smtClean="0">
-                <a:latin typeface="Times New Roman" panose="02020603050405020304" pitchFamily="18" charset="0"/>
-                <a:cs typeface="Times New Roman" panose="02020603050405020304" pitchFamily="18" charset="0"/>
-              </a:rPr>
-              <a:t>от 1 до 20 с шагом 1) и </a:t>
-            </a:r>
-            <a:r>
-              <a:rPr lang="en-US" dirty="0" smtClean="0">
-                <a:latin typeface="Times New Roman" panose="02020603050405020304" pitchFamily="18" charset="0"/>
-                <a:cs typeface="Times New Roman" panose="02020603050405020304" pitchFamily="18" charset="0"/>
-              </a:rPr>
-              <a:t>T </a:t>
-            </a:r>
-            <a:endParaRPr lang="ru-RU" dirty="0">
-              <a:latin typeface="Times New Roman" panose="02020603050405020304" pitchFamily="18" charset="0"/>
-              <a:cs typeface="Times New Roman" panose="02020603050405020304" pitchFamily="18" charset="0"/>
-            </a:endParaRPr>
-          </a:p>
-          <a:p>
-            <a:pPr marL="0" indent="0">
-              <a:buNone/>
-            </a:pPr>
-            <a:r>
-              <a:rPr lang="ru-RU" dirty="0" smtClean="0">
-                <a:latin typeface="Times New Roman" panose="02020603050405020304" pitchFamily="18" charset="0"/>
-                <a:cs typeface="Times New Roman" panose="02020603050405020304" pitchFamily="18" charset="0"/>
-              </a:rPr>
-              <a:t>(от 0.5 до 2 с шагом 0.5)</a:t>
-            </a:r>
-            <a:endParaRPr lang="ru-RU" dirty="0">
-              <a:latin typeface="Times New Roman" panose="02020603050405020304" pitchFamily="18" charset="0"/>
-              <a:cs typeface="Times New Roman" panose="02020603050405020304" pitchFamily="18" charset="0"/>
-            </a:endParaRPr>
+            <a:endParaRPr lang="ru-RU" dirty="0"/>
           </a:p>
         </p:txBody>
       </p:sp>
+      <mc:AlternateContent xmlns:mc="http://schemas.openxmlformats.org/markup-compatibility/2006" xmlns:a14="http://schemas.microsoft.com/office/drawing/2010/main">
+        <mc:Choice Requires="a14">
+          <p:sp>
+            <p:nvSpPr>
+              <p:cNvPr id="3" name="Объект 2"/>
+              <p:cNvSpPr>
+                <a:spLocks noGrp="1"/>
+              </p:cNvSpPr>
+              <p:nvPr>
+                <p:ph idx="1"/>
+              </p:nvPr>
+            </p:nvSpPr>
+            <p:spPr/>
+            <p:txBody>
+              <a:bodyPr/>
+              <a:lstStyle/>
+              <a:p>
+                <a:pPr marL="0" indent="0">
+                  <a:buNone/>
+                </a:pPr>
+                <a:r>
+                  <a:rPr lang="ru-RU" dirty="0" smtClean="0">
+                    <a:latin typeface="Times New Roman" panose="02020603050405020304" pitchFamily="18" charset="0"/>
+                    <a:cs typeface="Times New Roman" panose="02020603050405020304" pitchFamily="18" charset="0"/>
+                  </a:rPr>
+                  <a:t>Обозначим через </a:t>
+                </a:r>
+                <a14:m>
+                  <m:oMath xmlns:m="http://schemas.openxmlformats.org/officeDocument/2006/math">
+                    <m:sSub>
+                      <m:sSubPr>
+                        <m:ctrlPr>
+                          <a:rPr lang="ru-RU" i="1" dirty="0">
+                            <a:latin typeface="Cambria Math" panose="02040503050406030204" pitchFamily="18" charset="0"/>
+                            <a:cs typeface="Times New Roman" panose="02020603050405020304" pitchFamily="18" charset="0"/>
+                          </a:rPr>
+                        </m:ctrlPr>
+                      </m:sSubPr>
+                      <m:e>
+                        <m:r>
+                          <a:rPr lang="en-US" b="0" i="1" dirty="0" smtClean="0">
+                            <a:latin typeface="Cambria Math" panose="02040503050406030204" pitchFamily="18" charset="0"/>
+                            <a:cs typeface="Times New Roman" panose="02020603050405020304" pitchFamily="18" charset="0"/>
+                          </a:rPr>
+                          <m:t>𝑝</m:t>
+                        </m:r>
+                      </m:e>
+                      <m:sub>
+                        <m:r>
+                          <a:rPr lang="en-US" b="0" i="1" dirty="0" smtClean="0">
+                            <a:latin typeface="Cambria Math" panose="02040503050406030204" pitchFamily="18" charset="0"/>
+                            <a:cs typeface="Times New Roman" panose="02020603050405020304" pitchFamily="18" charset="0"/>
+                          </a:rPr>
+                          <m:t>𝑗</m:t>
+                        </m:r>
+                      </m:sub>
+                    </m:sSub>
+                  </m:oMath>
+                </a14:m>
+                <a:r>
+                  <a:rPr lang="ru-RU" dirty="0" smtClean="0">
+                    <a:latin typeface="Times New Roman" panose="02020603050405020304" pitchFamily="18" charset="0"/>
+                    <a:cs typeface="Times New Roman" panose="02020603050405020304" pitchFamily="18" charset="0"/>
+                  </a:rPr>
+                  <a:t>, </a:t>
+                </a:r>
+                <a:r>
+                  <a:rPr lang="en-US" dirty="0" smtClean="0">
+                    <a:latin typeface="Times New Roman" panose="02020603050405020304" pitchFamily="18" charset="0"/>
+                    <a:cs typeface="Times New Roman" panose="02020603050405020304" pitchFamily="18" charset="0"/>
+                  </a:rPr>
+                  <a:t>j </a:t>
+                </a:r>
+                <a:r>
+                  <a:rPr lang="en-US" dirty="0">
+                    <a:latin typeface="Times New Roman" panose="02020603050405020304" pitchFamily="18" charset="0"/>
+                    <a:cs typeface="Times New Roman" panose="02020603050405020304" pitchFamily="18" charset="0"/>
+                  </a:rPr>
+                  <a:t>≥</a:t>
+                </a:r>
+                <a:r>
+                  <a:rPr lang="en-US" dirty="0" smtClean="0">
+                    <a:latin typeface="Times New Roman" panose="02020603050405020304" pitchFamily="18" charset="0"/>
+                    <a:cs typeface="Times New Roman" panose="02020603050405020304" pitchFamily="18" charset="0"/>
+                  </a:rPr>
+                  <a:t> </a:t>
+                </a:r>
+                <a:r>
+                  <a:rPr lang="ru-RU" dirty="0" smtClean="0">
+                    <a:latin typeface="Times New Roman" panose="02020603050405020304" pitchFamily="18" charset="0"/>
+                    <a:cs typeface="Times New Roman" panose="02020603050405020304" pitchFamily="18" charset="0"/>
+                  </a:rPr>
+                  <a:t>0</a:t>
+                </a:r>
+                <a:r>
+                  <a:rPr lang="ru-RU" dirty="0">
+                    <a:latin typeface="Times New Roman" panose="02020603050405020304" pitchFamily="18" charset="0"/>
+                    <a:cs typeface="Times New Roman" panose="02020603050405020304" pitchFamily="18" charset="0"/>
+                  </a:rPr>
+                  <a:t>, стационарное распределение системы в произвольный момент времени</a:t>
+                </a:r>
+                <a:r>
+                  <a:rPr lang="ru-RU" dirty="0" smtClean="0">
+                    <a:latin typeface="Times New Roman" panose="02020603050405020304" pitchFamily="18" charset="0"/>
+                    <a:cs typeface="Times New Roman" panose="02020603050405020304" pitchFamily="18" charset="0"/>
+                  </a:rPr>
+                  <a:t>.</a:t>
+                </a:r>
+                <a:endParaRPr lang="en-US" dirty="0" smtClean="0">
+                  <a:latin typeface="Times New Roman" panose="02020603050405020304" pitchFamily="18" charset="0"/>
+                  <a:cs typeface="Times New Roman" panose="02020603050405020304" pitchFamily="18" charset="0"/>
+                </a:endParaRPr>
+              </a:p>
+              <a:p>
+                <a:pPr marL="0" indent="0">
+                  <a:buNone/>
+                </a:pPr>
+                <a:r>
+                  <a:rPr lang="ru-RU" dirty="0">
+                    <a:latin typeface="Times New Roman" panose="02020603050405020304" pitchFamily="18" charset="0"/>
+                    <a:cs typeface="Times New Roman" panose="02020603050405020304" pitchFamily="18" charset="0"/>
+                  </a:rPr>
+                  <a:t>Вектора </a:t>
+                </a:r>
+                <a14:m>
+                  <m:oMath xmlns:m="http://schemas.openxmlformats.org/officeDocument/2006/math">
+                    <m:sSub>
+                      <m:sSubPr>
+                        <m:ctrlPr>
+                          <a:rPr lang="ru-RU" i="1" dirty="0">
+                            <a:latin typeface="Cambria Math" panose="02040503050406030204" pitchFamily="18" charset="0"/>
+                            <a:cs typeface="Times New Roman" panose="02020603050405020304" pitchFamily="18" charset="0"/>
+                          </a:rPr>
+                        </m:ctrlPr>
+                      </m:sSubPr>
+                      <m:e>
+                        <m:r>
+                          <a:rPr lang="en-US" i="1" dirty="0">
+                            <a:latin typeface="Cambria Math" panose="02040503050406030204" pitchFamily="18" charset="0"/>
+                            <a:cs typeface="Times New Roman" panose="02020603050405020304" pitchFamily="18" charset="0"/>
+                          </a:rPr>
+                          <m:t>𝑝</m:t>
+                        </m:r>
+                      </m:e>
+                      <m:sub>
+                        <m:r>
+                          <a:rPr lang="en-US" i="1" dirty="0">
+                            <a:latin typeface="Cambria Math" panose="02040503050406030204" pitchFamily="18" charset="0"/>
+                            <a:cs typeface="Times New Roman" panose="02020603050405020304" pitchFamily="18" charset="0"/>
+                          </a:rPr>
+                          <m:t>𝑗</m:t>
+                        </m:r>
+                      </m:sub>
+                    </m:sSub>
+                  </m:oMath>
+                </a14:m>
+                <a:r>
+                  <a:rPr lang="ru-RU" dirty="0">
+                    <a:latin typeface="Times New Roman" panose="02020603050405020304" pitchFamily="18" charset="0"/>
+                    <a:cs typeface="Times New Roman" panose="02020603050405020304" pitchFamily="18" charset="0"/>
+                  </a:rPr>
+                  <a:t>, </a:t>
+                </a:r>
+                <a:r>
+                  <a:rPr lang="ru-RU" dirty="0" smtClean="0">
+                    <a:latin typeface="Times New Roman" panose="02020603050405020304" pitchFamily="18" charset="0"/>
+                    <a:cs typeface="Times New Roman" panose="02020603050405020304" pitchFamily="18" charset="0"/>
+                  </a:rPr>
+                  <a:t>j</a:t>
+                </a:r>
+                <a:r>
+                  <a:rPr lang="en-US" dirty="0" smtClean="0">
+                    <a:latin typeface="Times New Roman" panose="02020603050405020304" pitchFamily="18" charset="0"/>
+                    <a:cs typeface="Times New Roman" panose="02020603050405020304" pitchFamily="18" charset="0"/>
+                  </a:rPr>
+                  <a:t> </a:t>
+                </a:r>
+                <a:r>
+                  <a:rPr lang="en-US" dirty="0">
+                    <a:latin typeface="Times New Roman" panose="02020603050405020304" pitchFamily="18" charset="0"/>
+                    <a:cs typeface="Times New Roman" panose="02020603050405020304" pitchFamily="18" charset="0"/>
+                  </a:rPr>
+                  <a:t>≥</a:t>
+                </a:r>
+                <a:r>
+                  <a:rPr lang="ru-RU" dirty="0" smtClean="0">
+                    <a:latin typeface="Times New Roman" panose="02020603050405020304" pitchFamily="18" charset="0"/>
+                    <a:cs typeface="Times New Roman" panose="02020603050405020304" pitchFamily="18" charset="0"/>
+                  </a:rPr>
+                  <a:t> </a:t>
+                </a:r>
+                <a:r>
+                  <a:rPr lang="ru-RU" dirty="0">
+                    <a:latin typeface="Times New Roman" panose="02020603050405020304" pitchFamily="18" charset="0"/>
+                    <a:cs typeface="Times New Roman" panose="02020603050405020304" pitchFamily="18" charset="0"/>
+                  </a:rPr>
+                  <a:t>0, </a:t>
+                </a:r>
+                <a:r>
+                  <a:rPr lang="ru-RU" dirty="0" smtClean="0">
+                    <a:latin typeface="Times New Roman" panose="02020603050405020304" pitchFamily="18" charset="0"/>
+                    <a:cs typeface="Times New Roman" panose="02020603050405020304" pitchFamily="18" charset="0"/>
+                  </a:rPr>
+                  <a:t> </a:t>
+                </a:r>
+                <a:r>
+                  <a:rPr lang="ru-RU" dirty="0">
+                    <a:latin typeface="Times New Roman" panose="02020603050405020304" pitchFamily="18" charset="0"/>
+                    <a:cs typeface="Times New Roman" panose="02020603050405020304" pitchFamily="18" charset="0"/>
+                  </a:rPr>
+                  <a:t>считаются через </a:t>
+                </a:r>
+                <a14:m>
+                  <m:oMath xmlns:m="http://schemas.openxmlformats.org/officeDocument/2006/math">
+                    <m:sSub>
+                      <m:sSubPr>
+                        <m:ctrlPr>
+                          <a:rPr lang="ru-RU" i="1" dirty="0">
+                            <a:latin typeface="Cambria Math" panose="02040503050406030204" pitchFamily="18" charset="0"/>
+                            <a:cs typeface="Times New Roman" panose="02020603050405020304" pitchFamily="18" charset="0"/>
+                          </a:rPr>
+                        </m:ctrlPr>
+                      </m:sSubPr>
+                      <m:e>
+                        <m:r>
+                          <a:rPr lang="ru-RU" i="1" dirty="0" smtClean="0">
+                            <a:latin typeface="Cambria Math" panose="02040503050406030204" pitchFamily="18" charset="0"/>
+                            <a:ea typeface="Cambria Math" panose="02040503050406030204" pitchFamily="18" charset="0"/>
+                            <a:cs typeface="Times New Roman" panose="02020603050405020304" pitchFamily="18" charset="0"/>
+                          </a:rPr>
+                          <m:t>𝜋</m:t>
+                        </m:r>
+                      </m:e>
+                      <m:sub>
+                        <m:r>
+                          <a:rPr lang="en-US" i="1" dirty="0">
+                            <a:latin typeface="Cambria Math" panose="02040503050406030204" pitchFamily="18" charset="0"/>
+                            <a:cs typeface="Times New Roman" panose="02020603050405020304" pitchFamily="18" charset="0"/>
+                          </a:rPr>
+                          <m:t>𝑗</m:t>
+                        </m:r>
+                      </m:sub>
+                    </m:sSub>
+                  </m:oMath>
+                </a14:m>
+                <a:r>
+                  <a:rPr lang="ru-RU" dirty="0">
+                    <a:latin typeface="Times New Roman" panose="02020603050405020304" pitchFamily="18" charset="0"/>
+                    <a:cs typeface="Times New Roman" panose="02020603050405020304" pitchFamily="18" charset="0"/>
+                  </a:rPr>
+                  <a:t>, </a:t>
+                </a:r>
+                <a:r>
+                  <a:rPr lang="en-US" dirty="0" err="1" smtClean="0">
+                    <a:latin typeface="Times New Roman" panose="02020603050405020304" pitchFamily="18" charset="0"/>
+                    <a:cs typeface="Times New Roman" panose="02020603050405020304" pitchFamily="18" charset="0"/>
+                  </a:rPr>
+                  <a:t>i</a:t>
+                </a:r>
+                <a:r>
+                  <a:rPr lang="en-US" dirty="0" smtClean="0">
+                    <a:latin typeface="Times New Roman" panose="02020603050405020304" pitchFamily="18" charset="0"/>
+                    <a:cs typeface="Times New Roman" panose="02020603050405020304" pitchFamily="18" charset="0"/>
+                  </a:rPr>
+                  <a:t> </a:t>
+                </a:r>
+                <a:r>
+                  <a:rPr lang="en-US" dirty="0">
+                    <a:latin typeface="Times New Roman" panose="02020603050405020304" pitchFamily="18" charset="0"/>
+                    <a:cs typeface="Times New Roman" panose="02020603050405020304" pitchFamily="18" charset="0"/>
+                  </a:rPr>
+                  <a:t>≥</a:t>
+                </a:r>
+                <a:r>
+                  <a:rPr lang="ru-RU" dirty="0" smtClean="0">
+                    <a:latin typeface="Times New Roman" panose="02020603050405020304" pitchFamily="18" charset="0"/>
+                    <a:cs typeface="Times New Roman" panose="02020603050405020304" pitchFamily="18" charset="0"/>
+                  </a:rPr>
+                  <a:t> </a:t>
+                </a:r>
+                <a:r>
+                  <a:rPr lang="ru-RU" dirty="0">
+                    <a:latin typeface="Times New Roman" panose="02020603050405020304" pitchFamily="18" charset="0"/>
+                    <a:cs typeface="Times New Roman" panose="02020603050405020304" pitchFamily="18" charset="0"/>
+                  </a:rPr>
+                  <a:t>0</a:t>
+                </a:r>
+                <a:r>
+                  <a:rPr lang="ru-RU" dirty="0" smtClean="0">
+                    <a:latin typeface="Times New Roman" panose="02020603050405020304" pitchFamily="18" charset="0"/>
+                    <a:cs typeface="Times New Roman" panose="02020603050405020304" pitchFamily="18" charset="0"/>
+                  </a:rPr>
+                  <a:t>, </a:t>
+                </a:r>
+                <a:r>
+                  <a:rPr lang="ru-RU" dirty="0">
+                    <a:latin typeface="Times New Roman" panose="02020603050405020304" pitchFamily="18" charset="0"/>
+                    <a:cs typeface="Times New Roman" panose="02020603050405020304" pitchFamily="18" charset="0"/>
+                  </a:rPr>
+                  <a:t>по формуле</a:t>
+                </a:r>
+              </a:p>
+              <a:p>
+                <a:pPr marL="0" indent="0">
+                  <a:buNone/>
+                </a:pPr>
+                <a:endParaRPr lang="ru-RU" dirty="0"/>
+              </a:p>
+            </p:txBody>
+          </p:sp>
+        </mc:Choice>
+        <mc:Fallback xmlns="">
+          <p:sp>
+            <p:nvSpPr>
+              <p:cNvPr id="3" name="Объект 2"/>
+              <p:cNvSpPr>
+                <a:spLocks noGrp="1" noRot="1" noChangeAspect="1" noMove="1" noResize="1" noEditPoints="1" noAdjustHandles="1" noChangeArrowheads="1" noChangeShapeType="1" noTextEdit="1"/>
+              </p:cNvSpPr>
+              <p:nvPr>
+                <p:ph idx="1"/>
+              </p:nvPr>
+            </p:nvSpPr>
+            <p:spPr>
+              <a:blipFill rotWithShape="0">
+                <a:blip r:embed="rId2"/>
+                <a:stretch>
+                  <a:fillRect l="-1217" t="-2241"/>
+                </a:stretch>
+              </a:blipFill>
+            </p:spPr>
+            <p:txBody>
+              <a:bodyPr/>
+              <a:lstStyle/>
+              <a:p>
+                <a:r>
+                  <a:rPr lang="ru-RU">
+                    <a:noFill/>
+                  </a:rPr>
+                  <a:t> </a:t>
+                </a:r>
+              </a:p>
+            </p:txBody>
+          </p:sp>
+        </mc:Fallback>
+      </mc:AlternateContent>
       <p:pic>
         <p:nvPicPr>
           <p:cNvPr id="4" name="Рисунок 3"/>
@@ -6071,7 +5579,417 @@
           <p:nvPr/>
         </p:nvPicPr>
         <p:blipFill>
-          <a:blip r:embed="rId2"/>
+          <a:blip r:embed="rId3"/>
+          <a:stretch>
+            <a:fillRect/>
+          </a:stretch>
+        </p:blipFill>
+        <p:spPr>
+          <a:xfrm>
+            <a:off x="1368544" y="3458369"/>
+            <a:ext cx="4210050" cy="1085850"/>
+          </a:xfrm>
+          <a:prstGeom prst="rect">
+            <a:avLst/>
+          </a:prstGeom>
+        </p:spPr>
+      </p:pic>
+    </p:spTree>
+    <p:extLst>
+      <p:ext uri="{BB962C8B-B14F-4D97-AF65-F5344CB8AC3E}">
+        <p14:creationId xmlns:p14="http://schemas.microsoft.com/office/powerpoint/2010/main" val="1739593360"/>
+      </p:ext>
+    </p:extLst>
+  </p:cSld>
+  <p:clrMapOvr>
+    <a:masterClrMapping/>
+  </p:clrMapOvr>
+  <p:timing>
+    <p:tnLst>
+      <p:par>
+        <p:cTn id="1" dur="indefinite" restart="never" nodeType="tmRoot"/>
+      </p:par>
+    </p:tnLst>
+  </p:timing>
+</p:sld>
+</file>
+
+<file path=ppt/slides/slide16.xml><?xml version="1.0" encoding="utf-8"?>
+<p:sld xmlns:a="http://schemas.openxmlformats.org/drawingml/2006/main" xmlns:r="http://schemas.openxmlformats.org/officeDocument/2006/relationships" xmlns:p="http://schemas.openxmlformats.org/presentationml/2006/main">
+  <p:cSld>
+    <p:spTree>
+      <p:nvGrpSpPr>
+        <p:cNvPr id="1" name=""/>
+        <p:cNvGrpSpPr/>
+        <p:nvPr/>
+      </p:nvGrpSpPr>
+      <p:grpSpPr>
+        <a:xfrm>
+          <a:off x="0" y="0"/>
+          <a:ext cx="0" cy="0"/>
+          <a:chOff x="0" y="0"/>
+          <a:chExt cx="0" cy="0"/>
+        </a:xfrm>
+      </p:grpSpPr>
+      <p:sp>
+        <p:nvSpPr>
+          <p:cNvPr id="2" name="Заголовок 1"/>
+          <p:cNvSpPr>
+            <a:spLocks noGrp="1"/>
+          </p:cNvSpPr>
+          <p:nvPr>
+            <p:ph type="title"/>
+          </p:nvPr>
+        </p:nvSpPr>
+        <p:spPr/>
+        <p:txBody>
+          <a:bodyPr>
+            <a:normAutofit/>
+          </a:bodyPr>
+          <a:lstStyle/>
+          <a:p>
+            <a:r>
+              <a:rPr lang="ru-RU" sz="4000" dirty="0" smtClean="0">
+                <a:latin typeface="Times New Roman" panose="02020603050405020304" pitchFamily="18" charset="0"/>
+                <a:cs typeface="Times New Roman" panose="02020603050405020304" pitchFamily="18" charset="0"/>
+              </a:rPr>
+              <a:t>Анализ характеристик производительности системы</a:t>
+            </a:r>
+            <a:endParaRPr lang="ru-RU" sz="4000" dirty="0">
+              <a:latin typeface="Times New Roman" panose="02020603050405020304" pitchFamily="18" charset="0"/>
+              <a:cs typeface="Times New Roman" panose="02020603050405020304" pitchFamily="18" charset="0"/>
+            </a:endParaRPr>
+          </a:p>
+        </p:txBody>
+      </p:sp>
+      <mc:AlternateContent xmlns:mc="http://schemas.openxmlformats.org/markup-compatibility/2006" xmlns:a14="http://schemas.microsoft.com/office/drawing/2010/main">
+        <mc:Choice Requires="a14">
+          <p:sp>
+            <p:nvSpPr>
+              <p:cNvPr id="3" name="Объект 2"/>
+              <p:cNvSpPr>
+                <a:spLocks noGrp="1"/>
+              </p:cNvSpPr>
+              <p:nvPr>
+                <p:ph idx="1"/>
+              </p:nvPr>
+            </p:nvSpPr>
+            <p:spPr>
+              <a:xfrm>
+                <a:off x="838200" y="1782493"/>
+                <a:ext cx="10515600" cy="4351338"/>
+              </a:xfrm>
+            </p:spPr>
+            <p:txBody>
+              <a:bodyPr/>
+              <a:lstStyle/>
+              <a:p>
+                <a:r>
+                  <a:rPr lang="ru-RU" dirty="0" smtClean="0">
+                    <a:latin typeface="Times New Roman" panose="02020603050405020304" pitchFamily="18" charset="0"/>
+                    <a:cs typeface="Times New Roman" panose="02020603050405020304" pitchFamily="18" charset="0"/>
+                  </a:rPr>
+                  <a:t>Рассмотрим систему MAP|G|1, поток заявок которой определяется матрицами </a:t>
+                </a:r>
+                <a14:m>
+                  <m:oMath xmlns:m="http://schemas.openxmlformats.org/officeDocument/2006/math">
+                    <m:sSub>
+                      <m:sSubPr>
+                        <m:ctrlPr>
+                          <a:rPr lang="ru-RU" i="1" dirty="0">
+                            <a:latin typeface="Cambria Math" panose="02040503050406030204" pitchFamily="18" charset="0"/>
+                            <a:cs typeface="Times New Roman" panose="02020603050405020304" pitchFamily="18" charset="0"/>
+                          </a:rPr>
+                        </m:ctrlPr>
+                      </m:sSubPr>
+                      <m:e>
+                        <m:r>
+                          <a:rPr lang="en-US" b="0" i="1" dirty="0" smtClean="0">
+                            <a:latin typeface="Cambria Math" panose="02040503050406030204" pitchFamily="18" charset="0"/>
+                            <a:cs typeface="Times New Roman" panose="02020603050405020304" pitchFamily="18" charset="0"/>
+                          </a:rPr>
+                          <m:t>𝐷</m:t>
+                        </m:r>
+                      </m:e>
+                      <m:sub>
+                        <m:r>
+                          <a:rPr lang="en-US" b="0" i="1" dirty="0" smtClean="0">
+                            <a:latin typeface="Cambria Math" panose="02040503050406030204" pitchFamily="18" charset="0"/>
+                            <a:cs typeface="Times New Roman" panose="02020603050405020304" pitchFamily="18" charset="0"/>
+                          </a:rPr>
+                          <m:t>0</m:t>
+                        </m:r>
+                      </m:sub>
+                    </m:sSub>
+                  </m:oMath>
+                </a14:m>
+                <a:r>
+                  <a:rPr lang="en-US" dirty="0" smtClean="0">
+                    <a:latin typeface="Times New Roman" panose="02020603050405020304" pitchFamily="18" charset="0"/>
+                    <a:cs typeface="Times New Roman" panose="02020603050405020304" pitchFamily="18" charset="0"/>
+                  </a:rPr>
+                  <a:t> </a:t>
+                </a:r>
+                <a:r>
+                  <a:rPr lang="ru-RU" dirty="0" smtClean="0">
+                    <a:latin typeface="Times New Roman" panose="02020603050405020304" pitchFamily="18" charset="0"/>
+                    <a:cs typeface="Times New Roman" panose="02020603050405020304" pitchFamily="18" charset="0"/>
+                  </a:rPr>
+                  <a:t>и </a:t>
+                </a:r>
+                <a14:m>
+                  <m:oMath xmlns:m="http://schemas.openxmlformats.org/officeDocument/2006/math">
+                    <m:sSub>
+                      <m:sSubPr>
+                        <m:ctrlPr>
+                          <a:rPr lang="ru-RU" i="1" dirty="0">
+                            <a:latin typeface="Cambria Math" panose="02040503050406030204" pitchFamily="18" charset="0"/>
+                            <a:cs typeface="Times New Roman" panose="02020603050405020304" pitchFamily="18" charset="0"/>
+                          </a:rPr>
+                        </m:ctrlPr>
+                      </m:sSubPr>
+                      <m:e>
+                        <m:r>
+                          <a:rPr lang="en-US" i="1" dirty="0">
+                            <a:latin typeface="Cambria Math" panose="02040503050406030204" pitchFamily="18" charset="0"/>
+                            <a:cs typeface="Times New Roman" panose="02020603050405020304" pitchFamily="18" charset="0"/>
+                          </a:rPr>
+                          <m:t>𝐷</m:t>
+                        </m:r>
+                      </m:e>
+                      <m:sub>
+                        <m:r>
+                          <a:rPr lang="en-US" b="0" i="1" dirty="0" smtClean="0">
+                            <a:latin typeface="Cambria Math" panose="02040503050406030204" pitchFamily="18" charset="0"/>
+                            <a:cs typeface="Times New Roman" panose="02020603050405020304" pitchFamily="18" charset="0"/>
+                          </a:rPr>
+                          <m:t>1</m:t>
+                        </m:r>
+                      </m:sub>
+                    </m:sSub>
+                  </m:oMath>
+                </a14:m>
+                <a:r>
+                  <a:rPr lang="en-US" dirty="0" smtClean="0">
+                    <a:latin typeface="Times New Roman" panose="02020603050405020304" pitchFamily="18" charset="0"/>
+                    <a:cs typeface="Times New Roman" panose="02020603050405020304" pitchFamily="18" charset="0"/>
+                  </a:rPr>
+                  <a:t>, </a:t>
+                </a:r>
+                <a:r>
+                  <a:rPr lang="ru-RU" dirty="0" smtClean="0">
+                    <a:latin typeface="Times New Roman" panose="02020603050405020304" pitchFamily="18" charset="0"/>
+                    <a:cs typeface="Times New Roman" panose="02020603050405020304" pitchFamily="18" charset="0"/>
+                  </a:rPr>
+                  <a:t>имеет среднюю интенсивность </a:t>
+                </a:r>
+                <a:r>
+                  <a:rPr lang="el-GR" dirty="0" smtClean="0">
+                    <a:latin typeface="Times New Roman" panose="02020603050405020304" pitchFamily="18" charset="0"/>
+                    <a:cs typeface="Times New Roman" panose="02020603050405020304" pitchFamily="18" charset="0"/>
+                  </a:rPr>
+                  <a:t>λ = 0.</a:t>
+                </a:r>
+                <a:r>
+                  <a:rPr lang="en-US" dirty="0" smtClean="0">
+                    <a:latin typeface="Times New Roman" panose="02020603050405020304" pitchFamily="18" charset="0"/>
+                    <a:cs typeface="Times New Roman" panose="02020603050405020304" pitchFamily="18" charset="0"/>
+                  </a:rPr>
+                  <a:t>3</a:t>
+                </a:r>
+                <a:r>
+                  <a:rPr lang="ru-RU" dirty="0" smtClean="0">
+                    <a:latin typeface="Times New Roman" panose="02020603050405020304" pitchFamily="18" charset="0"/>
+                    <a:cs typeface="Times New Roman" panose="02020603050405020304" pitchFamily="18" charset="0"/>
+                  </a:rPr>
+                  <a:t> и интенсивностью потока энергии </a:t>
+                </a:r>
+                <a:r>
+                  <a:rPr lang="el-GR" dirty="0" smtClean="0">
+                    <a:latin typeface="Times New Roman" panose="02020603050405020304" pitchFamily="18" charset="0"/>
+                    <a:cs typeface="Times New Roman" panose="02020603050405020304" pitchFamily="18" charset="0"/>
+                  </a:rPr>
+                  <a:t>γ = 0.</a:t>
+                </a:r>
+                <a:r>
+                  <a:rPr lang="en-US" dirty="0" smtClean="0">
+                    <a:latin typeface="Times New Roman" panose="02020603050405020304" pitchFamily="18" charset="0"/>
+                    <a:cs typeface="Times New Roman" panose="02020603050405020304" pitchFamily="18" charset="0"/>
+                  </a:rPr>
+                  <a:t>4</a:t>
+                </a:r>
+                <a:r>
+                  <a:rPr lang="ru-RU" dirty="0" smtClean="0">
+                    <a:latin typeface="Times New Roman" panose="02020603050405020304" pitchFamily="18" charset="0"/>
+                    <a:cs typeface="Times New Roman" panose="02020603050405020304" pitchFamily="18" charset="0"/>
+                  </a:rPr>
+                  <a:t>.</a:t>
+                </a:r>
+              </a:p>
+              <a:p>
+                <a:endParaRPr lang="ru-RU" dirty="0">
+                  <a:latin typeface="Times New Roman" panose="02020603050405020304" pitchFamily="18" charset="0"/>
+                  <a:cs typeface="Times New Roman" panose="02020603050405020304" pitchFamily="18" charset="0"/>
+                </a:endParaRPr>
+              </a:p>
+              <a:p>
+                <a:endParaRPr lang="ru-RU" dirty="0" smtClean="0">
+                  <a:latin typeface="Times New Roman" panose="02020603050405020304" pitchFamily="18" charset="0"/>
+                  <a:cs typeface="Times New Roman" panose="02020603050405020304" pitchFamily="18" charset="0"/>
+                </a:endParaRPr>
+              </a:p>
+              <a:p>
+                <a:r>
+                  <a:rPr lang="ru-RU" dirty="0" smtClean="0">
+                    <a:latin typeface="Times New Roman" panose="02020603050405020304" pitchFamily="18" charset="0"/>
+                    <a:cs typeface="Times New Roman" panose="02020603050405020304" pitchFamily="18" charset="0"/>
+                  </a:rPr>
+                  <a:t>Вмести с ней рассмотрим систему M|G|1, с интенсивностью потока запросов </a:t>
+                </a:r>
+                <a:r>
+                  <a:rPr lang="el-GR" dirty="0" smtClean="0">
+                    <a:latin typeface="Times New Roman" panose="02020603050405020304" pitchFamily="18" charset="0"/>
+                    <a:cs typeface="Times New Roman" panose="02020603050405020304" pitchFamily="18" charset="0"/>
+                  </a:rPr>
+                  <a:t>λ = 0.</a:t>
+                </a:r>
+                <a:r>
+                  <a:rPr lang="en-US" dirty="0" smtClean="0">
+                    <a:latin typeface="Times New Roman" panose="02020603050405020304" pitchFamily="18" charset="0"/>
+                    <a:cs typeface="Times New Roman" panose="02020603050405020304" pitchFamily="18" charset="0"/>
+                  </a:rPr>
+                  <a:t>3</a:t>
+                </a:r>
+                <a:r>
+                  <a:rPr lang="ru-RU" dirty="0" smtClean="0">
+                    <a:latin typeface="Times New Roman" panose="02020603050405020304" pitchFamily="18" charset="0"/>
+                    <a:cs typeface="Times New Roman" panose="02020603050405020304" pitchFamily="18" charset="0"/>
+                  </a:rPr>
+                  <a:t>  и интенсивностью потока энергии </a:t>
+                </a:r>
+                <a:r>
+                  <a:rPr lang="el-GR" dirty="0" smtClean="0">
+                    <a:latin typeface="Times New Roman" panose="02020603050405020304" pitchFamily="18" charset="0"/>
+                    <a:cs typeface="Times New Roman" panose="02020603050405020304" pitchFamily="18" charset="0"/>
+                  </a:rPr>
+                  <a:t>γ = 0.</a:t>
+                </a:r>
+                <a:r>
+                  <a:rPr lang="en-US" dirty="0" smtClean="0">
+                    <a:latin typeface="Times New Roman" panose="02020603050405020304" pitchFamily="18" charset="0"/>
+                    <a:cs typeface="Times New Roman" panose="02020603050405020304" pitchFamily="18" charset="0"/>
+                  </a:rPr>
+                  <a:t>4</a:t>
+                </a:r>
+                <a:r>
+                  <a:rPr lang="ru-RU" dirty="0" smtClean="0">
+                    <a:latin typeface="Times New Roman" panose="02020603050405020304" pitchFamily="18" charset="0"/>
+                    <a:cs typeface="Times New Roman" panose="02020603050405020304" pitchFamily="18" charset="0"/>
+                  </a:rPr>
+                  <a:t>.</a:t>
+                </a:r>
+              </a:p>
+              <a:p>
+                <a:r>
+                  <a:rPr lang="ru-RU" dirty="0" smtClean="0">
+                    <a:latin typeface="Times New Roman" panose="02020603050405020304" pitchFamily="18" charset="0"/>
+                    <a:cs typeface="Times New Roman" panose="02020603050405020304" pitchFamily="18" charset="0"/>
+                  </a:rPr>
+                  <a:t>Все графики строятся для значений </a:t>
+                </a:r>
+                <a:r>
+                  <a:rPr lang="en-US" dirty="0" smtClean="0">
+                    <a:latin typeface="Times New Roman" panose="02020603050405020304" pitchFamily="18" charset="0"/>
+                    <a:cs typeface="Times New Roman" panose="02020603050405020304" pitchFamily="18" charset="0"/>
+                  </a:rPr>
+                  <a:t>k (</a:t>
+                </a:r>
+                <a:r>
+                  <a:rPr lang="ru-RU" dirty="0" smtClean="0">
+                    <a:latin typeface="Times New Roman" panose="02020603050405020304" pitchFamily="18" charset="0"/>
+                    <a:cs typeface="Times New Roman" panose="02020603050405020304" pitchFamily="18" charset="0"/>
+                  </a:rPr>
+                  <a:t>от 1 до 20 с шагом 1) и </a:t>
+                </a:r>
+                <a:r>
+                  <a:rPr lang="en-US" dirty="0" smtClean="0">
+                    <a:latin typeface="Times New Roman" panose="02020603050405020304" pitchFamily="18" charset="0"/>
+                    <a:cs typeface="Times New Roman" panose="02020603050405020304" pitchFamily="18" charset="0"/>
+                  </a:rPr>
+                  <a:t>T </a:t>
+                </a:r>
+                <a:endParaRPr lang="ru-RU" dirty="0">
+                  <a:latin typeface="Times New Roman" panose="02020603050405020304" pitchFamily="18" charset="0"/>
+                  <a:cs typeface="Times New Roman" panose="02020603050405020304" pitchFamily="18" charset="0"/>
+                </a:endParaRPr>
+              </a:p>
+              <a:p>
+                <a:pPr marL="0" indent="0">
+                  <a:buNone/>
+                </a:pPr>
+                <a:r>
+                  <a:rPr lang="ru-RU" dirty="0" smtClean="0">
+                    <a:latin typeface="Times New Roman" panose="02020603050405020304" pitchFamily="18" charset="0"/>
+                    <a:cs typeface="Times New Roman" panose="02020603050405020304" pitchFamily="18" charset="0"/>
+                  </a:rPr>
+                  <a:t>(от 0.5 до 2 с шагом 0.5)</a:t>
+                </a:r>
+                <a:endParaRPr lang="ru-RU" dirty="0">
+                  <a:latin typeface="Times New Roman" panose="02020603050405020304" pitchFamily="18" charset="0"/>
+                  <a:cs typeface="Times New Roman" panose="02020603050405020304" pitchFamily="18" charset="0"/>
+                </a:endParaRPr>
+              </a:p>
+            </p:txBody>
+          </p:sp>
+        </mc:Choice>
+        <mc:Fallback xmlns="">
+          <p:sp>
+            <p:nvSpPr>
+              <p:cNvPr id="3" name="Объект 2"/>
+              <p:cNvSpPr>
+                <a:spLocks noGrp="1" noRot="1" noChangeAspect="1" noMove="1" noResize="1" noEditPoints="1" noAdjustHandles="1" noChangeArrowheads="1" noChangeShapeType="1" noTextEdit="1"/>
+              </p:cNvSpPr>
+              <p:nvPr>
+                <p:ph idx="1"/>
+              </p:nvPr>
+            </p:nvSpPr>
+            <p:spPr>
+              <a:xfrm>
+                <a:off x="838200" y="1782493"/>
+                <a:ext cx="10515600" cy="4351338"/>
+              </a:xfrm>
+              <a:blipFill rotWithShape="0">
+                <a:blip r:embed="rId2"/>
+                <a:stretch>
+                  <a:fillRect l="-1217" t="-2381" r="-1739" b="-140"/>
+                </a:stretch>
+              </a:blipFill>
+            </p:spPr>
+            <p:txBody>
+              <a:bodyPr/>
+              <a:lstStyle/>
+              <a:p>
+                <a:r>
+                  <a:rPr lang="ru-RU">
+                    <a:noFill/>
+                  </a:rPr>
+                  <a:t> </a:t>
+                </a:r>
+              </a:p>
+            </p:txBody>
+          </p:sp>
+        </mc:Fallback>
+      </mc:AlternateContent>
+      <p:pic>
+        <p:nvPicPr>
+          <p:cNvPr id="4" name="Рисунок 3"/>
+          <p:cNvPicPr>
+            <a:picLocks noChangeAspect="1"/>
+          </p:cNvPicPr>
+          <p:nvPr/>
+        </p:nvPicPr>
+        <p:blipFill>
+          <a:blip r:embed="rId3"/>
           <a:stretch>
             <a:fillRect/>
           </a:stretch>
@@ -6106,7 +6024,7 @@
 </p:sld>
 </file>
 
-<file path=ppt/slides/slide9.xml><?xml version="1.0" encoding="utf-8"?>
+<file path=ppt/slides/slide17.xml><?xml version="1.0" encoding="utf-8"?>
 <p:sld xmlns:a="http://schemas.openxmlformats.org/drawingml/2006/main" xmlns:r="http://schemas.openxmlformats.org/officeDocument/2006/relationships" xmlns:p="http://schemas.openxmlformats.org/presentationml/2006/main">
   <p:cSld>
     <p:spTree>
@@ -6263,6 +6181,3082 @@
     <p:extLst>
       <p:ext uri="{BB962C8B-B14F-4D97-AF65-F5344CB8AC3E}">
         <p14:creationId xmlns:p14="http://schemas.microsoft.com/office/powerpoint/2010/main" val="2626927050"/>
+      </p:ext>
+    </p:extLst>
+  </p:cSld>
+  <p:clrMapOvr>
+    <a:masterClrMapping/>
+  </p:clrMapOvr>
+  <p:timing>
+    <p:tnLst>
+      <p:par>
+        <p:cTn id="1" dur="indefinite" restart="never" nodeType="tmRoot"/>
+      </p:par>
+    </p:tnLst>
+  </p:timing>
+</p:sld>
+</file>
+
+<file path=ppt/slides/slide18.xml><?xml version="1.0" encoding="utf-8"?>
+<p:sld xmlns:a="http://schemas.openxmlformats.org/drawingml/2006/main" xmlns:r="http://schemas.openxmlformats.org/officeDocument/2006/relationships" xmlns:p="http://schemas.openxmlformats.org/presentationml/2006/main">
+  <p:cSld>
+    <p:spTree>
+      <p:nvGrpSpPr>
+        <p:cNvPr id="1" name=""/>
+        <p:cNvGrpSpPr/>
+        <p:nvPr/>
+      </p:nvGrpSpPr>
+      <p:grpSpPr>
+        <a:xfrm>
+          <a:off x="0" y="0"/>
+          <a:ext cx="0" cy="0"/>
+          <a:chOff x="0" y="0"/>
+          <a:chExt cx="0" cy="0"/>
+        </a:xfrm>
+      </p:grpSpPr>
+      <p:sp>
+        <p:nvSpPr>
+          <p:cNvPr id="2" name="Заголовок 1"/>
+          <p:cNvSpPr>
+            <a:spLocks noGrp="1"/>
+          </p:cNvSpPr>
+          <p:nvPr>
+            <p:ph type="title"/>
+          </p:nvPr>
+        </p:nvSpPr>
+        <p:spPr/>
+        <p:txBody>
+          <a:bodyPr/>
+          <a:lstStyle/>
+          <a:p>
+            <a:pPr algn="ctr"/>
+            <a:r>
+              <a:rPr lang="ru-RU" dirty="0" smtClean="0">
+                <a:latin typeface="Times New Roman" panose="02020603050405020304" pitchFamily="18" charset="0"/>
+                <a:cs typeface="Times New Roman" panose="02020603050405020304" pitchFamily="18" charset="0"/>
+              </a:rPr>
+              <a:t>Среднее количество единиц энергии в буфере</a:t>
+            </a:r>
+            <a:endParaRPr lang="ru-RU" dirty="0">
+              <a:latin typeface="Times New Roman" panose="02020603050405020304" pitchFamily="18" charset="0"/>
+              <a:cs typeface="Times New Roman" panose="02020603050405020304" pitchFamily="18" charset="0"/>
+            </a:endParaRPr>
+          </a:p>
+        </p:txBody>
+      </p:sp>
+      <p:pic>
+        <p:nvPicPr>
+          <p:cNvPr id="4" name="Объект 3"/>
+          <p:cNvPicPr>
+            <a:picLocks noGrp="1" noChangeAspect="1"/>
+          </p:cNvPicPr>
+          <p:nvPr>
+            <p:ph idx="1"/>
+          </p:nvPr>
+        </p:nvPicPr>
+        <p:blipFill>
+          <a:blip r:embed="rId2">
+            <a:extLst>
+              <a:ext uri="{28A0092B-C50C-407E-A947-70E740481C1C}">
+                <a14:useLocalDpi xmlns:a14="http://schemas.microsoft.com/office/drawing/2010/main" val="0"/>
+              </a:ext>
+            </a:extLst>
+          </a:blip>
+          <a:stretch>
+            <a:fillRect/>
+          </a:stretch>
+        </p:blipFill>
+        <p:spPr>
+          <a:xfrm>
+            <a:off x="838200" y="1842878"/>
+            <a:ext cx="4351338" cy="4351338"/>
+          </a:xfrm>
+        </p:spPr>
+      </p:pic>
+      <p:pic>
+        <p:nvPicPr>
+          <p:cNvPr id="5" name="Рисунок 4"/>
+          <p:cNvPicPr>
+            <a:picLocks noChangeAspect="1"/>
+          </p:cNvPicPr>
+          <p:nvPr/>
+        </p:nvPicPr>
+        <p:blipFill>
+          <a:blip r:embed="rId3">
+            <a:extLst>
+              <a:ext uri="{28A0092B-C50C-407E-A947-70E740481C1C}">
+                <a14:useLocalDpi xmlns:a14="http://schemas.microsoft.com/office/drawing/2010/main" val="0"/>
+              </a:ext>
+            </a:extLst>
+          </a:blip>
+          <a:stretch>
+            <a:fillRect/>
+          </a:stretch>
+        </p:blipFill>
+        <p:spPr>
+          <a:xfrm>
+            <a:off x="7002462" y="1842878"/>
+            <a:ext cx="4351338" cy="4351338"/>
+          </a:xfrm>
+          <a:prstGeom prst="rect">
+            <a:avLst/>
+          </a:prstGeom>
+        </p:spPr>
+      </p:pic>
+      <p:pic>
+        <p:nvPicPr>
+          <p:cNvPr id="6" name="Рисунок 5"/>
+          <p:cNvPicPr>
+            <a:picLocks noChangeAspect="1"/>
+          </p:cNvPicPr>
+          <p:nvPr/>
+        </p:nvPicPr>
+        <p:blipFill>
+          <a:blip r:embed="rId4"/>
+          <a:stretch>
+            <a:fillRect/>
+          </a:stretch>
+        </p:blipFill>
+        <p:spPr>
+          <a:xfrm>
+            <a:off x="2537619" y="6194216"/>
+            <a:ext cx="952500" cy="361950"/>
+          </a:xfrm>
+          <a:prstGeom prst="rect">
+            <a:avLst/>
+          </a:prstGeom>
+        </p:spPr>
+      </p:pic>
+      <p:pic>
+        <p:nvPicPr>
+          <p:cNvPr id="7" name="Рисунок 6"/>
+          <p:cNvPicPr>
+            <a:picLocks noChangeAspect="1"/>
+          </p:cNvPicPr>
+          <p:nvPr/>
+        </p:nvPicPr>
+        <p:blipFill>
+          <a:blip r:embed="rId5"/>
+          <a:stretch>
+            <a:fillRect/>
+          </a:stretch>
+        </p:blipFill>
+        <p:spPr>
+          <a:xfrm>
+            <a:off x="8854281" y="6194216"/>
+            <a:ext cx="647700" cy="400050"/>
+          </a:xfrm>
+          <a:prstGeom prst="rect">
+            <a:avLst/>
+          </a:prstGeom>
+        </p:spPr>
+      </p:pic>
+    </p:spTree>
+    <p:extLst>
+      <p:ext uri="{BB962C8B-B14F-4D97-AF65-F5344CB8AC3E}">
+        <p14:creationId xmlns:p14="http://schemas.microsoft.com/office/powerpoint/2010/main" val="535819122"/>
+      </p:ext>
+    </p:extLst>
+  </p:cSld>
+  <p:clrMapOvr>
+    <a:masterClrMapping/>
+  </p:clrMapOvr>
+  <p:timing>
+    <p:tnLst>
+      <p:par>
+        <p:cTn id="1" dur="indefinite" restart="never" nodeType="tmRoot"/>
+      </p:par>
+    </p:tnLst>
+  </p:timing>
+</p:sld>
+</file>
+
+<file path=ppt/slides/slide19.xml><?xml version="1.0" encoding="utf-8"?>
+<p:sld xmlns:a="http://schemas.openxmlformats.org/drawingml/2006/main" xmlns:r="http://schemas.openxmlformats.org/officeDocument/2006/relationships" xmlns:p="http://schemas.openxmlformats.org/presentationml/2006/main">
+  <p:cSld>
+    <p:spTree>
+      <p:nvGrpSpPr>
+        <p:cNvPr id="1" name=""/>
+        <p:cNvGrpSpPr/>
+        <p:nvPr/>
+      </p:nvGrpSpPr>
+      <p:grpSpPr>
+        <a:xfrm>
+          <a:off x="0" y="0"/>
+          <a:ext cx="0" cy="0"/>
+          <a:chOff x="0" y="0"/>
+          <a:chExt cx="0" cy="0"/>
+        </a:xfrm>
+      </p:grpSpPr>
+      <p:sp>
+        <p:nvSpPr>
+          <p:cNvPr id="2" name="Заголовок 1"/>
+          <p:cNvSpPr>
+            <a:spLocks noGrp="1"/>
+          </p:cNvSpPr>
+          <p:nvPr>
+            <p:ph type="title"/>
+          </p:nvPr>
+        </p:nvSpPr>
+        <p:spPr/>
+        <p:txBody>
+          <a:bodyPr/>
+          <a:lstStyle/>
+          <a:p>
+            <a:pPr algn="ctr"/>
+            <a:r>
+              <a:rPr lang="ru-RU" dirty="0" smtClean="0">
+                <a:latin typeface="Times New Roman" panose="02020603050405020304" pitchFamily="18" charset="0"/>
+                <a:cs typeface="Times New Roman" panose="02020603050405020304" pitchFamily="18" charset="0"/>
+              </a:rPr>
+              <a:t>Вероятность отсутствия запросов в системе</a:t>
+            </a:r>
+            <a:endParaRPr lang="ru-RU" dirty="0">
+              <a:latin typeface="Times New Roman" panose="02020603050405020304" pitchFamily="18" charset="0"/>
+              <a:cs typeface="Times New Roman" panose="02020603050405020304" pitchFamily="18" charset="0"/>
+            </a:endParaRPr>
+          </a:p>
+        </p:txBody>
+      </p:sp>
+      <p:pic>
+        <p:nvPicPr>
+          <p:cNvPr id="4" name="Объект 3"/>
+          <p:cNvPicPr>
+            <a:picLocks noGrp="1" noChangeAspect="1"/>
+          </p:cNvPicPr>
+          <p:nvPr>
+            <p:ph idx="1"/>
+          </p:nvPr>
+        </p:nvPicPr>
+        <p:blipFill>
+          <a:blip r:embed="rId2">
+            <a:extLst>
+              <a:ext uri="{28A0092B-C50C-407E-A947-70E740481C1C}">
+                <a14:useLocalDpi xmlns:a14="http://schemas.microsoft.com/office/drawing/2010/main" val="0"/>
+              </a:ext>
+            </a:extLst>
+          </a:blip>
+          <a:stretch>
+            <a:fillRect/>
+          </a:stretch>
+        </p:blipFill>
+        <p:spPr>
+          <a:xfrm>
+            <a:off x="838200" y="1894636"/>
+            <a:ext cx="4351338" cy="4351338"/>
+          </a:xfrm>
+        </p:spPr>
+      </p:pic>
+      <p:pic>
+        <p:nvPicPr>
+          <p:cNvPr id="5" name="Рисунок 4"/>
+          <p:cNvPicPr>
+            <a:picLocks noChangeAspect="1"/>
+          </p:cNvPicPr>
+          <p:nvPr/>
+        </p:nvPicPr>
+        <p:blipFill>
+          <a:blip r:embed="rId3">
+            <a:extLst>
+              <a:ext uri="{28A0092B-C50C-407E-A947-70E740481C1C}">
+                <a14:useLocalDpi xmlns:a14="http://schemas.microsoft.com/office/drawing/2010/main" val="0"/>
+              </a:ext>
+            </a:extLst>
+          </a:blip>
+          <a:stretch>
+            <a:fillRect/>
+          </a:stretch>
+        </p:blipFill>
+        <p:spPr>
+          <a:xfrm>
+            <a:off x="7002462" y="1894636"/>
+            <a:ext cx="4351338" cy="4351338"/>
+          </a:xfrm>
+          <a:prstGeom prst="rect">
+            <a:avLst/>
+          </a:prstGeom>
+        </p:spPr>
+      </p:pic>
+      <p:pic>
+        <p:nvPicPr>
+          <p:cNvPr id="6" name="Рисунок 5"/>
+          <p:cNvPicPr>
+            <a:picLocks noChangeAspect="1"/>
+          </p:cNvPicPr>
+          <p:nvPr/>
+        </p:nvPicPr>
+        <p:blipFill>
+          <a:blip r:embed="rId4"/>
+          <a:stretch>
+            <a:fillRect/>
+          </a:stretch>
+        </p:blipFill>
+        <p:spPr>
+          <a:xfrm>
+            <a:off x="2537619" y="6268947"/>
+            <a:ext cx="952500" cy="361950"/>
+          </a:xfrm>
+          <a:prstGeom prst="rect">
+            <a:avLst/>
+          </a:prstGeom>
+        </p:spPr>
+      </p:pic>
+      <p:pic>
+        <p:nvPicPr>
+          <p:cNvPr id="7" name="Рисунок 6"/>
+          <p:cNvPicPr>
+            <a:picLocks noChangeAspect="1"/>
+          </p:cNvPicPr>
+          <p:nvPr/>
+        </p:nvPicPr>
+        <p:blipFill>
+          <a:blip r:embed="rId5"/>
+          <a:stretch>
+            <a:fillRect/>
+          </a:stretch>
+        </p:blipFill>
+        <p:spPr>
+          <a:xfrm>
+            <a:off x="8854281" y="6268947"/>
+            <a:ext cx="647700" cy="400050"/>
+          </a:xfrm>
+          <a:prstGeom prst="rect">
+            <a:avLst/>
+          </a:prstGeom>
+        </p:spPr>
+      </p:pic>
+    </p:spTree>
+    <p:extLst>
+      <p:ext uri="{BB962C8B-B14F-4D97-AF65-F5344CB8AC3E}">
+        <p14:creationId xmlns:p14="http://schemas.microsoft.com/office/powerpoint/2010/main" val="694722448"/>
+      </p:ext>
+    </p:extLst>
+  </p:cSld>
+  <p:clrMapOvr>
+    <a:masterClrMapping/>
+  </p:clrMapOvr>
+  <p:timing>
+    <p:tnLst>
+      <p:par>
+        <p:cTn id="1" dur="indefinite" restart="never" nodeType="tmRoot"/>
+      </p:par>
+    </p:tnLst>
+  </p:timing>
+</p:sld>
+</file>
+
+<file path=ppt/slides/slide2.xml><?xml version="1.0" encoding="utf-8"?>
+<p:sld xmlns:a="http://schemas.openxmlformats.org/drawingml/2006/main" xmlns:r="http://schemas.openxmlformats.org/officeDocument/2006/relationships" xmlns:p="http://schemas.openxmlformats.org/presentationml/2006/main">
+  <p:cSld>
+    <p:spTree>
+      <p:nvGrpSpPr>
+        <p:cNvPr id="1" name=""/>
+        <p:cNvGrpSpPr/>
+        <p:nvPr/>
+      </p:nvGrpSpPr>
+      <p:grpSpPr>
+        <a:xfrm>
+          <a:off x="0" y="0"/>
+          <a:ext cx="0" cy="0"/>
+          <a:chOff x="0" y="0"/>
+          <a:chExt cx="0" cy="0"/>
+        </a:xfrm>
+      </p:grpSpPr>
+      <p:sp>
+        <p:nvSpPr>
+          <p:cNvPr id="2" name="Заголовок 1"/>
+          <p:cNvSpPr>
+            <a:spLocks noGrp="1"/>
+          </p:cNvSpPr>
+          <p:nvPr>
+            <p:ph type="title"/>
+          </p:nvPr>
+        </p:nvSpPr>
+        <p:spPr/>
+        <p:txBody>
+          <a:bodyPr/>
+          <a:lstStyle/>
+          <a:p>
+            <a:pPr algn="ctr"/>
+            <a:r>
+              <a:rPr lang="ru-RU" dirty="0" smtClean="0">
+                <a:latin typeface="Times New Roman" panose="02020603050405020304" pitchFamily="18" charset="0"/>
+                <a:cs typeface="Times New Roman" panose="02020603050405020304" pitchFamily="18" charset="0"/>
+              </a:rPr>
+              <a:t>Задачи</a:t>
+            </a:r>
+            <a:endParaRPr lang="ru-RU" dirty="0">
+              <a:latin typeface="Times New Roman" panose="02020603050405020304" pitchFamily="18" charset="0"/>
+              <a:cs typeface="Times New Roman" panose="02020603050405020304" pitchFamily="18" charset="0"/>
+            </a:endParaRPr>
+          </a:p>
+        </p:txBody>
+      </p:sp>
+      <p:sp>
+        <p:nvSpPr>
+          <p:cNvPr id="3" name="Объект 2"/>
+          <p:cNvSpPr>
+            <a:spLocks noGrp="1"/>
+          </p:cNvSpPr>
+          <p:nvPr>
+            <p:ph idx="1"/>
+          </p:nvPr>
+        </p:nvSpPr>
+        <p:spPr/>
+        <p:txBody>
+          <a:bodyPr>
+            <a:normAutofit fontScale="92500" lnSpcReduction="20000"/>
+          </a:bodyPr>
+          <a:lstStyle/>
+          <a:p>
+            <a:r>
+              <a:rPr lang="ru-RU" dirty="0" smtClean="0"/>
+              <a:t>1</a:t>
+            </a:r>
+            <a:r>
+              <a:rPr lang="ru-RU" dirty="0"/>
+              <a:t>. Анализ предметной области. </a:t>
+            </a:r>
+            <a:endParaRPr lang="en-US" dirty="0" smtClean="0"/>
+          </a:p>
+          <a:p>
+            <a:r>
+              <a:rPr lang="en-US" dirty="0" smtClean="0"/>
+              <a:t>2. </a:t>
+            </a:r>
+            <a:r>
+              <a:rPr lang="ru-RU" dirty="0" smtClean="0"/>
+              <a:t>Математическая модель и исследуемый процесс.</a:t>
+            </a:r>
+            <a:endParaRPr lang="ru-RU" dirty="0"/>
+          </a:p>
+          <a:p>
+            <a:r>
+              <a:rPr lang="ru-RU" dirty="0" smtClean="0"/>
+              <a:t>3. Построение матриц переходных вероятностей вложенной цепи Маркова.</a:t>
+            </a:r>
+            <a:endParaRPr lang="ru-RU" dirty="0"/>
+          </a:p>
+          <a:p>
+            <a:r>
+              <a:rPr lang="ru-RU" dirty="0" smtClean="0"/>
+              <a:t>4. </a:t>
+            </a:r>
+            <a:r>
+              <a:rPr lang="ru-RU" dirty="0" smtClean="0"/>
+              <a:t>К</a:t>
+            </a:r>
+            <a:r>
+              <a:rPr lang="ru-RU" dirty="0" smtClean="0"/>
+              <a:t>ритерий </a:t>
+            </a:r>
+            <a:r>
+              <a:rPr lang="ru-RU" dirty="0"/>
+              <a:t>эргодичности системы.</a:t>
+            </a:r>
+          </a:p>
+          <a:p>
+            <a:r>
+              <a:rPr lang="ru-RU" dirty="0" smtClean="0"/>
+              <a:t>5. </a:t>
+            </a:r>
+            <a:r>
+              <a:rPr lang="ru-RU" dirty="0"/>
+              <a:t>Нахождение стационарного распределения вложенной цепи Маркова</a:t>
+            </a:r>
+            <a:r>
+              <a:rPr lang="ru-RU" dirty="0" smtClean="0"/>
+              <a:t>.</a:t>
+            </a:r>
+          </a:p>
+          <a:p>
+            <a:r>
+              <a:rPr lang="ru-RU" dirty="0" smtClean="0"/>
+              <a:t>6. </a:t>
+            </a:r>
+            <a:r>
+              <a:rPr lang="ru-RU" dirty="0"/>
+              <a:t>Нахождение </a:t>
+            </a:r>
+            <a:r>
+              <a:rPr lang="ru-RU" dirty="0" smtClean="0"/>
+              <a:t>распределения состояний системы </a:t>
+            </a:r>
+            <a:r>
+              <a:rPr lang="ru-RU" dirty="0"/>
+              <a:t>в произвольный момент времени</a:t>
+            </a:r>
+            <a:r>
+              <a:rPr lang="ru-RU" dirty="0" smtClean="0"/>
+              <a:t>.</a:t>
+            </a:r>
+            <a:endParaRPr lang="ru-RU" dirty="0"/>
+          </a:p>
+          <a:p>
+            <a:r>
+              <a:rPr lang="ru-RU" dirty="0" smtClean="0"/>
+              <a:t>7. </a:t>
+            </a:r>
+            <a:r>
+              <a:rPr lang="ru-RU" dirty="0"/>
+              <a:t>Вычисление основных функций на языке </a:t>
+            </a:r>
+            <a:r>
+              <a:rPr lang="en-US" dirty="0"/>
+              <a:t>Java</a:t>
+            </a:r>
+            <a:r>
+              <a:rPr lang="ru-RU" dirty="0"/>
+              <a:t>.</a:t>
+            </a:r>
+          </a:p>
+          <a:p>
+            <a:r>
+              <a:rPr lang="ru-RU" dirty="0" smtClean="0"/>
+              <a:t>8. </a:t>
+            </a:r>
+            <a:r>
+              <a:rPr lang="ru-RU" dirty="0"/>
+              <a:t>Вычисления и анализ численных характеристик системы </a:t>
+            </a:r>
+            <a:r>
+              <a:rPr lang="en-US" dirty="0"/>
+              <a:t>MAP</a:t>
+            </a:r>
+            <a:r>
+              <a:rPr lang="ru-RU" dirty="0"/>
+              <a:t>/</a:t>
+            </a:r>
+            <a:r>
+              <a:rPr lang="en-US" dirty="0"/>
+              <a:t>G</a:t>
+            </a:r>
+            <a:r>
+              <a:rPr lang="ru-RU" dirty="0"/>
+              <a:t>/1 и системы </a:t>
+            </a:r>
+            <a:r>
+              <a:rPr lang="en-US" dirty="0"/>
+              <a:t>M</a:t>
+            </a:r>
+            <a:r>
+              <a:rPr lang="ru-RU" dirty="0"/>
+              <a:t>/</a:t>
+            </a:r>
+            <a:r>
+              <a:rPr lang="en-US" dirty="0"/>
+              <a:t>G</a:t>
+            </a:r>
+            <a:r>
+              <a:rPr lang="ru-RU" dirty="0"/>
+              <a:t>/1. </a:t>
+            </a:r>
+          </a:p>
+          <a:p>
+            <a:endParaRPr lang="ru-RU" dirty="0"/>
+          </a:p>
+        </p:txBody>
+      </p:sp>
+    </p:spTree>
+    <p:extLst>
+      <p:ext uri="{BB962C8B-B14F-4D97-AF65-F5344CB8AC3E}">
+        <p14:creationId xmlns:p14="http://schemas.microsoft.com/office/powerpoint/2010/main" val="1358404784"/>
+      </p:ext>
+    </p:extLst>
+  </p:cSld>
+  <p:clrMapOvr>
+    <a:masterClrMapping/>
+  </p:clrMapOvr>
+  <p:timing>
+    <p:tnLst>
+      <p:par>
+        <p:cTn id="1" dur="indefinite" restart="never" nodeType="tmRoot"/>
+      </p:par>
+    </p:tnLst>
+  </p:timing>
+</p:sld>
+</file>
+
+<file path=ppt/slides/slide20.xml><?xml version="1.0" encoding="utf-8"?>
+<p:sld xmlns:a="http://schemas.openxmlformats.org/drawingml/2006/main" xmlns:r="http://schemas.openxmlformats.org/officeDocument/2006/relationships" xmlns:p="http://schemas.openxmlformats.org/presentationml/2006/main">
+  <p:cSld>
+    <p:spTree>
+      <p:nvGrpSpPr>
+        <p:cNvPr id="1" name=""/>
+        <p:cNvGrpSpPr/>
+        <p:nvPr/>
+      </p:nvGrpSpPr>
+      <p:grpSpPr>
+        <a:xfrm>
+          <a:off x="0" y="0"/>
+          <a:ext cx="0" cy="0"/>
+          <a:chOff x="0" y="0"/>
+          <a:chExt cx="0" cy="0"/>
+        </a:xfrm>
+      </p:grpSpPr>
+      <p:sp>
+        <p:nvSpPr>
+          <p:cNvPr id="2" name="Заголовок 1"/>
+          <p:cNvSpPr>
+            <a:spLocks noGrp="1"/>
+          </p:cNvSpPr>
+          <p:nvPr>
+            <p:ph type="title"/>
+          </p:nvPr>
+        </p:nvSpPr>
+        <p:spPr/>
+        <p:txBody>
+          <a:bodyPr/>
+          <a:lstStyle/>
+          <a:p>
+            <a:pPr algn="ctr"/>
+            <a:r>
+              <a:rPr lang="ru-RU" dirty="0" smtClean="0">
+                <a:latin typeface="Times New Roman" panose="02020603050405020304" pitchFamily="18" charset="0"/>
+                <a:cs typeface="Times New Roman" panose="02020603050405020304" pitchFamily="18" charset="0"/>
+              </a:rPr>
+              <a:t>Вероятность отсутствия единиц энергии в буфере</a:t>
+            </a:r>
+            <a:endParaRPr lang="ru-RU" dirty="0">
+              <a:latin typeface="Times New Roman" panose="02020603050405020304" pitchFamily="18" charset="0"/>
+              <a:cs typeface="Times New Roman" panose="02020603050405020304" pitchFamily="18" charset="0"/>
+            </a:endParaRPr>
+          </a:p>
+        </p:txBody>
+      </p:sp>
+      <p:pic>
+        <p:nvPicPr>
+          <p:cNvPr id="4" name="Объект 3"/>
+          <p:cNvPicPr>
+            <a:picLocks noGrp="1" noChangeAspect="1"/>
+          </p:cNvPicPr>
+          <p:nvPr>
+            <p:ph idx="1"/>
+          </p:nvPr>
+        </p:nvPicPr>
+        <p:blipFill>
+          <a:blip r:embed="rId2">
+            <a:extLst>
+              <a:ext uri="{28A0092B-C50C-407E-A947-70E740481C1C}">
+                <a14:useLocalDpi xmlns:a14="http://schemas.microsoft.com/office/drawing/2010/main" val="0"/>
+              </a:ext>
+            </a:extLst>
+          </a:blip>
+          <a:stretch>
+            <a:fillRect/>
+          </a:stretch>
+        </p:blipFill>
+        <p:spPr>
+          <a:xfrm>
+            <a:off x="838200" y="1868757"/>
+            <a:ext cx="4351338" cy="4351338"/>
+          </a:xfrm>
+        </p:spPr>
+      </p:pic>
+      <p:pic>
+        <p:nvPicPr>
+          <p:cNvPr id="5" name="Рисунок 4"/>
+          <p:cNvPicPr>
+            <a:picLocks noChangeAspect="1"/>
+          </p:cNvPicPr>
+          <p:nvPr/>
+        </p:nvPicPr>
+        <p:blipFill>
+          <a:blip r:embed="rId3">
+            <a:extLst>
+              <a:ext uri="{28A0092B-C50C-407E-A947-70E740481C1C}">
+                <a14:useLocalDpi xmlns:a14="http://schemas.microsoft.com/office/drawing/2010/main" val="0"/>
+              </a:ext>
+            </a:extLst>
+          </a:blip>
+          <a:stretch>
+            <a:fillRect/>
+          </a:stretch>
+        </p:blipFill>
+        <p:spPr>
+          <a:xfrm>
+            <a:off x="7002462" y="1868757"/>
+            <a:ext cx="4351338" cy="4351338"/>
+          </a:xfrm>
+          <a:prstGeom prst="rect">
+            <a:avLst/>
+          </a:prstGeom>
+        </p:spPr>
+      </p:pic>
+      <p:pic>
+        <p:nvPicPr>
+          <p:cNvPr id="6" name="Рисунок 5"/>
+          <p:cNvPicPr>
+            <a:picLocks noChangeAspect="1"/>
+          </p:cNvPicPr>
+          <p:nvPr/>
+        </p:nvPicPr>
+        <p:blipFill>
+          <a:blip r:embed="rId4"/>
+          <a:stretch>
+            <a:fillRect/>
+          </a:stretch>
+        </p:blipFill>
+        <p:spPr>
+          <a:xfrm>
+            <a:off x="2537619" y="6301776"/>
+            <a:ext cx="952500" cy="361950"/>
+          </a:xfrm>
+          <a:prstGeom prst="rect">
+            <a:avLst/>
+          </a:prstGeom>
+        </p:spPr>
+      </p:pic>
+      <p:pic>
+        <p:nvPicPr>
+          <p:cNvPr id="7" name="Рисунок 6"/>
+          <p:cNvPicPr>
+            <a:picLocks noChangeAspect="1"/>
+          </p:cNvPicPr>
+          <p:nvPr/>
+        </p:nvPicPr>
+        <p:blipFill>
+          <a:blip r:embed="rId5"/>
+          <a:stretch>
+            <a:fillRect/>
+          </a:stretch>
+        </p:blipFill>
+        <p:spPr>
+          <a:xfrm>
+            <a:off x="8854281" y="6198139"/>
+            <a:ext cx="647700" cy="400050"/>
+          </a:xfrm>
+          <a:prstGeom prst="rect">
+            <a:avLst/>
+          </a:prstGeom>
+        </p:spPr>
+      </p:pic>
+    </p:spTree>
+    <p:extLst>
+      <p:ext uri="{BB962C8B-B14F-4D97-AF65-F5344CB8AC3E}">
+        <p14:creationId xmlns:p14="http://schemas.microsoft.com/office/powerpoint/2010/main" val="3565915472"/>
+      </p:ext>
+    </p:extLst>
+  </p:cSld>
+  <p:clrMapOvr>
+    <a:masterClrMapping/>
+  </p:clrMapOvr>
+  <p:timing>
+    <p:tnLst>
+      <p:par>
+        <p:cTn id="1" dur="indefinite" restart="never" nodeType="tmRoot"/>
+      </p:par>
+    </p:tnLst>
+  </p:timing>
+</p:sld>
+</file>
+
+<file path=ppt/slides/slide21.xml><?xml version="1.0" encoding="utf-8"?>
+<p:sld xmlns:a="http://schemas.openxmlformats.org/drawingml/2006/main" xmlns:r="http://schemas.openxmlformats.org/officeDocument/2006/relationships" xmlns:p="http://schemas.openxmlformats.org/presentationml/2006/main">
+  <p:cSld>
+    <p:spTree>
+      <p:nvGrpSpPr>
+        <p:cNvPr id="1" name=""/>
+        <p:cNvGrpSpPr/>
+        <p:nvPr/>
+      </p:nvGrpSpPr>
+      <p:grpSpPr>
+        <a:xfrm>
+          <a:off x="0" y="0"/>
+          <a:ext cx="0" cy="0"/>
+          <a:chOff x="0" y="0"/>
+          <a:chExt cx="0" cy="0"/>
+        </a:xfrm>
+      </p:grpSpPr>
+      <p:sp>
+        <p:nvSpPr>
+          <p:cNvPr id="2" name="Заголовок 1"/>
+          <p:cNvSpPr>
+            <a:spLocks noGrp="1"/>
+          </p:cNvSpPr>
+          <p:nvPr>
+            <p:ph type="title"/>
+          </p:nvPr>
+        </p:nvSpPr>
+        <p:spPr/>
+        <p:txBody>
+          <a:bodyPr/>
+          <a:lstStyle/>
+          <a:p>
+            <a:pPr algn="ctr"/>
+            <a:r>
+              <a:rPr lang="ru-RU" dirty="0" smtClean="0"/>
+              <a:t>Вероятность простоя системы по причине отсутствия единиц энергии в буфере</a:t>
+            </a:r>
+            <a:endParaRPr lang="ru-RU" dirty="0"/>
+          </a:p>
+        </p:txBody>
+      </p:sp>
+      <p:pic>
+        <p:nvPicPr>
+          <p:cNvPr id="4" name="Объект 3"/>
+          <p:cNvPicPr>
+            <a:picLocks noGrp="1" noChangeAspect="1"/>
+          </p:cNvPicPr>
+          <p:nvPr>
+            <p:ph idx="1"/>
+          </p:nvPr>
+        </p:nvPicPr>
+        <p:blipFill>
+          <a:blip r:embed="rId2">
+            <a:extLst>
+              <a:ext uri="{28A0092B-C50C-407E-A947-70E740481C1C}">
+                <a14:useLocalDpi xmlns:a14="http://schemas.microsoft.com/office/drawing/2010/main" val="0"/>
+              </a:ext>
+            </a:extLst>
+          </a:blip>
+          <a:stretch>
+            <a:fillRect/>
+          </a:stretch>
+        </p:blipFill>
+        <p:spPr>
+          <a:xfrm>
+            <a:off x="838200" y="1911889"/>
+            <a:ext cx="4351338" cy="4351338"/>
+          </a:xfrm>
+        </p:spPr>
+      </p:pic>
+      <p:pic>
+        <p:nvPicPr>
+          <p:cNvPr id="5" name="Рисунок 4"/>
+          <p:cNvPicPr>
+            <a:picLocks noChangeAspect="1"/>
+          </p:cNvPicPr>
+          <p:nvPr/>
+        </p:nvPicPr>
+        <p:blipFill>
+          <a:blip r:embed="rId3">
+            <a:extLst>
+              <a:ext uri="{28A0092B-C50C-407E-A947-70E740481C1C}">
+                <a14:useLocalDpi xmlns:a14="http://schemas.microsoft.com/office/drawing/2010/main" val="0"/>
+              </a:ext>
+            </a:extLst>
+          </a:blip>
+          <a:stretch>
+            <a:fillRect/>
+          </a:stretch>
+        </p:blipFill>
+        <p:spPr>
+          <a:xfrm>
+            <a:off x="7002462" y="1911889"/>
+            <a:ext cx="4351338" cy="4351338"/>
+          </a:xfrm>
+          <a:prstGeom prst="rect">
+            <a:avLst/>
+          </a:prstGeom>
+        </p:spPr>
+      </p:pic>
+      <p:pic>
+        <p:nvPicPr>
+          <p:cNvPr id="6" name="Рисунок 5"/>
+          <p:cNvPicPr>
+            <a:picLocks noChangeAspect="1"/>
+          </p:cNvPicPr>
+          <p:nvPr/>
+        </p:nvPicPr>
+        <p:blipFill>
+          <a:blip r:embed="rId4"/>
+          <a:stretch>
+            <a:fillRect/>
+          </a:stretch>
+        </p:blipFill>
+        <p:spPr>
+          <a:xfrm>
+            <a:off x="2537619" y="6303453"/>
+            <a:ext cx="952500" cy="361950"/>
+          </a:xfrm>
+          <a:prstGeom prst="rect">
+            <a:avLst/>
+          </a:prstGeom>
+        </p:spPr>
+      </p:pic>
+      <p:pic>
+        <p:nvPicPr>
+          <p:cNvPr id="7" name="Рисунок 6"/>
+          <p:cNvPicPr>
+            <a:picLocks noChangeAspect="1"/>
+          </p:cNvPicPr>
+          <p:nvPr/>
+        </p:nvPicPr>
+        <p:blipFill>
+          <a:blip r:embed="rId5"/>
+          <a:stretch>
+            <a:fillRect/>
+          </a:stretch>
+        </p:blipFill>
+        <p:spPr>
+          <a:xfrm>
+            <a:off x="8854281" y="6284403"/>
+            <a:ext cx="647700" cy="400050"/>
+          </a:xfrm>
+          <a:prstGeom prst="rect">
+            <a:avLst/>
+          </a:prstGeom>
+        </p:spPr>
+      </p:pic>
+    </p:spTree>
+    <p:extLst>
+      <p:ext uri="{BB962C8B-B14F-4D97-AF65-F5344CB8AC3E}">
+        <p14:creationId xmlns:p14="http://schemas.microsoft.com/office/powerpoint/2010/main" val="2533803429"/>
+      </p:ext>
+    </p:extLst>
+  </p:cSld>
+  <p:clrMapOvr>
+    <a:masterClrMapping/>
+  </p:clrMapOvr>
+  <p:timing>
+    <p:tnLst>
+      <p:par>
+        <p:cTn id="1" dur="indefinite" restart="never" nodeType="tmRoot"/>
+      </p:par>
+    </p:tnLst>
+  </p:timing>
+</p:sld>
+</file>
+
+<file path=ppt/slides/slide22.xml><?xml version="1.0" encoding="utf-8"?>
+<p:sld xmlns:a="http://schemas.openxmlformats.org/drawingml/2006/main" xmlns:r="http://schemas.openxmlformats.org/officeDocument/2006/relationships" xmlns:p="http://schemas.openxmlformats.org/presentationml/2006/main">
+  <p:cSld>
+    <p:spTree>
+      <p:nvGrpSpPr>
+        <p:cNvPr id="1" name=""/>
+        <p:cNvGrpSpPr/>
+        <p:nvPr/>
+      </p:nvGrpSpPr>
+      <p:grpSpPr>
+        <a:xfrm>
+          <a:off x="0" y="0"/>
+          <a:ext cx="0" cy="0"/>
+          <a:chOff x="0" y="0"/>
+          <a:chExt cx="0" cy="0"/>
+        </a:xfrm>
+      </p:grpSpPr>
+      <p:sp>
+        <p:nvSpPr>
+          <p:cNvPr id="2" name="Заголовок 1"/>
+          <p:cNvSpPr>
+            <a:spLocks noGrp="1"/>
+          </p:cNvSpPr>
+          <p:nvPr>
+            <p:ph type="title"/>
+          </p:nvPr>
+        </p:nvSpPr>
+        <p:spPr/>
+        <p:txBody>
+          <a:bodyPr/>
+          <a:lstStyle/>
+          <a:p>
+            <a:r>
+              <a:rPr lang="ru-RU" dirty="0" smtClean="0">
+                <a:latin typeface="Times New Roman" panose="02020603050405020304" pitchFamily="18" charset="0"/>
+                <a:cs typeface="Times New Roman" panose="02020603050405020304" pitchFamily="18" charset="0"/>
+              </a:rPr>
+              <a:t>Вывод</a:t>
+            </a:r>
+            <a:endParaRPr lang="ru-RU" dirty="0">
+              <a:latin typeface="Times New Roman" panose="02020603050405020304" pitchFamily="18" charset="0"/>
+              <a:cs typeface="Times New Roman" panose="02020603050405020304" pitchFamily="18" charset="0"/>
+            </a:endParaRPr>
+          </a:p>
+        </p:txBody>
+      </p:sp>
+      <p:sp>
+        <p:nvSpPr>
+          <p:cNvPr id="3" name="Объект 2"/>
+          <p:cNvSpPr>
+            <a:spLocks noGrp="1"/>
+          </p:cNvSpPr>
+          <p:nvPr>
+            <p:ph idx="1"/>
+          </p:nvPr>
+        </p:nvSpPr>
+        <p:spPr/>
+        <p:txBody>
+          <a:bodyPr>
+            <a:normAutofit fontScale="92500" lnSpcReduction="10000"/>
+          </a:bodyPr>
+          <a:lstStyle/>
+          <a:p>
+            <a:r>
+              <a:rPr lang="ru-RU" dirty="0" smtClean="0">
+                <a:latin typeface="Times New Roman" panose="02020603050405020304" pitchFamily="18" charset="0"/>
+                <a:cs typeface="Times New Roman" panose="02020603050405020304" pitchFamily="18" charset="0"/>
+              </a:rPr>
+              <a:t>Путем сравнения характеристик производительности и выявления особенностей поведения системы можно повысить ее эффективность, повлияв на определенные параметры. Стоит отметить, что увеличение объема буфера энергии далеко не всегда способствует улучшению значения соответствующей характеристики т.к., начиная с определенного значения </a:t>
+            </a:r>
+            <a:r>
+              <a:rPr lang="en-US" dirty="0" smtClean="0">
+                <a:latin typeface="Times New Roman" panose="02020603050405020304" pitchFamily="18" charset="0"/>
+                <a:cs typeface="Times New Roman" panose="02020603050405020304" pitchFamily="18" charset="0"/>
+              </a:rPr>
+              <a:t>K, </a:t>
+            </a:r>
+            <a:r>
+              <a:rPr lang="ru-RU" dirty="0" smtClean="0">
+                <a:latin typeface="Times New Roman" panose="02020603050405020304" pitchFamily="18" charset="0"/>
+                <a:cs typeface="Times New Roman" panose="02020603050405020304" pitchFamily="18" charset="0"/>
+              </a:rPr>
+              <a:t>изменения достаточно малы и это экономически </a:t>
+            </a:r>
+            <a:r>
+              <a:rPr lang="ru-RU" dirty="0" err="1" smtClean="0">
+                <a:latin typeface="Times New Roman" panose="02020603050405020304" pitchFamily="18" charset="0"/>
+                <a:cs typeface="Times New Roman" panose="02020603050405020304" pitchFamily="18" charset="0"/>
+              </a:rPr>
+              <a:t>нецелесобразно</a:t>
+            </a:r>
+            <a:r>
+              <a:rPr lang="ru-RU" dirty="0" smtClean="0">
+                <a:latin typeface="Times New Roman" panose="02020603050405020304" pitchFamily="18" charset="0"/>
+                <a:cs typeface="Times New Roman" panose="02020603050405020304" pitchFamily="18" charset="0"/>
+              </a:rPr>
+              <a:t>, </a:t>
+            </a:r>
+            <a:r>
+              <a:rPr lang="ru-RU" dirty="0" err="1" smtClean="0">
+                <a:latin typeface="Times New Roman" panose="02020603050405020304" pitchFamily="18" charset="0"/>
+                <a:cs typeface="Times New Roman" panose="02020603050405020304" pitchFamily="18" charset="0"/>
+              </a:rPr>
+              <a:t>т.к</a:t>
+            </a:r>
+            <a:r>
+              <a:rPr lang="ru-RU" dirty="0" smtClean="0">
+                <a:latin typeface="Times New Roman" panose="02020603050405020304" pitchFamily="18" charset="0"/>
+                <a:cs typeface="Times New Roman" panose="02020603050405020304" pitchFamily="18" charset="0"/>
+              </a:rPr>
+              <a:t> не оказывает существенного влияния на работу системы.</a:t>
+            </a:r>
+          </a:p>
+          <a:p>
+            <a:endParaRPr lang="ru-RU" dirty="0" smtClean="0">
+              <a:latin typeface="Times New Roman" panose="02020603050405020304" pitchFamily="18" charset="0"/>
+              <a:cs typeface="Times New Roman" panose="02020603050405020304" pitchFamily="18" charset="0"/>
+            </a:endParaRPr>
+          </a:p>
+          <a:p>
+            <a:r>
+              <a:rPr lang="ru-RU" dirty="0" smtClean="0">
+                <a:latin typeface="Times New Roman" panose="02020603050405020304" pitchFamily="18" charset="0"/>
+                <a:cs typeface="Times New Roman" panose="02020603050405020304" pitchFamily="18" charset="0"/>
+              </a:rPr>
+              <a:t>Стоит добавить, что при исследовании системы при значениях </a:t>
+            </a:r>
+            <a:r>
+              <a:rPr lang="en-US" dirty="0" smtClean="0">
+                <a:latin typeface="Times New Roman" panose="02020603050405020304" pitchFamily="18" charset="0"/>
+                <a:cs typeface="Times New Roman" panose="02020603050405020304" pitchFamily="18" charset="0"/>
+              </a:rPr>
+              <a:t>T &gt; 2 </a:t>
+            </a:r>
+            <a:r>
+              <a:rPr lang="ru-RU" dirty="0" smtClean="0">
+                <a:latin typeface="Times New Roman" panose="02020603050405020304" pitchFamily="18" charset="0"/>
+                <a:cs typeface="Times New Roman" panose="02020603050405020304" pitchFamily="18" charset="0"/>
+              </a:rPr>
+              <a:t>условие эргодичности начинает выполняться только для достаточно больших значений </a:t>
+            </a:r>
+            <a:r>
+              <a:rPr lang="en-US" dirty="0" smtClean="0">
+                <a:latin typeface="Times New Roman" panose="02020603050405020304" pitchFamily="18" charset="0"/>
+                <a:cs typeface="Times New Roman" panose="02020603050405020304" pitchFamily="18" charset="0"/>
+              </a:rPr>
+              <a:t>K.</a:t>
+            </a:r>
+            <a:endParaRPr lang="ru-RU" dirty="0">
+              <a:latin typeface="Times New Roman" panose="02020603050405020304" pitchFamily="18" charset="0"/>
+              <a:cs typeface="Times New Roman" panose="02020603050405020304" pitchFamily="18" charset="0"/>
+            </a:endParaRPr>
+          </a:p>
+        </p:txBody>
+      </p:sp>
+    </p:spTree>
+    <p:extLst>
+      <p:ext uri="{BB962C8B-B14F-4D97-AF65-F5344CB8AC3E}">
+        <p14:creationId xmlns:p14="http://schemas.microsoft.com/office/powerpoint/2010/main" val="362327505"/>
+      </p:ext>
+    </p:extLst>
+  </p:cSld>
+  <p:clrMapOvr>
+    <a:masterClrMapping/>
+  </p:clrMapOvr>
+  <p:timing>
+    <p:tnLst>
+      <p:par>
+        <p:cTn id="1" dur="indefinite" restart="never" nodeType="tmRoot"/>
+      </p:par>
+    </p:tnLst>
+  </p:timing>
+</p:sld>
+</file>
+
+<file path=ppt/slides/slide23.xml><?xml version="1.0" encoding="utf-8"?>
+<p:sld xmlns:a="http://schemas.openxmlformats.org/drawingml/2006/main" xmlns:r="http://schemas.openxmlformats.org/officeDocument/2006/relationships" xmlns:p="http://schemas.openxmlformats.org/presentationml/2006/main">
+  <p:cSld>
+    <p:spTree>
+      <p:nvGrpSpPr>
+        <p:cNvPr id="1" name=""/>
+        <p:cNvGrpSpPr/>
+        <p:nvPr/>
+      </p:nvGrpSpPr>
+      <p:grpSpPr>
+        <a:xfrm>
+          <a:off x="0" y="0"/>
+          <a:ext cx="0" cy="0"/>
+          <a:chOff x="0" y="0"/>
+          <a:chExt cx="0" cy="0"/>
+        </a:xfrm>
+      </p:grpSpPr>
+      <p:sp>
+        <p:nvSpPr>
+          <p:cNvPr id="2" name="Заголовок 1"/>
+          <p:cNvSpPr>
+            <a:spLocks noGrp="1"/>
+          </p:cNvSpPr>
+          <p:nvPr>
+            <p:ph type="title"/>
+          </p:nvPr>
+        </p:nvSpPr>
+        <p:spPr/>
+        <p:txBody>
+          <a:bodyPr/>
+          <a:lstStyle/>
+          <a:p>
+            <a:endParaRPr lang="ru-RU"/>
+          </a:p>
+        </p:txBody>
+      </p:sp>
+      <p:sp>
+        <p:nvSpPr>
+          <p:cNvPr id="3" name="Объект 2"/>
+          <p:cNvSpPr>
+            <a:spLocks noGrp="1"/>
+          </p:cNvSpPr>
+          <p:nvPr>
+            <p:ph idx="1"/>
+          </p:nvPr>
+        </p:nvSpPr>
+        <p:spPr/>
+        <p:txBody>
+          <a:bodyPr/>
+          <a:lstStyle/>
+          <a:p>
+            <a:r>
+              <a:rPr lang="ru-RU" dirty="0" smtClean="0"/>
+              <a:t>Спасибо за внимание</a:t>
+            </a:r>
+            <a:endParaRPr lang="ru-RU" dirty="0"/>
+          </a:p>
+        </p:txBody>
+      </p:sp>
+    </p:spTree>
+    <p:extLst>
+      <p:ext uri="{BB962C8B-B14F-4D97-AF65-F5344CB8AC3E}">
+        <p14:creationId xmlns:p14="http://schemas.microsoft.com/office/powerpoint/2010/main" val="433096105"/>
+      </p:ext>
+    </p:extLst>
+  </p:cSld>
+  <p:clrMapOvr>
+    <a:masterClrMapping/>
+  </p:clrMapOvr>
+  <p:timing>
+    <p:tnLst>
+      <p:par>
+        <p:cTn id="1" dur="indefinite" restart="never" nodeType="tmRoot"/>
+      </p:par>
+    </p:tnLst>
+  </p:timing>
+</p:sld>
+</file>
+
+<file path=ppt/slides/slide3.xml><?xml version="1.0" encoding="utf-8"?>
+<p:sld xmlns:a="http://schemas.openxmlformats.org/drawingml/2006/main" xmlns:r="http://schemas.openxmlformats.org/officeDocument/2006/relationships" xmlns:p="http://schemas.openxmlformats.org/presentationml/2006/main">
+  <p:cSld>
+    <p:spTree>
+      <p:nvGrpSpPr>
+        <p:cNvPr id="1" name=""/>
+        <p:cNvGrpSpPr/>
+        <p:nvPr/>
+      </p:nvGrpSpPr>
+      <p:grpSpPr>
+        <a:xfrm>
+          <a:off x="0" y="0"/>
+          <a:ext cx="0" cy="0"/>
+          <a:chOff x="0" y="0"/>
+          <a:chExt cx="0" cy="0"/>
+        </a:xfrm>
+      </p:grpSpPr>
+      <p:sp>
+        <p:nvSpPr>
+          <p:cNvPr id="2" name="Заголовок 1"/>
+          <p:cNvSpPr>
+            <a:spLocks noGrp="1"/>
+          </p:cNvSpPr>
+          <p:nvPr>
+            <p:ph type="title"/>
+          </p:nvPr>
+        </p:nvSpPr>
+        <p:spPr/>
+        <p:txBody>
+          <a:bodyPr/>
+          <a:lstStyle/>
+          <a:p>
+            <a:pPr algn="ctr"/>
+            <a:r>
+              <a:rPr lang="ru-RU" dirty="0">
+                <a:latin typeface="Times New Roman" panose="02020603050405020304" pitchFamily="18" charset="0"/>
+                <a:cs typeface="Times New Roman" panose="02020603050405020304" pitchFamily="18" charset="0"/>
+              </a:rPr>
+              <a:t>Беспроводная сенсорная сеть</a:t>
+            </a:r>
+            <a:r>
+              <a:rPr lang="ru-RU" dirty="0"/>
+              <a:t/>
+            </a:r>
+            <a:br>
+              <a:rPr lang="ru-RU" dirty="0"/>
+            </a:br>
+            <a:endParaRPr lang="ru-RU" dirty="0"/>
+          </a:p>
+        </p:txBody>
+      </p:sp>
+      <p:pic>
+        <p:nvPicPr>
+          <p:cNvPr id="1028" name="Picture 4" descr="ÐÐ¾Ñ+Ð¾Ð¶ÐµÐµ Ð¸Ð·Ð¾Ð±ÑÐ°Ð¶ÐµÐ½Ð¸Ðµ"/>
+          <p:cNvPicPr>
+            <a:picLocks noChangeAspect="1" noChangeArrowheads="1"/>
+          </p:cNvPicPr>
+          <p:nvPr/>
+        </p:nvPicPr>
+        <p:blipFill>
+          <a:blip r:embed="rId2">
+            <a:extLst>
+              <a:ext uri="{28A0092B-C50C-407E-A947-70E740481C1C}">
+                <a14:useLocalDpi xmlns:a14="http://schemas.microsoft.com/office/drawing/2010/main" val="0"/>
+              </a:ext>
+            </a:extLst>
+          </a:blip>
+          <a:srcRect/>
+          <a:stretch>
+            <a:fillRect/>
+          </a:stretch>
+        </p:blipFill>
+        <p:spPr bwMode="auto">
+          <a:xfrm>
+            <a:off x="1767052" y="1729117"/>
+            <a:ext cx="8657895" cy="4544354"/>
+          </a:xfrm>
+          <a:prstGeom prst="rect">
+            <a:avLst/>
+          </a:prstGeom>
+          <a:noFill/>
+          <a:extLst>
+            <a:ext uri="{909E8E84-426E-40DD-AFC4-6F175D3DCCD1}">
+              <a14:hiddenFill xmlns:a14="http://schemas.microsoft.com/office/drawing/2010/main">
+                <a:solidFill>
+                  <a:srgbClr val="FFFFFF"/>
+                </a:solidFill>
+              </a14:hiddenFill>
+            </a:ext>
+          </a:extLst>
+        </p:spPr>
+      </p:pic>
+    </p:spTree>
+    <p:extLst>
+      <p:ext uri="{BB962C8B-B14F-4D97-AF65-F5344CB8AC3E}">
+        <p14:creationId xmlns:p14="http://schemas.microsoft.com/office/powerpoint/2010/main" val="790053616"/>
+      </p:ext>
+    </p:extLst>
+  </p:cSld>
+  <p:clrMapOvr>
+    <a:masterClrMapping/>
+  </p:clrMapOvr>
+  <p:timing>
+    <p:tnLst>
+      <p:par>
+        <p:cTn id="1" dur="indefinite" restart="never" nodeType="tmRoot"/>
+      </p:par>
+    </p:tnLst>
+  </p:timing>
+</p:sld>
+</file>
+
+<file path=ppt/slides/slide4.xml><?xml version="1.0" encoding="utf-8"?>
+<p:sld xmlns:a="http://schemas.openxmlformats.org/drawingml/2006/main" xmlns:r="http://schemas.openxmlformats.org/officeDocument/2006/relationships" xmlns:p="http://schemas.openxmlformats.org/presentationml/2006/main">
+  <p:cSld>
+    <p:spTree>
+      <p:nvGrpSpPr>
+        <p:cNvPr id="1" name=""/>
+        <p:cNvGrpSpPr/>
+        <p:nvPr/>
+      </p:nvGrpSpPr>
+      <p:grpSpPr>
+        <a:xfrm>
+          <a:off x="0" y="0"/>
+          <a:ext cx="0" cy="0"/>
+          <a:chOff x="0" y="0"/>
+          <a:chExt cx="0" cy="0"/>
+        </a:xfrm>
+      </p:grpSpPr>
+      <p:sp>
+        <p:nvSpPr>
+          <p:cNvPr id="3" name="Объект 2"/>
+          <p:cNvSpPr>
+            <a:spLocks noGrp="1"/>
+          </p:cNvSpPr>
+          <p:nvPr>
+            <p:ph idx="1"/>
+          </p:nvPr>
+        </p:nvSpPr>
+        <p:spPr>
+          <a:xfrm>
+            <a:off x="457200" y="385013"/>
+            <a:ext cx="10515600" cy="6214194"/>
+          </a:xfrm>
+        </p:spPr>
+        <p:txBody>
+          <a:bodyPr>
+            <a:normAutofit fontScale="92500" lnSpcReduction="10000"/>
+          </a:bodyPr>
+          <a:lstStyle/>
+          <a:p>
+            <a:r>
+              <a:rPr lang="ru-RU" b="1" dirty="0">
+                <a:latin typeface="Times New Roman" panose="02020603050405020304" pitchFamily="18" charset="0"/>
+                <a:cs typeface="Times New Roman" panose="02020603050405020304" pitchFamily="18" charset="0"/>
+              </a:rPr>
+              <a:t>Беспроводная сенсорная сеть</a:t>
+            </a:r>
+            <a:r>
+              <a:rPr lang="ru-RU" dirty="0">
+                <a:latin typeface="Times New Roman" panose="02020603050405020304" pitchFamily="18" charset="0"/>
+                <a:cs typeface="Times New Roman" panose="02020603050405020304" pitchFamily="18" charset="0"/>
+              </a:rPr>
+              <a:t> или </a:t>
+            </a:r>
+            <a:r>
+              <a:rPr lang="ru-RU" b="1" dirty="0">
+                <a:latin typeface="Times New Roman" panose="02020603050405020304" pitchFamily="18" charset="0"/>
+                <a:cs typeface="Times New Roman" panose="02020603050405020304" pitchFamily="18" charset="0"/>
+              </a:rPr>
+              <a:t>беспроводная </a:t>
+            </a:r>
+            <a:r>
+              <a:rPr lang="ru-RU" b="1" dirty="0" err="1">
+                <a:latin typeface="Times New Roman" panose="02020603050405020304" pitchFamily="18" charset="0"/>
+                <a:cs typeface="Times New Roman" panose="02020603050405020304" pitchFamily="18" charset="0"/>
+              </a:rPr>
+              <a:t>датчиковая</a:t>
+            </a:r>
+            <a:r>
+              <a:rPr lang="ru-RU" b="1" dirty="0">
+                <a:latin typeface="Times New Roman" panose="02020603050405020304" pitchFamily="18" charset="0"/>
+                <a:cs typeface="Times New Roman" panose="02020603050405020304" pitchFamily="18" charset="0"/>
+              </a:rPr>
+              <a:t> сеть</a:t>
+            </a:r>
+            <a:r>
+              <a:rPr lang="ru-RU" dirty="0">
+                <a:latin typeface="Times New Roman" panose="02020603050405020304" pitchFamily="18" charset="0"/>
+                <a:cs typeface="Times New Roman" panose="02020603050405020304" pitchFamily="18" charset="0"/>
+              </a:rPr>
+              <a:t> — распределённая, самоорганизующаяся сеть множества датчиков и исполнительных устройств, объединённых между собой посредством радиоканала. Область покрытия подобной сети может составлять от нескольких метров до нескольких километров за счёт способности ретрансляции сообщений от одного узла к другому</a:t>
+            </a:r>
+            <a:r>
+              <a:rPr lang="ru-RU" dirty="0" smtClean="0">
+                <a:latin typeface="Times New Roman" panose="02020603050405020304" pitchFamily="18" charset="0"/>
+                <a:cs typeface="Times New Roman" panose="02020603050405020304" pitchFamily="18" charset="0"/>
+              </a:rPr>
+              <a:t>.</a:t>
+            </a:r>
+            <a:endParaRPr lang="en-US" dirty="0" smtClean="0">
+              <a:latin typeface="Times New Roman" panose="02020603050405020304" pitchFamily="18" charset="0"/>
+              <a:cs typeface="Times New Roman" panose="02020603050405020304" pitchFamily="18" charset="0"/>
+            </a:endParaRPr>
+          </a:p>
+          <a:p>
+            <a:r>
+              <a:rPr lang="ru-RU" dirty="0">
+                <a:latin typeface="Times New Roman" panose="02020603050405020304" pitchFamily="18" charset="0"/>
+                <a:cs typeface="Times New Roman" panose="02020603050405020304" pitchFamily="18" charset="0"/>
+              </a:rPr>
+              <a:t>Беспроводные </a:t>
+            </a:r>
+            <a:r>
+              <a:rPr lang="ru-RU" dirty="0" err="1">
+                <a:latin typeface="Times New Roman" panose="02020603050405020304" pitchFamily="18" charset="0"/>
+                <a:cs typeface="Times New Roman" panose="02020603050405020304" pitchFamily="18" charset="0"/>
+              </a:rPr>
+              <a:t>датчиковые</a:t>
+            </a:r>
+            <a:r>
+              <a:rPr lang="ru-RU" dirty="0">
+                <a:latin typeface="Times New Roman" panose="02020603050405020304" pitchFamily="18" charset="0"/>
+                <a:cs typeface="Times New Roman" panose="02020603050405020304" pitchFamily="18" charset="0"/>
+              </a:rPr>
+              <a:t> сети состоят из миниатюрных вычислительных устройств — </a:t>
+            </a:r>
+            <a:r>
+              <a:rPr lang="ru-RU" i="1" dirty="0">
+                <a:latin typeface="Times New Roman" panose="02020603050405020304" pitchFamily="18" charset="0"/>
+                <a:cs typeface="Times New Roman" panose="02020603050405020304" pitchFamily="18" charset="0"/>
+              </a:rPr>
+              <a:t>мотов</a:t>
+            </a:r>
+            <a:r>
+              <a:rPr lang="ru-RU" dirty="0">
+                <a:latin typeface="Times New Roman" panose="02020603050405020304" pitchFamily="18" charset="0"/>
+                <a:cs typeface="Times New Roman" panose="02020603050405020304" pitchFamily="18" charset="0"/>
+              </a:rPr>
+              <a:t>, снабжённых датчиками (например, температуры, давления, освещённости, уровня вибрации, местоположения и т. п.) и передатчиками, работающими в заданном радиодиапазоне</a:t>
+            </a:r>
+            <a:r>
+              <a:rPr lang="ru-RU" dirty="0" smtClean="0">
+                <a:latin typeface="Times New Roman" panose="02020603050405020304" pitchFamily="18" charset="0"/>
+                <a:cs typeface="Times New Roman" panose="02020603050405020304" pitchFamily="18" charset="0"/>
+              </a:rPr>
+              <a:t>.</a:t>
+            </a:r>
+            <a:endParaRPr lang="en-US" dirty="0" smtClean="0">
+              <a:latin typeface="Times New Roman" panose="02020603050405020304" pitchFamily="18" charset="0"/>
+              <a:cs typeface="Times New Roman" panose="02020603050405020304" pitchFamily="18" charset="0"/>
+            </a:endParaRPr>
+          </a:p>
+          <a:p>
+            <a:r>
+              <a:rPr lang="ru-RU" dirty="0">
+                <a:latin typeface="Times New Roman" panose="02020603050405020304" pitchFamily="18" charset="0"/>
+                <a:cs typeface="Times New Roman" panose="02020603050405020304" pitchFamily="18" charset="0"/>
+              </a:rPr>
+              <a:t>Каждый узел </a:t>
+            </a:r>
+            <a:r>
+              <a:rPr lang="ru-RU" dirty="0" err="1">
+                <a:latin typeface="Times New Roman" panose="02020603050405020304" pitchFamily="18" charset="0"/>
+                <a:cs typeface="Times New Roman" panose="02020603050405020304" pitchFamily="18" charset="0"/>
+              </a:rPr>
+              <a:t>датчиковой</a:t>
+            </a:r>
+            <a:r>
+              <a:rPr lang="ru-RU" dirty="0">
+                <a:latin typeface="Times New Roman" panose="02020603050405020304" pitchFamily="18" charset="0"/>
+                <a:cs typeface="Times New Roman" panose="02020603050405020304" pitchFamily="18" charset="0"/>
+              </a:rPr>
+              <a:t> сети может содержать различные датчики для контроля внешней среды, </a:t>
+            </a:r>
+            <a:r>
+              <a:rPr lang="ru-RU" dirty="0" err="1">
+                <a:latin typeface="Times New Roman" panose="02020603050405020304" pitchFamily="18" charset="0"/>
+                <a:cs typeface="Times New Roman" panose="02020603050405020304" pitchFamily="18" charset="0"/>
+              </a:rPr>
+              <a:t>микровычислитель</a:t>
+            </a:r>
+            <a:r>
+              <a:rPr lang="ru-RU" dirty="0">
+                <a:latin typeface="Times New Roman" panose="02020603050405020304" pitchFamily="18" charset="0"/>
+                <a:cs typeface="Times New Roman" panose="02020603050405020304" pitchFamily="18" charset="0"/>
+              </a:rPr>
+              <a:t> и </a:t>
+            </a:r>
+            <a:r>
+              <a:rPr lang="ru-RU" dirty="0" err="1">
+                <a:latin typeface="Times New Roman" panose="02020603050405020304" pitchFamily="18" charset="0"/>
+                <a:cs typeface="Times New Roman" panose="02020603050405020304" pitchFamily="18" charset="0"/>
+              </a:rPr>
+              <a:t>радиоприёмопередатчик</a:t>
+            </a:r>
+            <a:r>
+              <a:rPr lang="ru-RU" dirty="0">
+                <a:latin typeface="Times New Roman" panose="02020603050405020304" pitchFamily="18" charset="0"/>
+                <a:cs typeface="Times New Roman" panose="02020603050405020304" pitchFamily="18" charset="0"/>
+              </a:rPr>
+              <a:t>. Это позволяет устройству проводить измерения, самостоятельно проводить начальную обработку данных и поддерживать связь с внешней информационной системой.</a:t>
+            </a:r>
+          </a:p>
+        </p:txBody>
+      </p:sp>
+    </p:spTree>
+    <p:extLst>
+      <p:ext uri="{BB962C8B-B14F-4D97-AF65-F5344CB8AC3E}">
+        <p14:creationId xmlns:p14="http://schemas.microsoft.com/office/powerpoint/2010/main" val="3991070992"/>
+      </p:ext>
+    </p:extLst>
+  </p:cSld>
+  <p:clrMapOvr>
+    <a:masterClrMapping/>
+  </p:clrMapOvr>
+  <p:timing>
+    <p:tnLst>
+      <p:par>
+        <p:cTn id="1" dur="indefinite" restart="never" nodeType="tmRoot"/>
+      </p:par>
+    </p:tnLst>
+  </p:timing>
+</p:sld>
+</file>
+
+<file path=ppt/slides/slide5.xml><?xml version="1.0" encoding="utf-8"?>
+<p:sld xmlns:a="http://schemas.openxmlformats.org/drawingml/2006/main" xmlns:r="http://schemas.openxmlformats.org/officeDocument/2006/relationships" xmlns:p="http://schemas.openxmlformats.org/presentationml/2006/main">
+  <p:cSld>
+    <p:spTree>
+      <p:nvGrpSpPr>
+        <p:cNvPr id="1" name=""/>
+        <p:cNvGrpSpPr/>
+        <p:nvPr/>
+      </p:nvGrpSpPr>
+      <p:grpSpPr>
+        <a:xfrm>
+          <a:off x="0" y="0"/>
+          <a:ext cx="0" cy="0"/>
+          <a:chOff x="0" y="0"/>
+          <a:chExt cx="0" cy="0"/>
+        </a:xfrm>
+      </p:grpSpPr>
+      <p:sp>
+        <p:nvSpPr>
+          <p:cNvPr id="2" name="Заголовок 1"/>
+          <p:cNvSpPr>
+            <a:spLocks noGrp="1"/>
+          </p:cNvSpPr>
+          <p:nvPr>
+            <p:ph type="title"/>
+          </p:nvPr>
+        </p:nvSpPr>
+        <p:spPr/>
+        <p:txBody>
+          <a:bodyPr>
+            <a:normAutofit fontScale="90000"/>
+          </a:bodyPr>
+          <a:lstStyle/>
+          <a:p>
+            <a:r>
+              <a:rPr lang="ru-RU" dirty="0">
+                <a:latin typeface="Times New Roman" panose="02020603050405020304" pitchFamily="18" charset="0"/>
+                <a:cs typeface="Times New Roman" panose="02020603050405020304" pitchFamily="18" charset="0"/>
+              </a:rPr>
+              <a:t>«Классическая» архитектура </a:t>
+            </a:r>
+            <a:r>
+              <a:rPr lang="ru-RU" dirty="0" err="1">
+                <a:latin typeface="Times New Roman" panose="02020603050405020304" pitchFamily="18" charset="0"/>
+                <a:cs typeface="Times New Roman" panose="02020603050405020304" pitchFamily="18" charset="0"/>
+              </a:rPr>
+              <a:t>датчиковой</a:t>
+            </a:r>
+            <a:r>
+              <a:rPr lang="ru-RU" dirty="0">
+                <a:latin typeface="Times New Roman" panose="02020603050405020304" pitchFamily="18" charset="0"/>
+                <a:cs typeface="Times New Roman" panose="02020603050405020304" pitchFamily="18" charset="0"/>
+              </a:rPr>
+              <a:t> сети основана на типовом узле, который включает в </a:t>
+            </a:r>
+            <a:r>
+              <a:rPr lang="ru-RU" dirty="0" smtClean="0">
+                <a:latin typeface="Times New Roman" panose="02020603050405020304" pitchFamily="18" charset="0"/>
+                <a:cs typeface="Times New Roman" panose="02020603050405020304" pitchFamily="18" charset="0"/>
+              </a:rPr>
+              <a:t>себя</a:t>
+            </a:r>
+            <a:r>
+              <a:rPr lang="en-US" dirty="0" smtClean="0">
+                <a:latin typeface="Times New Roman" panose="02020603050405020304" pitchFamily="18" charset="0"/>
+                <a:cs typeface="Times New Roman" panose="02020603050405020304" pitchFamily="18" charset="0"/>
+              </a:rPr>
+              <a:t>:</a:t>
+            </a:r>
+            <a:endParaRPr lang="ru-RU" dirty="0">
+              <a:latin typeface="Times New Roman" panose="02020603050405020304" pitchFamily="18" charset="0"/>
+              <a:cs typeface="Times New Roman" panose="02020603050405020304" pitchFamily="18" charset="0"/>
+            </a:endParaRPr>
+          </a:p>
+        </p:txBody>
+      </p:sp>
+      <p:sp>
+        <p:nvSpPr>
+          <p:cNvPr id="3" name="Объект 2"/>
+          <p:cNvSpPr>
+            <a:spLocks noGrp="1"/>
+          </p:cNvSpPr>
+          <p:nvPr>
+            <p:ph idx="1"/>
+          </p:nvPr>
+        </p:nvSpPr>
+        <p:spPr>
+          <a:xfrm>
+            <a:off x="838200" y="2506662"/>
+            <a:ext cx="10515600" cy="4351338"/>
+          </a:xfrm>
+        </p:spPr>
+        <p:txBody>
+          <a:bodyPr/>
+          <a:lstStyle/>
+          <a:p>
+            <a:r>
+              <a:rPr lang="ru-RU" dirty="0" err="1">
+                <a:latin typeface="Times New Roman" panose="02020603050405020304" pitchFamily="18" charset="0"/>
+                <a:cs typeface="Times New Roman" panose="02020603050405020304" pitchFamily="18" charset="0"/>
+              </a:rPr>
+              <a:t>радиотракт</a:t>
+            </a:r>
+            <a:r>
+              <a:rPr lang="ru-RU" dirty="0">
+                <a:latin typeface="Times New Roman" panose="02020603050405020304" pitchFamily="18" charset="0"/>
+                <a:cs typeface="Times New Roman" panose="02020603050405020304" pitchFamily="18" charset="0"/>
+              </a:rPr>
+              <a:t>;</a:t>
+            </a:r>
+          </a:p>
+          <a:p>
+            <a:r>
+              <a:rPr lang="ru-RU" dirty="0">
+                <a:latin typeface="Times New Roman" panose="02020603050405020304" pitchFamily="18" charset="0"/>
+                <a:cs typeface="Times New Roman" panose="02020603050405020304" pitchFamily="18" charset="0"/>
+              </a:rPr>
+              <a:t>процессорный модуль;</a:t>
+            </a:r>
+          </a:p>
+          <a:p>
+            <a:r>
+              <a:rPr lang="ru-RU" dirty="0">
+                <a:latin typeface="Times New Roman" panose="02020603050405020304" pitchFamily="18" charset="0"/>
+                <a:cs typeface="Times New Roman" panose="02020603050405020304" pitchFamily="18" charset="0"/>
+              </a:rPr>
+              <a:t>элемент питания;</a:t>
+            </a:r>
+          </a:p>
+          <a:p>
+            <a:r>
+              <a:rPr lang="ru-RU" dirty="0">
+                <a:latin typeface="Times New Roman" panose="02020603050405020304" pitchFamily="18" charset="0"/>
+                <a:cs typeface="Times New Roman" panose="02020603050405020304" pitchFamily="18" charset="0"/>
+              </a:rPr>
+              <a:t>различные датчики.</a:t>
+            </a:r>
+          </a:p>
+          <a:p>
+            <a:endParaRPr lang="ru-RU" dirty="0"/>
+          </a:p>
+        </p:txBody>
+      </p:sp>
+    </p:spTree>
+    <p:extLst>
+      <p:ext uri="{BB962C8B-B14F-4D97-AF65-F5344CB8AC3E}">
+        <p14:creationId xmlns:p14="http://schemas.microsoft.com/office/powerpoint/2010/main" val="810199610"/>
+      </p:ext>
+    </p:extLst>
+  </p:cSld>
+  <p:clrMapOvr>
+    <a:masterClrMapping/>
+  </p:clrMapOvr>
+  <p:timing>
+    <p:tnLst>
+      <p:par>
+        <p:cTn id="1" dur="indefinite" restart="never" nodeType="tmRoot"/>
+      </p:par>
+    </p:tnLst>
+  </p:timing>
+</p:sld>
+</file>
+
+<file path=ppt/slides/slide6.xml><?xml version="1.0" encoding="utf-8"?>
+<p:sld xmlns:a="http://schemas.openxmlformats.org/drawingml/2006/main" xmlns:r="http://schemas.openxmlformats.org/officeDocument/2006/relationships" xmlns:p="http://schemas.openxmlformats.org/presentationml/2006/main">
+  <p:cSld>
+    <p:spTree>
+      <p:nvGrpSpPr>
+        <p:cNvPr id="1" name=""/>
+        <p:cNvGrpSpPr/>
+        <p:nvPr/>
+      </p:nvGrpSpPr>
+      <p:grpSpPr>
+        <a:xfrm>
+          <a:off x="0" y="0"/>
+          <a:ext cx="0" cy="0"/>
+          <a:chOff x="0" y="0"/>
+          <a:chExt cx="0" cy="0"/>
+        </a:xfrm>
+      </p:grpSpPr>
+      <p:sp>
+        <p:nvSpPr>
+          <p:cNvPr id="2" name="Заголовок 1"/>
+          <p:cNvSpPr>
+            <a:spLocks noGrp="1"/>
+          </p:cNvSpPr>
+          <p:nvPr>
+            <p:ph type="title"/>
+          </p:nvPr>
+        </p:nvSpPr>
+        <p:spPr/>
+        <p:txBody>
+          <a:bodyPr>
+            <a:normAutofit/>
+          </a:bodyPr>
+          <a:lstStyle/>
+          <a:p>
+            <a:pPr algn="ctr"/>
+            <a:r>
+              <a:rPr lang="ru-RU" dirty="0" smtClean="0">
+                <a:latin typeface="Times New Roman" panose="02020603050405020304" pitchFamily="18" charset="0"/>
+                <a:cs typeface="Times New Roman" panose="02020603050405020304" pitchFamily="18" charset="0"/>
+              </a:rPr>
+              <a:t>Модель </a:t>
+            </a:r>
+            <a:r>
+              <a:rPr lang="ru-RU" dirty="0" smtClean="0">
+                <a:latin typeface="Times New Roman" panose="02020603050405020304" pitchFamily="18" charset="0"/>
+                <a:cs typeface="Times New Roman" panose="02020603050405020304" pitchFamily="18" charset="0"/>
+              </a:rPr>
+              <a:t>системы</a:t>
+            </a:r>
+            <a:r>
+              <a:rPr lang="ru-RU" b="1" dirty="0">
+                <a:latin typeface="Times New Roman" panose="02020603050405020304" pitchFamily="18" charset="0"/>
+                <a:cs typeface="Times New Roman" panose="02020603050405020304" pitchFamily="18" charset="0"/>
+              </a:rPr>
+              <a:t> </a:t>
+            </a:r>
+            <a:r>
+              <a:rPr lang="ru-RU" dirty="0" smtClean="0">
+                <a:latin typeface="Times New Roman" panose="02020603050405020304" pitchFamily="18" charset="0"/>
+                <a:cs typeface="Times New Roman" panose="02020603050405020304" pitchFamily="18" charset="0"/>
+              </a:rPr>
+              <a:t>MAP/G/1 с генерацией энергии</a:t>
+            </a:r>
+            <a:endParaRPr lang="ru-RU" dirty="0">
+              <a:latin typeface="Times New Roman" panose="02020603050405020304" pitchFamily="18" charset="0"/>
+              <a:cs typeface="Times New Roman" panose="02020603050405020304" pitchFamily="18" charset="0"/>
+            </a:endParaRPr>
+          </a:p>
+        </p:txBody>
+      </p:sp>
+      <p:sp>
+        <p:nvSpPr>
+          <p:cNvPr id="3" name="Объект 2"/>
+          <p:cNvSpPr>
+            <a:spLocks noGrp="1"/>
+          </p:cNvSpPr>
+          <p:nvPr>
+            <p:ph idx="1"/>
+          </p:nvPr>
+        </p:nvSpPr>
+        <p:spPr/>
+        <p:txBody>
+          <a:bodyPr>
+            <a:normAutofit lnSpcReduction="10000"/>
+          </a:bodyPr>
+          <a:lstStyle/>
+          <a:p>
+            <a:pPr marL="0" indent="0">
+              <a:buNone/>
+            </a:pPr>
+            <a:endParaRPr lang="en-US" dirty="0" smtClean="0">
+              <a:latin typeface="Times New Roman" panose="02020603050405020304" pitchFamily="18" charset="0"/>
+              <a:cs typeface="Times New Roman" panose="02020603050405020304" pitchFamily="18" charset="0"/>
+            </a:endParaRPr>
+          </a:p>
+          <a:p>
+            <a:pPr marL="0" indent="0">
+              <a:buNone/>
+            </a:pPr>
+            <a:endParaRPr lang="en-US" dirty="0">
+              <a:latin typeface="Times New Roman" panose="02020603050405020304" pitchFamily="18" charset="0"/>
+              <a:cs typeface="Times New Roman" panose="02020603050405020304" pitchFamily="18" charset="0"/>
+            </a:endParaRPr>
+          </a:p>
+          <a:p>
+            <a:pPr marL="0" indent="0">
+              <a:buNone/>
+            </a:pPr>
+            <a:r>
+              <a:rPr lang="ru-RU" dirty="0" smtClean="0">
+                <a:latin typeface="Times New Roman" panose="02020603050405020304" pitchFamily="18" charset="0"/>
+                <a:cs typeface="Times New Roman" panose="02020603050405020304" pitchFamily="18" charset="0"/>
+              </a:rPr>
+              <a:t>Запросы поступают в прибор в порядке FIFO. Время обслуживания прибора имеет функцию распределения B(t).</a:t>
+            </a:r>
+          </a:p>
+          <a:p>
+            <a:pPr marL="0" indent="0">
+              <a:buNone/>
+            </a:pPr>
+            <a:r>
+              <a:rPr lang="ru-RU" dirty="0" smtClean="0">
+                <a:latin typeface="Times New Roman" panose="02020603050405020304" pitchFamily="18" charset="0"/>
+                <a:cs typeface="Times New Roman" panose="02020603050405020304" pitchFamily="18" charset="0"/>
+              </a:rPr>
+              <a:t>Для обслуживания одного запроса необходима одна единица энергия. Единица энергии берется сразу после того, как запрос поступит на обслуживание.  Если же буфер для хранения энергии пуст, то система переходит в режим ожидания до тех пор, пока не поступит единица энергии. Если буфер энергии заполнен,</a:t>
+            </a:r>
+          </a:p>
+          <a:p>
+            <a:pPr marL="0" indent="0">
+              <a:buNone/>
+            </a:pPr>
+            <a:r>
+              <a:rPr lang="ru-RU" dirty="0" smtClean="0">
+                <a:latin typeface="Times New Roman" panose="02020603050405020304" pitchFamily="18" charset="0"/>
+                <a:cs typeface="Times New Roman" panose="02020603050405020304" pitchFamily="18" charset="0"/>
+              </a:rPr>
+              <a:t>то поступающие единицы энергии теряются.</a:t>
+            </a:r>
+            <a:endParaRPr lang="ru-RU" dirty="0">
+              <a:latin typeface="Times New Roman" panose="02020603050405020304" pitchFamily="18" charset="0"/>
+              <a:cs typeface="Times New Roman" panose="02020603050405020304" pitchFamily="18" charset="0"/>
+            </a:endParaRPr>
+          </a:p>
+        </p:txBody>
+      </p:sp>
+      <p:pic>
+        <p:nvPicPr>
+          <p:cNvPr id="4" name="Рисунок 3"/>
+          <p:cNvPicPr>
+            <a:picLocks noChangeAspect="1"/>
+          </p:cNvPicPr>
+          <p:nvPr/>
+        </p:nvPicPr>
+        <p:blipFill>
+          <a:blip r:embed="rId2">
+            <a:extLst>
+              <a:ext uri="{28A0092B-C50C-407E-A947-70E740481C1C}">
+                <a14:useLocalDpi xmlns:a14="http://schemas.microsoft.com/office/drawing/2010/main" val="0"/>
+              </a:ext>
+            </a:extLst>
+          </a:blip>
+          <a:stretch>
+            <a:fillRect/>
+          </a:stretch>
+        </p:blipFill>
+        <p:spPr>
+          <a:xfrm>
+            <a:off x="838200" y="1463765"/>
+            <a:ext cx="3983277" cy="1265129"/>
+          </a:xfrm>
+          <a:prstGeom prst="rect">
+            <a:avLst/>
+          </a:prstGeom>
+        </p:spPr>
+      </p:pic>
+    </p:spTree>
+    <p:extLst>
+      <p:ext uri="{BB962C8B-B14F-4D97-AF65-F5344CB8AC3E}">
+        <p14:creationId xmlns:p14="http://schemas.microsoft.com/office/powerpoint/2010/main" val="2415236125"/>
+      </p:ext>
+    </p:extLst>
+  </p:cSld>
+  <p:clrMapOvr>
+    <a:masterClrMapping/>
+  </p:clrMapOvr>
+  <p:timing>
+    <p:tnLst>
+      <p:par>
+        <p:cTn id="1" dur="indefinite" restart="never" nodeType="tmRoot"/>
+      </p:par>
+    </p:tnLst>
+  </p:timing>
+</p:sld>
+</file>
+
+<file path=ppt/slides/slide7.xml><?xml version="1.0" encoding="utf-8"?>
+<p:sld xmlns:a="http://schemas.openxmlformats.org/drawingml/2006/main" xmlns:r="http://schemas.openxmlformats.org/officeDocument/2006/relationships" xmlns:p="http://schemas.openxmlformats.org/presentationml/2006/main">
+  <p:cSld>
+    <p:spTree>
+      <p:nvGrpSpPr>
+        <p:cNvPr id="1" name=""/>
+        <p:cNvGrpSpPr/>
+        <p:nvPr/>
+      </p:nvGrpSpPr>
+      <p:grpSpPr>
+        <a:xfrm>
+          <a:off x="0" y="0"/>
+          <a:ext cx="0" cy="0"/>
+          <a:chOff x="0" y="0"/>
+          <a:chExt cx="0" cy="0"/>
+        </a:xfrm>
+      </p:grpSpPr>
+      <p:sp>
+        <p:nvSpPr>
+          <p:cNvPr id="2" name="Заголовок 1"/>
+          <p:cNvSpPr>
+            <a:spLocks noGrp="1"/>
+          </p:cNvSpPr>
+          <p:nvPr>
+            <p:ph type="title"/>
+          </p:nvPr>
+        </p:nvSpPr>
+        <p:spPr>
+          <a:xfrm>
+            <a:off x="838199" y="163631"/>
+            <a:ext cx="10515600" cy="1325563"/>
+          </a:xfrm>
+        </p:spPr>
+        <p:txBody>
+          <a:bodyPr/>
+          <a:lstStyle/>
+          <a:p>
+            <a:pPr algn="ctr"/>
+            <a:r>
+              <a:rPr lang="ru-RU" dirty="0" smtClean="0">
+                <a:latin typeface="Times New Roman" panose="02020603050405020304" pitchFamily="18" charset="0"/>
+                <a:cs typeface="Times New Roman" panose="02020603050405020304" pitchFamily="18" charset="0"/>
+              </a:rPr>
+              <a:t>Переходные вероятности</a:t>
+            </a:r>
+            <a:endParaRPr lang="ru-RU" dirty="0">
+              <a:latin typeface="Times New Roman" panose="02020603050405020304" pitchFamily="18" charset="0"/>
+              <a:cs typeface="Times New Roman" panose="02020603050405020304" pitchFamily="18" charset="0"/>
+            </a:endParaRPr>
+          </a:p>
+        </p:txBody>
+      </p:sp>
+      <p:pic>
+        <p:nvPicPr>
+          <p:cNvPr id="5" name="Рисунок 4"/>
+          <p:cNvPicPr>
+            <a:picLocks noChangeAspect="1"/>
+          </p:cNvPicPr>
+          <p:nvPr/>
+        </p:nvPicPr>
+        <p:blipFill>
+          <a:blip r:embed="rId2"/>
+          <a:stretch>
+            <a:fillRect/>
+          </a:stretch>
+        </p:blipFill>
+        <p:spPr>
+          <a:xfrm>
+            <a:off x="1587618" y="1357372"/>
+            <a:ext cx="9016762" cy="5378811"/>
+          </a:xfrm>
+          <a:prstGeom prst="rect">
+            <a:avLst/>
+          </a:prstGeom>
+        </p:spPr>
+      </p:pic>
+    </p:spTree>
+    <p:extLst>
+      <p:ext uri="{BB962C8B-B14F-4D97-AF65-F5344CB8AC3E}">
+        <p14:creationId xmlns:p14="http://schemas.microsoft.com/office/powerpoint/2010/main" val="1151727503"/>
+      </p:ext>
+    </p:extLst>
+  </p:cSld>
+  <p:clrMapOvr>
+    <a:masterClrMapping/>
+  </p:clrMapOvr>
+  <p:timing>
+    <p:tnLst>
+      <p:par>
+        <p:cTn id="1" dur="indefinite" restart="never" nodeType="tmRoot"/>
+      </p:par>
+    </p:tnLst>
+  </p:timing>
+</p:sld>
+</file>
+
+<file path=ppt/slides/slide8.xml><?xml version="1.0" encoding="utf-8"?>
+<p:sld xmlns:a="http://schemas.openxmlformats.org/drawingml/2006/main" xmlns:r="http://schemas.openxmlformats.org/officeDocument/2006/relationships" xmlns:p="http://schemas.openxmlformats.org/presentationml/2006/main">
+  <p:cSld>
+    <p:spTree>
+      <p:nvGrpSpPr>
+        <p:cNvPr id="1" name=""/>
+        <p:cNvGrpSpPr/>
+        <p:nvPr/>
+      </p:nvGrpSpPr>
+      <p:grpSpPr>
+        <a:xfrm>
+          <a:off x="0" y="0"/>
+          <a:ext cx="0" cy="0"/>
+          <a:chOff x="0" y="0"/>
+          <a:chExt cx="0" cy="0"/>
+        </a:xfrm>
+      </p:grpSpPr>
+      <mc:AlternateContent xmlns:mc="http://schemas.openxmlformats.org/markup-compatibility/2006">
+        <mc:Choice xmlns:a14="http://schemas.microsoft.com/office/drawing/2010/main" Requires="a14">
+          <p:sp>
+            <p:nvSpPr>
+              <p:cNvPr id="3" name="Объект 2"/>
+              <p:cNvSpPr>
+                <a:spLocks noGrp="1"/>
+              </p:cNvSpPr>
+              <p:nvPr>
+                <p:ph idx="1"/>
+              </p:nvPr>
+            </p:nvSpPr>
+            <p:spPr>
+              <a:xfrm>
+                <a:off x="733245" y="897146"/>
+                <a:ext cx="10396268" cy="5624425"/>
+              </a:xfrm>
+            </p:spPr>
+            <p:txBody>
+              <a:bodyPr>
+                <a:normAutofit/>
+              </a:bodyPr>
+              <a:lstStyle/>
+              <a:p>
+                <a:pPr marL="0" indent="0">
+                  <a:buNone/>
+                </a:pPr>
+                <a:r>
+                  <a:rPr lang="ru-RU" dirty="0" smtClean="0"/>
+                  <a:t>Введем стационарные вероятности</a:t>
+                </a:r>
+                <a:r>
+                  <a:rPr lang="en-US" dirty="0" smtClean="0"/>
+                  <a:t>:</a:t>
+                </a:r>
+              </a:p>
+              <a:p>
+                <a:pPr marL="0" indent="0">
+                  <a:buNone/>
+                </a:pPr>
+                <a:endParaRPr lang="en-US" dirty="0" smtClean="0"/>
+              </a:p>
+              <a:p>
+                <a:pPr marL="0" indent="0">
+                  <a:buNone/>
+                </a:pPr>
+                <a:r>
+                  <a:rPr lang="ru-RU" dirty="0" smtClean="0"/>
+                  <a:t>Которые объединим в вектора </a:t>
+                </a:r>
+                <a:br>
+                  <a:rPr lang="ru-RU" dirty="0" smtClean="0"/>
+                </a:br>
+                <a:r>
+                  <a:rPr lang="ru-RU" dirty="0" smtClean="0"/>
+                  <a:t>	</a:t>
+                </a:r>
+              </a:p>
+              <a:p>
+                <a:pPr marL="0" indent="0">
+                  <a:buNone/>
+                </a:pPr>
+                <a:r>
+                  <a:rPr lang="en-US" dirty="0" smtClean="0"/>
+                  <a:t/>
+                </a:r>
+                <a:br>
+                  <a:rPr lang="en-US" dirty="0" smtClean="0"/>
+                </a:br>
+                <a:r>
+                  <a:rPr lang="ru-RU" dirty="0" smtClean="0"/>
+                  <a:t>которые</a:t>
+                </a:r>
+                <a:r>
+                  <a:rPr lang="ru-RU" dirty="0"/>
+                  <a:t>, в свою очередь, образуют вектор стационарных вероятностей</a:t>
+                </a:r>
+                <a:r>
+                  <a:rPr lang="ru-RU" dirty="0" smtClean="0"/>
+                  <a:t>:</a:t>
+                </a:r>
+              </a:p>
+              <a:p>
+                <a:pPr marL="0" indent="0">
+                  <a:buNone/>
+                </a:pPr>
+                <a:endParaRPr lang="ru-RU" dirty="0"/>
+              </a:p>
+              <a:p>
+                <a:pPr marL="0" indent="0">
+                  <a:buNone/>
+                </a:pPr>
+                <a:endParaRPr lang="ru-RU" dirty="0" smtClean="0"/>
+              </a:p>
+              <a:p>
+                <a:pPr marL="0" indent="0">
+                  <a:buNone/>
+                </a:pPr>
+                <a:r>
+                  <a:rPr lang="ru-RU" dirty="0"/>
+                  <a:t>Нахождение переходных вероятностей </a:t>
+                </a:r>
+                <a:r>
+                  <a:rPr lang="ru-RU" dirty="0" smtClean="0"/>
+                  <a:t>проводится </a:t>
+                </a:r>
+                <a:r>
+                  <a:rPr lang="ru-RU" dirty="0"/>
+                  <a:t>путем анализа поведения цепи Маркова между моментами </a:t>
+                </a:r>
+                <a14:m>
+                  <m:oMath xmlns:m="http://schemas.openxmlformats.org/officeDocument/2006/math">
+                    <m:sSub>
+                      <m:sSubPr>
+                        <m:ctrlPr>
+                          <a:rPr lang="en-US" b="0" i="1" smtClean="0">
+                            <a:latin typeface="Cambria Math" panose="02040503050406030204" pitchFamily="18" charset="0"/>
+                          </a:rPr>
+                        </m:ctrlPr>
+                      </m:sSubPr>
+                      <m:e>
+                        <m:r>
+                          <a:rPr lang="en-US" b="0" i="1" smtClean="0">
+                            <a:latin typeface="Cambria Math" panose="02040503050406030204" pitchFamily="18" charset="0"/>
+                          </a:rPr>
+                          <m:t>𝑡</m:t>
+                        </m:r>
+                      </m:e>
+                      <m:sub>
+                        <m:r>
+                          <a:rPr lang="en-US" b="0" i="1" smtClean="0">
+                            <a:latin typeface="Cambria Math" panose="02040503050406030204" pitchFamily="18" charset="0"/>
+                          </a:rPr>
+                          <m:t>𝑛</m:t>
+                        </m:r>
+                      </m:sub>
+                    </m:sSub>
+                  </m:oMath>
+                </a14:m>
+                <a:r>
+                  <a:rPr lang="ru-RU" dirty="0" smtClean="0"/>
+                  <a:t> </a:t>
+                </a:r>
+                <a:r>
+                  <a:rPr lang="ru-RU" dirty="0"/>
+                  <a:t>и </a:t>
+                </a:r>
+                <a14:m>
+                  <m:oMath xmlns:m="http://schemas.openxmlformats.org/officeDocument/2006/math">
+                    <m:sSub>
+                      <m:sSubPr>
+                        <m:ctrlPr>
+                          <a:rPr lang="en-US" i="1">
+                            <a:latin typeface="Cambria Math" panose="02040503050406030204" pitchFamily="18" charset="0"/>
+                          </a:rPr>
+                        </m:ctrlPr>
+                      </m:sSubPr>
+                      <m:e>
+                        <m:r>
+                          <a:rPr lang="en-US" i="1">
+                            <a:latin typeface="Cambria Math" panose="02040503050406030204" pitchFamily="18" charset="0"/>
+                          </a:rPr>
+                          <m:t>𝑡</m:t>
+                        </m:r>
+                      </m:e>
+                      <m:sub>
+                        <m:r>
+                          <a:rPr lang="en-US" i="1">
+                            <a:latin typeface="Cambria Math" panose="02040503050406030204" pitchFamily="18" charset="0"/>
+                          </a:rPr>
+                          <m:t>𝑛</m:t>
+                        </m:r>
+                        <m:r>
+                          <a:rPr lang="en-US" b="0" i="1" smtClean="0">
+                            <a:latin typeface="Cambria Math" panose="02040503050406030204" pitchFamily="18" charset="0"/>
+                          </a:rPr>
+                          <m:t>+1</m:t>
+                        </m:r>
+                      </m:sub>
+                    </m:sSub>
+                  </m:oMath>
+                </a14:m>
+                <a:r>
+                  <a:rPr lang="en-US" dirty="0" smtClean="0"/>
+                  <a:t>  </a:t>
+                </a:r>
+                <a:r>
+                  <a:rPr lang="ru-RU" dirty="0" smtClean="0"/>
+                  <a:t>и использования </a:t>
+                </a:r>
+                <a:r>
+                  <a:rPr lang="ru-RU" dirty="0"/>
+                  <a:t>формулы полной </a:t>
+                </a:r>
+                <a:r>
+                  <a:rPr lang="ru-RU" dirty="0" smtClean="0"/>
+                  <a:t>вероятности</a:t>
+                </a:r>
+                <a:r>
+                  <a:rPr lang="en-US" dirty="0" smtClean="0"/>
+                  <a:t>.</a:t>
+                </a:r>
+                <a:endParaRPr lang="ru-RU" dirty="0"/>
+              </a:p>
+            </p:txBody>
+          </p:sp>
+        </mc:Choice>
+        <mc:Fallback>
+          <p:sp>
+            <p:nvSpPr>
+              <p:cNvPr id="3" name="Объект 2"/>
+              <p:cNvSpPr>
+                <a:spLocks noGrp="1" noRot="1" noChangeAspect="1" noMove="1" noResize="1" noEditPoints="1" noAdjustHandles="1" noChangeArrowheads="1" noChangeShapeType="1" noTextEdit="1"/>
+              </p:cNvSpPr>
+              <p:nvPr>
+                <p:ph idx="1"/>
+              </p:nvPr>
+            </p:nvSpPr>
+            <p:spPr>
+              <a:xfrm>
+                <a:off x="733245" y="897146"/>
+                <a:ext cx="10396268" cy="5624425"/>
+              </a:xfrm>
+              <a:blipFill rotWithShape="0">
+                <a:blip r:embed="rId2"/>
+                <a:stretch>
+                  <a:fillRect l="-1172" t="-1733" r="-528" b="-217"/>
+                </a:stretch>
+              </a:blipFill>
+            </p:spPr>
+            <p:txBody>
+              <a:bodyPr/>
+              <a:lstStyle/>
+              <a:p>
+                <a:r>
+                  <a:rPr lang="ru-RU">
+                    <a:noFill/>
+                  </a:rPr>
+                  <a:t> </a:t>
+                </a:r>
+              </a:p>
+            </p:txBody>
+          </p:sp>
+        </mc:Fallback>
+      </mc:AlternateContent>
+      <p:pic>
+        <p:nvPicPr>
+          <p:cNvPr id="6" name="Рисунок 5"/>
+          <p:cNvPicPr>
+            <a:picLocks noChangeAspect="1"/>
+          </p:cNvPicPr>
+          <p:nvPr/>
+        </p:nvPicPr>
+        <p:blipFill>
+          <a:blip r:embed="rId3"/>
+          <a:stretch>
+            <a:fillRect/>
+          </a:stretch>
+        </p:blipFill>
+        <p:spPr>
+          <a:xfrm>
+            <a:off x="6125821" y="1367016"/>
+            <a:ext cx="3487756" cy="419730"/>
+          </a:xfrm>
+          <a:prstGeom prst="rect">
+            <a:avLst/>
+          </a:prstGeom>
+        </p:spPr>
+      </p:pic>
+      <p:pic>
+        <p:nvPicPr>
+          <p:cNvPr id="7" name="Рисунок 6"/>
+          <p:cNvPicPr>
+            <a:picLocks noChangeAspect="1"/>
+          </p:cNvPicPr>
+          <p:nvPr/>
+        </p:nvPicPr>
+        <p:blipFill>
+          <a:blip r:embed="rId4"/>
+          <a:stretch>
+            <a:fillRect/>
+          </a:stretch>
+        </p:blipFill>
+        <p:spPr>
+          <a:xfrm>
+            <a:off x="915646" y="1386696"/>
+            <a:ext cx="5210175" cy="400050"/>
+          </a:xfrm>
+          <a:prstGeom prst="rect">
+            <a:avLst/>
+          </a:prstGeom>
+        </p:spPr>
+      </p:pic>
+      <p:pic>
+        <p:nvPicPr>
+          <p:cNvPr id="8" name="Рисунок 7"/>
+          <p:cNvPicPr>
+            <a:picLocks noChangeAspect="1"/>
+          </p:cNvPicPr>
+          <p:nvPr/>
+        </p:nvPicPr>
+        <p:blipFill>
+          <a:blip r:embed="rId5"/>
+          <a:stretch>
+            <a:fillRect/>
+          </a:stretch>
+        </p:blipFill>
+        <p:spPr>
+          <a:xfrm>
+            <a:off x="906121" y="2417492"/>
+            <a:ext cx="5219700" cy="590550"/>
+          </a:xfrm>
+          <a:prstGeom prst="rect">
+            <a:avLst/>
+          </a:prstGeom>
+        </p:spPr>
+      </p:pic>
+      <p:pic>
+        <p:nvPicPr>
+          <p:cNvPr id="9" name="Рисунок 8"/>
+          <p:cNvPicPr>
+            <a:picLocks noChangeAspect="1"/>
+          </p:cNvPicPr>
+          <p:nvPr/>
+        </p:nvPicPr>
+        <p:blipFill>
+          <a:blip r:embed="rId6"/>
+          <a:stretch>
+            <a:fillRect/>
+          </a:stretch>
+        </p:blipFill>
+        <p:spPr>
+          <a:xfrm>
+            <a:off x="906121" y="4081192"/>
+            <a:ext cx="3781425" cy="438150"/>
+          </a:xfrm>
+          <a:prstGeom prst="rect">
+            <a:avLst/>
+          </a:prstGeom>
+        </p:spPr>
+      </p:pic>
+    </p:spTree>
+    <p:extLst>
+      <p:ext uri="{BB962C8B-B14F-4D97-AF65-F5344CB8AC3E}">
+        <p14:creationId xmlns:p14="http://schemas.microsoft.com/office/powerpoint/2010/main" val="1889503228"/>
+      </p:ext>
+    </p:extLst>
+  </p:cSld>
+  <p:clrMapOvr>
+    <a:masterClrMapping/>
+  </p:clrMapOvr>
+  <p:timing>
+    <p:tnLst>
+      <p:par>
+        <p:cTn id="1" dur="indefinite" restart="never" nodeType="tmRoot"/>
+      </p:par>
+    </p:tnLst>
+  </p:timing>
+</p:sld>
+</file>
+
+<file path=ppt/slides/slide9.xml><?xml version="1.0" encoding="utf-8"?>
+<p:sld xmlns:a="http://schemas.openxmlformats.org/drawingml/2006/main" xmlns:r="http://schemas.openxmlformats.org/officeDocument/2006/relationships" xmlns:p="http://schemas.openxmlformats.org/presentationml/2006/main">
+  <p:cSld>
+    <p:spTree>
+      <p:nvGrpSpPr>
+        <p:cNvPr id="1" name=""/>
+        <p:cNvGrpSpPr/>
+        <p:nvPr/>
+      </p:nvGrpSpPr>
+      <p:grpSpPr>
+        <a:xfrm>
+          <a:off x="0" y="0"/>
+          <a:ext cx="0" cy="0"/>
+          <a:chOff x="0" y="0"/>
+          <a:chExt cx="0" cy="0"/>
+        </a:xfrm>
+      </p:grpSpPr>
+      <p:sp>
+        <p:nvSpPr>
+          <p:cNvPr id="2" name="Заголовок 1"/>
+          <p:cNvSpPr>
+            <a:spLocks noGrp="1"/>
+          </p:cNvSpPr>
+          <p:nvPr>
+            <p:ph type="title"/>
+          </p:nvPr>
+        </p:nvSpPr>
+        <p:spPr/>
+        <p:txBody>
+          <a:bodyPr/>
+          <a:lstStyle/>
+          <a:p>
+            <a:pPr algn="ctr"/>
+            <a:r>
+              <a:rPr lang="ru-RU" dirty="0" smtClean="0">
+                <a:latin typeface="Times New Roman" panose="02020603050405020304" pitchFamily="18" charset="0"/>
+                <a:cs typeface="Times New Roman" panose="02020603050405020304" pitchFamily="18" charset="0"/>
+              </a:rPr>
+              <a:t>Матриц</a:t>
+            </a:r>
+            <a:r>
+              <a:rPr lang="ru-RU" dirty="0">
+                <a:latin typeface="Times New Roman" panose="02020603050405020304" pitchFamily="18" charset="0"/>
+                <a:cs typeface="Times New Roman" panose="02020603050405020304" pitchFamily="18" charset="0"/>
+              </a:rPr>
+              <a:t>а</a:t>
+            </a:r>
+            <a:r>
+              <a:rPr lang="ru-RU" dirty="0" smtClean="0">
+                <a:latin typeface="Times New Roman" panose="02020603050405020304" pitchFamily="18" charset="0"/>
+                <a:cs typeface="Times New Roman" panose="02020603050405020304" pitchFamily="18" charset="0"/>
+              </a:rPr>
+              <a:t> вероятностей перехода</a:t>
+            </a:r>
+            <a:endParaRPr lang="ru-RU" dirty="0">
+              <a:latin typeface="Times New Roman" panose="02020603050405020304" pitchFamily="18" charset="0"/>
+              <a:cs typeface="Times New Roman" panose="02020603050405020304" pitchFamily="18" charset="0"/>
+            </a:endParaRPr>
+          </a:p>
+        </p:txBody>
+      </p:sp>
+      <mc:AlternateContent xmlns:mc="http://schemas.openxmlformats.org/markup-compatibility/2006" xmlns:a14="http://schemas.microsoft.com/office/drawing/2010/main">
+        <mc:Choice Requires="a14">
+          <p:sp>
+            <p:nvSpPr>
+              <p:cNvPr id="3" name="Объект 2"/>
+              <p:cNvSpPr>
+                <a:spLocks noGrp="1"/>
+              </p:cNvSpPr>
+              <p:nvPr>
+                <p:ph idx="1"/>
+              </p:nvPr>
+            </p:nvSpPr>
+            <p:spPr>
+              <a:xfrm>
+                <a:off x="838200" y="1690688"/>
+                <a:ext cx="10515600" cy="4351338"/>
+              </a:xfrm>
+            </p:spPr>
+            <p:txBody>
+              <a:bodyPr>
+                <a:normAutofit/>
+              </a:bodyPr>
+              <a:lstStyle/>
+              <a:p>
+                <a:pPr marL="0" indent="0">
+                  <a:buNone/>
+                </a:pPr>
+                <a:r>
+                  <a:rPr lang="ru-RU" sz="2400" dirty="0" smtClean="0">
+                    <a:latin typeface="Times New Roman" panose="02020603050405020304" pitchFamily="18" charset="0"/>
+                    <a:cs typeface="Times New Roman" panose="02020603050405020304" pitchFamily="18" charset="0"/>
+                  </a:rPr>
+                  <a:t>Матрица P вероятностей одношаговых переходов рассматриваемого процесса имеет следующую форму </a:t>
+                </a:r>
+                <a:r>
+                  <a:rPr lang="en-US" sz="2400" dirty="0" smtClean="0">
+                    <a:latin typeface="Times New Roman" panose="02020603050405020304" pitchFamily="18" charset="0"/>
+                    <a:cs typeface="Times New Roman" panose="02020603050405020304" pitchFamily="18" charset="0"/>
+                  </a:rPr>
+                  <a:t>P = (</a:t>
+                </a:r>
+                <a14:m>
+                  <m:oMath xmlns:m="http://schemas.openxmlformats.org/officeDocument/2006/math">
+                    <m:sSub>
+                      <m:sSubPr>
+                        <m:ctrlPr>
+                          <a:rPr lang="en-US" sz="2400" i="1" dirty="0" smtClean="0">
+                            <a:latin typeface="Cambria Math" panose="02040503050406030204" pitchFamily="18" charset="0"/>
+                            <a:cs typeface="Times New Roman" panose="02020603050405020304" pitchFamily="18" charset="0"/>
+                          </a:rPr>
+                        </m:ctrlPr>
+                      </m:sSubPr>
+                      <m:e>
+                        <m:r>
+                          <a:rPr lang="en-US" sz="2400" b="0" i="1" dirty="0" smtClean="0">
+                            <a:latin typeface="Cambria Math" panose="02040503050406030204" pitchFamily="18" charset="0"/>
+                            <a:cs typeface="Times New Roman" panose="02020603050405020304" pitchFamily="18" charset="0"/>
+                          </a:rPr>
+                          <m:t>𝑃</m:t>
+                        </m:r>
+                      </m:e>
+                      <m:sub>
+                        <m:r>
+                          <a:rPr lang="en-US" sz="2400" b="0" i="1" dirty="0" smtClean="0">
+                            <a:latin typeface="Cambria Math" panose="02040503050406030204" pitchFamily="18" charset="0"/>
+                            <a:cs typeface="Times New Roman" panose="02020603050405020304" pitchFamily="18" charset="0"/>
+                          </a:rPr>
+                          <m:t>𝑖</m:t>
+                        </m:r>
+                        <m:r>
+                          <a:rPr lang="en-US" sz="2400" b="0" i="1" dirty="0" smtClean="0">
+                            <a:latin typeface="Cambria Math" panose="02040503050406030204" pitchFamily="18" charset="0"/>
+                            <a:cs typeface="Times New Roman" panose="02020603050405020304" pitchFamily="18" charset="0"/>
+                          </a:rPr>
+                          <m:t>,</m:t>
+                        </m:r>
+                        <m:r>
+                          <a:rPr lang="en-US" sz="2400" b="0" i="1" dirty="0" smtClean="0">
+                            <a:latin typeface="Cambria Math" panose="02040503050406030204" pitchFamily="18" charset="0"/>
+                            <a:cs typeface="Times New Roman" panose="02020603050405020304" pitchFamily="18" charset="0"/>
+                          </a:rPr>
+                          <m:t>𝑗</m:t>
+                        </m:r>
+                      </m:sub>
+                    </m:sSub>
+                  </m:oMath>
+                </a14:m>
+                <a:r>
+                  <a:rPr lang="en-US" sz="2400" dirty="0" smtClean="0">
+                    <a:latin typeface="Times New Roman" panose="02020603050405020304" pitchFamily="18" charset="0"/>
+                    <a:cs typeface="Times New Roman" panose="02020603050405020304" pitchFamily="18" charset="0"/>
+                  </a:rPr>
+                  <a:t>)</a:t>
+                </a:r>
+                <a:r>
+                  <a:rPr lang="ru-RU" sz="2400" dirty="0" smtClean="0">
+                    <a:latin typeface="Times New Roman" panose="02020603050405020304" pitchFamily="18" charset="0"/>
+                    <a:cs typeface="Times New Roman" panose="02020603050405020304" pitchFamily="18" charset="0"/>
+                  </a:rPr>
+                  <a:t> </a:t>
+                </a:r>
+                <a:r>
+                  <a:rPr lang="en-US" sz="2400" dirty="0" err="1" smtClean="0">
+                    <a:latin typeface="Times New Roman" panose="02020603050405020304" pitchFamily="18" charset="0"/>
+                    <a:cs typeface="Times New Roman" panose="02020603050405020304" pitchFamily="18" charset="0"/>
+                  </a:rPr>
+                  <a:t>i</a:t>
+                </a:r>
+                <a:r>
+                  <a:rPr lang="en-US" sz="2400" dirty="0" smtClean="0">
+                    <a:latin typeface="Times New Roman" panose="02020603050405020304" pitchFamily="18" charset="0"/>
+                    <a:cs typeface="Times New Roman" panose="02020603050405020304" pitchFamily="18" charset="0"/>
+                  </a:rPr>
+                  <a:t>, j ≥ 0</a:t>
+                </a:r>
+                <a:r>
+                  <a:rPr lang="ru-RU" sz="2400" dirty="0" smtClean="0">
+                    <a:latin typeface="Times New Roman" panose="02020603050405020304" pitchFamily="18" charset="0"/>
+                    <a:cs typeface="Times New Roman" panose="02020603050405020304" pitchFamily="18" charset="0"/>
+                  </a:rPr>
+                  <a:t>. Можно показать, что</a:t>
+                </a:r>
+              </a:p>
+              <a:p>
+                <a:pPr marL="0" indent="0">
+                  <a:buNone/>
+                </a:pPr>
+                <a:r>
+                  <a:rPr lang="ru-RU" sz="2400" dirty="0" smtClean="0">
+                    <a:latin typeface="Times New Roman" panose="02020603050405020304" pitchFamily="18" charset="0"/>
+                    <a:cs typeface="Times New Roman" panose="02020603050405020304" pitchFamily="18" charset="0"/>
+                  </a:rPr>
+                  <a:t>матрицы </a:t>
+                </a:r>
+                <a14:m>
+                  <m:oMath xmlns:m="http://schemas.openxmlformats.org/officeDocument/2006/math">
+                    <m:sSub>
+                      <m:sSubPr>
+                        <m:ctrlPr>
+                          <a:rPr lang="en-US" sz="2400" i="1" dirty="0">
+                            <a:latin typeface="Cambria Math" panose="02040503050406030204" pitchFamily="18" charset="0"/>
+                            <a:cs typeface="Times New Roman" panose="02020603050405020304" pitchFamily="18" charset="0"/>
+                          </a:rPr>
+                        </m:ctrlPr>
+                      </m:sSubPr>
+                      <m:e>
+                        <m:r>
+                          <a:rPr lang="en-US" sz="2400" i="1" dirty="0">
+                            <a:latin typeface="Cambria Math" panose="02040503050406030204" pitchFamily="18" charset="0"/>
+                            <a:cs typeface="Times New Roman" panose="02020603050405020304" pitchFamily="18" charset="0"/>
+                          </a:rPr>
+                          <m:t>𝑃</m:t>
+                        </m:r>
+                      </m:e>
+                      <m:sub>
+                        <m:r>
+                          <a:rPr lang="en-US" sz="2400" i="1" dirty="0">
+                            <a:latin typeface="Cambria Math" panose="02040503050406030204" pitchFamily="18" charset="0"/>
+                            <a:cs typeface="Times New Roman" panose="02020603050405020304" pitchFamily="18" charset="0"/>
+                          </a:rPr>
+                          <m:t>𝑖</m:t>
+                        </m:r>
+                        <m:r>
+                          <a:rPr lang="en-US" sz="2400" i="1" dirty="0">
+                            <a:latin typeface="Cambria Math" panose="02040503050406030204" pitchFamily="18" charset="0"/>
+                            <a:cs typeface="Times New Roman" panose="02020603050405020304" pitchFamily="18" charset="0"/>
+                          </a:rPr>
+                          <m:t>,</m:t>
+                        </m:r>
+                        <m:r>
+                          <a:rPr lang="en-US" sz="2400" i="1" dirty="0">
+                            <a:latin typeface="Cambria Math" panose="02040503050406030204" pitchFamily="18" charset="0"/>
+                            <a:cs typeface="Times New Roman" panose="02020603050405020304" pitchFamily="18" charset="0"/>
+                          </a:rPr>
+                          <m:t>𝑗</m:t>
+                        </m:r>
+                      </m:sub>
+                    </m:sSub>
+                  </m:oMath>
+                </a14:m>
+                <a:r>
+                  <a:rPr lang="ru-RU" sz="2400" dirty="0" smtClean="0">
+                    <a:latin typeface="Times New Roman" panose="02020603050405020304" pitchFamily="18" charset="0"/>
+                    <a:cs typeface="Times New Roman" panose="02020603050405020304" pitchFamily="18" charset="0"/>
+                  </a:rPr>
+                  <a:t> не зависят от i и j, а зависят только от j - i. Тогда</a:t>
+                </a:r>
+              </a:p>
+              <a:p>
+                <a:pPr marL="0" indent="0">
+                  <a:buNone/>
+                </a:pPr>
+                <a:r>
+                  <a:rPr lang="ru-RU" sz="2400" dirty="0" smtClean="0">
+                    <a:latin typeface="Times New Roman" panose="02020603050405020304" pitchFamily="18" charset="0"/>
+                    <a:cs typeface="Times New Roman" panose="02020603050405020304" pitchFamily="18" charset="0"/>
+                  </a:rPr>
+                  <a:t>обозначим матрицы </a:t>
+                </a:r>
+                <a:r>
+                  <a:rPr lang="en-US" sz="2400" dirty="0" smtClean="0">
+                    <a:latin typeface="Times New Roman" panose="02020603050405020304" pitchFamily="18" charset="0"/>
+                    <a:cs typeface="Times New Roman" panose="02020603050405020304" pitchFamily="18" charset="0"/>
+                  </a:rPr>
+                  <a:t>(</a:t>
+                </a:r>
+                <a14:m>
+                  <m:oMath xmlns:m="http://schemas.openxmlformats.org/officeDocument/2006/math">
+                    <m:sSub>
+                      <m:sSubPr>
+                        <m:ctrlPr>
+                          <a:rPr lang="en-US" sz="2400" i="1" dirty="0">
+                            <a:latin typeface="Cambria Math" panose="02040503050406030204" pitchFamily="18" charset="0"/>
+                            <a:cs typeface="Times New Roman" panose="02020603050405020304" pitchFamily="18" charset="0"/>
+                          </a:rPr>
+                        </m:ctrlPr>
+                      </m:sSubPr>
+                      <m:e>
+                        <m:r>
+                          <a:rPr lang="en-US" sz="2400" i="1" dirty="0">
+                            <a:latin typeface="Cambria Math" panose="02040503050406030204" pitchFamily="18" charset="0"/>
+                            <a:cs typeface="Times New Roman" panose="02020603050405020304" pitchFamily="18" charset="0"/>
+                          </a:rPr>
+                          <m:t>𝑃</m:t>
+                        </m:r>
+                      </m:e>
+                      <m:sub>
+                        <m:r>
+                          <a:rPr lang="en-US" sz="2400" i="1" dirty="0">
+                            <a:latin typeface="Cambria Math" panose="02040503050406030204" pitchFamily="18" charset="0"/>
+                            <a:cs typeface="Times New Roman" panose="02020603050405020304" pitchFamily="18" charset="0"/>
+                          </a:rPr>
+                          <m:t>𝑖</m:t>
+                        </m:r>
+                        <m:r>
+                          <a:rPr lang="en-US" sz="2400" i="1" dirty="0">
+                            <a:latin typeface="Cambria Math" panose="02040503050406030204" pitchFamily="18" charset="0"/>
+                            <a:cs typeface="Times New Roman" panose="02020603050405020304" pitchFamily="18" charset="0"/>
+                          </a:rPr>
+                          <m:t>,</m:t>
+                        </m:r>
+                        <m:r>
+                          <a:rPr lang="en-US" sz="2400" i="1" dirty="0">
+                            <a:latin typeface="Cambria Math" panose="02040503050406030204" pitchFamily="18" charset="0"/>
+                            <a:cs typeface="Times New Roman" panose="02020603050405020304" pitchFamily="18" charset="0"/>
+                          </a:rPr>
+                          <m:t>𝑗</m:t>
+                        </m:r>
+                      </m:sub>
+                    </m:sSub>
+                  </m:oMath>
+                </a14:m>
+                <a:r>
+                  <a:rPr lang="en-US" sz="2400" dirty="0" smtClean="0">
+                    <a:latin typeface="Times New Roman" panose="02020603050405020304" pitchFamily="18" charset="0"/>
+                    <a:cs typeface="Times New Roman" panose="02020603050405020304" pitchFamily="18" charset="0"/>
+                  </a:rPr>
+                  <a:t>) i = 0, j ≥ 0 </a:t>
+                </a:r>
+                <a:r>
+                  <a:rPr lang="ru-RU" sz="2400" dirty="0" smtClean="0">
+                    <a:latin typeface="Times New Roman" panose="02020603050405020304" pitchFamily="18" charset="0"/>
+                    <a:cs typeface="Times New Roman" panose="02020603050405020304" pitchFamily="18" charset="0"/>
+                  </a:rPr>
+                  <a:t>как</a:t>
+                </a:r>
+                <a:r>
+                  <a:rPr lang="en-US" sz="2400" dirty="0" smtClean="0">
+                    <a:latin typeface="Times New Roman" panose="02020603050405020304" pitchFamily="18" charset="0"/>
+                    <a:cs typeface="Times New Roman" panose="02020603050405020304" pitchFamily="18" charset="0"/>
+                  </a:rPr>
+                  <a:t> </a:t>
+                </a:r>
+                <a14:m>
+                  <m:oMath xmlns:m="http://schemas.openxmlformats.org/officeDocument/2006/math">
+                    <m:sSub>
+                      <m:sSubPr>
+                        <m:ctrlPr>
+                          <a:rPr lang="en-US" sz="2400" i="1" dirty="0">
+                            <a:latin typeface="Cambria Math" panose="02040503050406030204" pitchFamily="18" charset="0"/>
+                            <a:cs typeface="Times New Roman" panose="02020603050405020304" pitchFamily="18" charset="0"/>
+                          </a:rPr>
+                        </m:ctrlPr>
+                      </m:sSubPr>
+                      <m:e>
+                        <m:r>
+                          <a:rPr lang="en-US" sz="2400" b="0" i="1" dirty="0" smtClean="0">
+                            <a:latin typeface="Cambria Math" panose="02040503050406030204" pitchFamily="18" charset="0"/>
+                            <a:cs typeface="Times New Roman" panose="02020603050405020304" pitchFamily="18" charset="0"/>
+                          </a:rPr>
+                          <m:t>𝑉</m:t>
+                        </m:r>
+                      </m:e>
+                      <m:sub>
+                        <m:r>
+                          <a:rPr lang="en-US" sz="2400" i="1" dirty="0">
+                            <a:latin typeface="Cambria Math" panose="02040503050406030204" pitchFamily="18" charset="0"/>
+                            <a:cs typeface="Times New Roman" panose="02020603050405020304" pitchFamily="18" charset="0"/>
+                          </a:rPr>
+                          <m:t>𝑗</m:t>
+                        </m:r>
+                      </m:sub>
+                    </m:sSub>
+                  </m:oMath>
+                </a14:m>
+                <a:r>
+                  <a:rPr lang="en-US" sz="2400" dirty="0" smtClean="0">
+                    <a:latin typeface="Times New Roman" panose="02020603050405020304" pitchFamily="18" charset="0"/>
+                    <a:cs typeface="Times New Roman" panose="02020603050405020304" pitchFamily="18" charset="0"/>
+                  </a:rPr>
+                  <a:t>, </a:t>
+                </a:r>
+                <a:r>
+                  <a:rPr lang="ru-RU" sz="2400" dirty="0" smtClean="0">
+                    <a:latin typeface="Times New Roman" panose="02020603050405020304" pitchFamily="18" charset="0"/>
+                    <a:cs typeface="Times New Roman" panose="02020603050405020304" pitchFamily="18" charset="0"/>
+                  </a:rPr>
+                  <a:t>элементами которых будут переходные вероятности </a:t>
+                </a:r>
+                <a:r>
+                  <a:rPr lang="en-US" sz="2400" dirty="0" smtClean="0">
+                    <a:latin typeface="Times New Roman" panose="02020603050405020304" pitchFamily="18" charset="0"/>
+                    <a:cs typeface="Times New Roman" panose="02020603050405020304" pitchFamily="18" charset="0"/>
+                  </a:rPr>
+                  <a:t>P {(0, k) → (j, k` )}, </a:t>
+                </a:r>
+                <a:r>
+                  <a:rPr lang="ru-RU" sz="2400" dirty="0" smtClean="0">
+                    <a:latin typeface="Times New Roman" panose="02020603050405020304" pitchFamily="18" charset="0"/>
+                    <a:cs typeface="Times New Roman" panose="02020603050405020304" pitchFamily="18" charset="0"/>
+                  </a:rPr>
+                  <a:t>где</a:t>
+                </a:r>
+                <a:r>
+                  <a:rPr lang="en-US" sz="2400" dirty="0" smtClean="0">
+                    <a:latin typeface="Times New Roman" panose="02020603050405020304" pitchFamily="18" charset="0"/>
+                    <a:cs typeface="Times New Roman" panose="02020603050405020304" pitchFamily="18" charset="0"/>
+                  </a:rPr>
+                  <a:t> k, k</a:t>
+                </a:r>
+                <a:r>
+                  <a:rPr lang="en-US" sz="2400" dirty="0">
+                    <a:latin typeface="Times New Roman" panose="02020603050405020304" pitchFamily="18" charset="0"/>
+                    <a:cs typeface="Times New Roman" panose="02020603050405020304" pitchFamily="18" charset="0"/>
+                  </a:rPr>
+                  <a:t>`</a:t>
+                </a:r>
+                <a:r>
+                  <a:rPr lang="en-US" sz="2400" dirty="0" smtClean="0">
+                    <a:latin typeface="Times New Roman" panose="02020603050405020304" pitchFamily="18" charset="0"/>
+                    <a:cs typeface="Times New Roman" panose="02020603050405020304" pitchFamily="18" charset="0"/>
+                  </a:rPr>
+                  <a:t> ∈ [0, K]. </a:t>
+                </a:r>
+                <a:r>
+                  <a:rPr lang="ru-RU" sz="2400" dirty="0" smtClean="0">
+                    <a:latin typeface="Times New Roman" panose="02020603050405020304" pitchFamily="18" charset="0"/>
+                    <a:cs typeface="Times New Roman" panose="02020603050405020304" pitchFamily="18" charset="0"/>
+                  </a:rPr>
+                  <a:t>Матрицы </a:t>
+                </a:r>
+                <a14:m>
+                  <m:oMath xmlns:m="http://schemas.openxmlformats.org/officeDocument/2006/math">
+                    <m:sSub>
+                      <m:sSubPr>
+                        <m:ctrlPr>
+                          <a:rPr lang="en-US" sz="2400" i="1" dirty="0">
+                            <a:latin typeface="Cambria Math" panose="02040503050406030204" pitchFamily="18" charset="0"/>
+                            <a:cs typeface="Times New Roman" panose="02020603050405020304" pitchFamily="18" charset="0"/>
+                          </a:rPr>
+                        </m:ctrlPr>
+                      </m:sSubPr>
+                      <m:e>
+                        <m:r>
+                          <a:rPr lang="en-US" sz="2400" i="1" dirty="0">
+                            <a:latin typeface="Cambria Math" panose="02040503050406030204" pitchFamily="18" charset="0"/>
+                            <a:cs typeface="Times New Roman" panose="02020603050405020304" pitchFamily="18" charset="0"/>
+                          </a:rPr>
+                          <m:t>𝑃</m:t>
+                        </m:r>
+                      </m:e>
+                      <m:sub>
+                        <m:r>
+                          <a:rPr lang="en-US" sz="2400" i="1" dirty="0">
+                            <a:latin typeface="Cambria Math" panose="02040503050406030204" pitchFamily="18" charset="0"/>
+                            <a:cs typeface="Times New Roman" panose="02020603050405020304" pitchFamily="18" charset="0"/>
+                          </a:rPr>
+                          <m:t>𝑖</m:t>
+                        </m:r>
+                        <m:r>
+                          <a:rPr lang="en-US" sz="2400" i="1" dirty="0">
+                            <a:latin typeface="Cambria Math" panose="02040503050406030204" pitchFamily="18" charset="0"/>
+                            <a:cs typeface="Times New Roman" panose="02020603050405020304" pitchFamily="18" charset="0"/>
+                          </a:rPr>
+                          <m:t>,</m:t>
+                        </m:r>
+                        <m:r>
+                          <a:rPr lang="en-US" sz="2400" b="0" i="1" dirty="0" smtClean="0">
+                            <a:latin typeface="Cambria Math" panose="02040503050406030204" pitchFamily="18" charset="0"/>
+                            <a:cs typeface="Times New Roman" panose="02020603050405020304" pitchFamily="18" charset="0"/>
+                          </a:rPr>
+                          <m:t>𝑖</m:t>
+                        </m:r>
+                        <m:r>
+                          <a:rPr lang="en-US" sz="2400" b="0" i="1" dirty="0" smtClean="0">
+                            <a:latin typeface="Cambria Math" panose="02040503050406030204" pitchFamily="18" charset="0"/>
+                            <a:cs typeface="Times New Roman" panose="02020603050405020304" pitchFamily="18" charset="0"/>
+                          </a:rPr>
+                          <m:t>+</m:t>
+                        </m:r>
+                        <m:r>
+                          <a:rPr lang="en-US" sz="2400" b="0" i="1" dirty="0" smtClean="0">
+                            <a:latin typeface="Cambria Math" panose="02040503050406030204" pitchFamily="18" charset="0"/>
+                            <a:cs typeface="Times New Roman" panose="02020603050405020304" pitchFamily="18" charset="0"/>
+                          </a:rPr>
+                          <m:t>𝑗</m:t>
+                        </m:r>
+                        <m:r>
+                          <a:rPr lang="en-US" sz="2400" b="0" i="1" dirty="0" smtClean="0">
+                            <a:latin typeface="Cambria Math" panose="02040503050406030204" pitchFamily="18" charset="0"/>
+                            <a:cs typeface="Times New Roman" panose="02020603050405020304" pitchFamily="18" charset="0"/>
+                          </a:rPr>
+                          <m:t> −1</m:t>
+                        </m:r>
+                      </m:sub>
+                    </m:sSub>
+                  </m:oMath>
+                </a14:m>
+                <a:r>
+                  <a:rPr lang="en-US" sz="2400" dirty="0" smtClean="0">
+                    <a:latin typeface="Times New Roman" panose="02020603050405020304" pitchFamily="18" charset="0"/>
+                    <a:cs typeface="Times New Roman" panose="02020603050405020304" pitchFamily="18" charset="0"/>
+                  </a:rPr>
+                  <a:t> </a:t>
+                </a:r>
+                <a:r>
+                  <a:rPr lang="en-US" sz="2400" dirty="0" err="1" smtClean="0">
+                    <a:latin typeface="Times New Roman" panose="02020603050405020304" pitchFamily="18" charset="0"/>
+                    <a:cs typeface="Times New Roman" panose="02020603050405020304" pitchFamily="18" charset="0"/>
+                  </a:rPr>
+                  <a:t>i</a:t>
+                </a:r>
+                <a:r>
+                  <a:rPr lang="en-US" sz="2400" dirty="0" smtClean="0">
+                    <a:latin typeface="Times New Roman" panose="02020603050405020304" pitchFamily="18" charset="0"/>
+                    <a:cs typeface="Times New Roman" panose="02020603050405020304" pitchFamily="18" charset="0"/>
+                  </a:rPr>
+                  <a:t> &gt; 0, j ≥ 0 </a:t>
+                </a:r>
+                <a:r>
+                  <a:rPr lang="ru-RU" sz="2400" dirty="0" smtClean="0">
+                    <a:latin typeface="Times New Roman" panose="02020603050405020304" pitchFamily="18" charset="0"/>
+                    <a:cs typeface="Times New Roman" panose="02020603050405020304" pitchFamily="18" charset="0"/>
+                  </a:rPr>
+                  <a:t>в свою очередь, обозначим как </a:t>
+                </a:r>
+                <a14:m>
+                  <m:oMath xmlns:m="http://schemas.openxmlformats.org/officeDocument/2006/math">
+                    <m:sSub>
+                      <m:sSubPr>
+                        <m:ctrlPr>
+                          <a:rPr lang="en-US" sz="2400" i="1" dirty="0">
+                            <a:latin typeface="Cambria Math" panose="02040503050406030204" pitchFamily="18" charset="0"/>
+                            <a:cs typeface="Times New Roman" panose="02020603050405020304" pitchFamily="18" charset="0"/>
+                          </a:rPr>
+                        </m:ctrlPr>
+                      </m:sSubPr>
+                      <m:e>
+                        <m:r>
+                          <a:rPr lang="en-US" sz="2400" b="0" i="1" dirty="0" smtClean="0">
+                            <a:latin typeface="Cambria Math" panose="02040503050406030204" pitchFamily="18" charset="0"/>
+                            <a:cs typeface="Times New Roman" panose="02020603050405020304" pitchFamily="18" charset="0"/>
+                          </a:rPr>
+                          <m:t>𝑌</m:t>
+                        </m:r>
+                      </m:e>
+                      <m:sub>
+                        <m:r>
+                          <a:rPr lang="en-US" sz="2400" i="1" dirty="0">
+                            <a:latin typeface="Cambria Math" panose="02040503050406030204" pitchFamily="18" charset="0"/>
+                            <a:cs typeface="Times New Roman" panose="02020603050405020304" pitchFamily="18" charset="0"/>
+                          </a:rPr>
+                          <m:t>𝑗</m:t>
+                        </m:r>
+                      </m:sub>
+                    </m:sSub>
+                  </m:oMath>
+                </a14:m>
+                <a:r>
+                  <a:rPr lang="en-US" sz="2400" dirty="0" smtClean="0">
+                    <a:latin typeface="Times New Roman" panose="02020603050405020304" pitchFamily="18" charset="0"/>
+                    <a:cs typeface="Times New Roman" panose="02020603050405020304" pitchFamily="18" charset="0"/>
+                  </a:rPr>
+                  <a:t>, </a:t>
+                </a:r>
+                <a:r>
+                  <a:rPr lang="ru-RU" sz="2400" dirty="0" smtClean="0">
+                    <a:latin typeface="Times New Roman" panose="02020603050405020304" pitchFamily="18" charset="0"/>
+                    <a:cs typeface="Times New Roman" panose="02020603050405020304" pitchFamily="18" charset="0"/>
+                  </a:rPr>
+                  <a:t>элементами которых</a:t>
+                </a:r>
+              </a:p>
+              <a:p>
+                <a:pPr marL="0" indent="0">
+                  <a:buNone/>
+                </a:pPr>
+                <a:r>
+                  <a:rPr lang="ru-RU" sz="2400" dirty="0" smtClean="0">
+                    <a:latin typeface="Times New Roman" panose="02020603050405020304" pitchFamily="18" charset="0"/>
+                    <a:cs typeface="Times New Roman" panose="02020603050405020304" pitchFamily="18" charset="0"/>
+                  </a:rPr>
+                  <a:t>будут переходные вероятности</a:t>
+                </a:r>
+                <a:r>
+                  <a:rPr lang="en-US" sz="2400" dirty="0" smtClean="0">
+                    <a:latin typeface="Times New Roman" panose="02020603050405020304" pitchFamily="18" charset="0"/>
+                    <a:cs typeface="Times New Roman" panose="02020603050405020304" pitchFamily="18" charset="0"/>
+                  </a:rPr>
+                  <a:t> P {(1, k) → (j, k`)} , </a:t>
+                </a:r>
+                <a:r>
+                  <a:rPr lang="ru-RU" sz="2400" dirty="0" smtClean="0">
+                    <a:latin typeface="Times New Roman" panose="02020603050405020304" pitchFamily="18" charset="0"/>
+                    <a:cs typeface="Times New Roman" panose="02020603050405020304" pitchFamily="18" charset="0"/>
+                  </a:rPr>
+                  <a:t>где</a:t>
+                </a:r>
+                <a:r>
+                  <a:rPr lang="en-US" sz="2400" dirty="0" smtClean="0">
+                    <a:latin typeface="Times New Roman" panose="02020603050405020304" pitchFamily="18" charset="0"/>
+                    <a:cs typeface="Times New Roman" panose="02020603050405020304" pitchFamily="18" charset="0"/>
+                  </a:rPr>
+                  <a:t> k, k</a:t>
+                </a:r>
+                <a:r>
+                  <a:rPr lang="en-US" sz="2400" dirty="0">
+                    <a:latin typeface="Times New Roman" panose="02020603050405020304" pitchFamily="18" charset="0"/>
+                    <a:cs typeface="Times New Roman" panose="02020603050405020304" pitchFamily="18" charset="0"/>
+                  </a:rPr>
+                  <a:t>`</a:t>
+                </a:r>
+                <a:r>
+                  <a:rPr lang="en-US" sz="2400" dirty="0" smtClean="0">
+                    <a:latin typeface="Times New Roman" panose="02020603050405020304" pitchFamily="18" charset="0"/>
+                    <a:cs typeface="Times New Roman" panose="02020603050405020304" pitchFamily="18" charset="0"/>
+                  </a:rPr>
+                  <a:t> ∈ [O, K].</a:t>
+                </a:r>
+              </a:p>
+              <a:p>
+                <a:pPr marL="0" indent="0">
+                  <a:buNone/>
+                </a:pPr>
+                <a:r>
+                  <a:rPr lang="ru-RU" sz="2400" dirty="0" smtClean="0">
+                    <a:latin typeface="Times New Roman" panose="02020603050405020304" pitchFamily="18" charset="0"/>
+                    <a:cs typeface="Times New Roman" panose="02020603050405020304" pitchFamily="18" charset="0"/>
+                  </a:rPr>
+                  <a:t> Матрица</a:t>
+                </a:r>
+                <a:r>
+                  <a:rPr lang="en-US" sz="2400" dirty="0" smtClean="0">
+                    <a:latin typeface="Times New Roman" panose="02020603050405020304" pitchFamily="18" charset="0"/>
+                    <a:cs typeface="Times New Roman" panose="02020603050405020304" pitchFamily="18" charset="0"/>
+                  </a:rPr>
+                  <a:t> </a:t>
+                </a:r>
+                <a:r>
+                  <a:rPr lang="ru-RU" sz="2400" dirty="0" smtClean="0">
+                    <a:latin typeface="Times New Roman" panose="02020603050405020304" pitchFamily="18" charset="0"/>
+                    <a:cs typeface="Times New Roman" panose="02020603050405020304" pitchFamily="18" charset="0"/>
+                  </a:rPr>
+                  <a:t>вероятностей одношаговых переходов </a:t>
+                </a:r>
+                <a:r>
+                  <a:rPr lang="en-US" sz="2400" dirty="0" smtClean="0">
+                    <a:latin typeface="Times New Roman" panose="02020603050405020304" pitchFamily="18" charset="0"/>
+                    <a:cs typeface="Times New Roman" panose="02020603050405020304" pitchFamily="18" charset="0"/>
+                  </a:rPr>
+                  <a:t>P</a:t>
+                </a:r>
+                <a:r>
+                  <a:rPr lang="ru-RU" sz="2400" dirty="0" smtClean="0">
+                    <a:latin typeface="Times New Roman" panose="02020603050405020304" pitchFamily="18" charset="0"/>
+                    <a:cs typeface="Times New Roman" panose="02020603050405020304" pitchFamily="18" charset="0"/>
+                  </a:rPr>
+                  <a:t> имеет следующую структуру:</a:t>
+                </a:r>
+                <a:endParaRPr lang="ru-RU" sz="2400" dirty="0">
+                  <a:latin typeface="Times New Roman" panose="02020603050405020304" pitchFamily="18" charset="0"/>
+                  <a:cs typeface="Times New Roman" panose="02020603050405020304" pitchFamily="18" charset="0"/>
+                </a:endParaRPr>
+              </a:p>
+            </p:txBody>
+          </p:sp>
+        </mc:Choice>
+        <mc:Fallback xmlns="">
+          <p:sp>
+            <p:nvSpPr>
+              <p:cNvPr id="3" name="Объект 2"/>
+              <p:cNvSpPr>
+                <a:spLocks noGrp="1" noRot="1" noChangeAspect="1" noMove="1" noResize="1" noEditPoints="1" noAdjustHandles="1" noChangeArrowheads="1" noChangeShapeType="1" noTextEdit="1"/>
+              </p:cNvSpPr>
+              <p:nvPr>
+                <p:ph idx="1"/>
+              </p:nvPr>
+            </p:nvSpPr>
+            <p:spPr>
+              <a:xfrm>
+                <a:off x="838200" y="1690688"/>
+                <a:ext cx="10515600" cy="4351338"/>
+              </a:xfrm>
+              <a:blipFill rotWithShape="0">
+                <a:blip r:embed="rId2"/>
+                <a:stretch>
+                  <a:fillRect l="-928" t="-1961"/>
+                </a:stretch>
+              </a:blipFill>
+            </p:spPr>
+            <p:txBody>
+              <a:bodyPr/>
+              <a:lstStyle/>
+              <a:p>
+                <a:r>
+                  <a:rPr lang="ru-RU">
+                    <a:noFill/>
+                  </a:rPr>
+                  <a:t> </a:t>
+                </a:r>
+              </a:p>
+            </p:txBody>
+          </p:sp>
+        </mc:Fallback>
+      </mc:AlternateContent>
+      <p:pic>
+        <p:nvPicPr>
+          <p:cNvPr id="7" name="Рисунок 6"/>
+          <p:cNvPicPr>
+            <a:picLocks noChangeAspect="1"/>
+          </p:cNvPicPr>
+          <p:nvPr/>
+        </p:nvPicPr>
+        <p:blipFill>
+          <a:blip r:embed="rId3"/>
+          <a:stretch>
+            <a:fillRect/>
+          </a:stretch>
+        </p:blipFill>
+        <p:spPr>
+          <a:xfrm>
+            <a:off x="3387846" y="5012216"/>
+            <a:ext cx="2914650" cy="1457325"/>
+          </a:xfrm>
+          <a:prstGeom prst="rect">
+            <a:avLst/>
+          </a:prstGeom>
+        </p:spPr>
+      </p:pic>
+    </p:spTree>
+    <p:extLst>
+      <p:ext uri="{BB962C8B-B14F-4D97-AF65-F5344CB8AC3E}">
+        <p14:creationId xmlns:p14="http://schemas.microsoft.com/office/powerpoint/2010/main" val="1392876878"/>
       </p:ext>
     </p:extLst>
   </p:cSld>
